--- a/Advanced Javascript.pptx
+++ b/Advanced Javascript.pptx
@@ -5,13 +5,24 @@
     <p:sldMasterId id="2147483792" r:id="rId1"/>
   </p:sldMasterIdLst>
   <p:notesMasterIdLst>
-    <p:notesMasterId r:id="rId6"/>
+    <p:notesMasterId r:id="rId17"/>
   </p:notesMasterIdLst>
   <p:sldIdLst>
     <p:sldId id="256" r:id="rId2"/>
-    <p:sldId id="257" r:id="rId3"/>
-    <p:sldId id="259" r:id="rId4"/>
-    <p:sldId id="258" r:id="rId5"/>
+    <p:sldId id="260" r:id="rId3"/>
+    <p:sldId id="257" r:id="rId4"/>
+    <p:sldId id="261" r:id="rId5"/>
+    <p:sldId id="259" r:id="rId6"/>
+    <p:sldId id="258" r:id="rId7"/>
+    <p:sldId id="262" r:id="rId8"/>
+    <p:sldId id="263" r:id="rId9"/>
+    <p:sldId id="264" r:id="rId10"/>
+    <p:sldId id="265" r:id="rId11"/>
+    <p:sldId id="266" r:id="rId12"/>
+    <p:sldId id="267" r:id="rId13"/>
+    <p:sldId id="268" r:id="rId14"/>
+    <p:sldId id="269" r:id="rId15"/>
+    <p:sldId id="270" r:id="rId16"/>
   </p:sldIdLst>
   <p:sldSz cx="9144000" cy="6858000" type="screen4x3"/>
   <p:notesSz cx="6858000" cy="9144000"/>
@@ -195,7 +206,7 @@
           <a:p>
             <a:fld id="{26151B0D-99E5-4A1B-9DBD-0880C37D7AC7}" type="datetimeFigureOut">
               <a:rPr lang="en-US" smtClean="0"/>
-              <a:t>1/26/2014</a:t>
+              <a:t>2/6/2014</a:t>
             </a:fld>
             <a:endParaRPr lang="en-US"/>
           </a:p>
@@ -363,6 +374,11 @@
         </p:txBody>
       </p:sp>
     </p:spTree>
+    <p:extLst>
+      <p:ext uri="{BB962C8B-B14F-4D97-AF65-F5344CB8AC3E}">
+        <p14:creationId xmlns:p14="http://schemas.microsoft.com/office/powerpoint/2010/main" val="2962217361"/>
+      </p:ext>
+    </p:extLst>
   </p:cSld>
   <p:clrMap bg1="lt1" tx1="dk1" bg2="lt2" tx2="dk2" accent1="accent1" accent2="accent2" accent3="accent3" accent4="accent4" accent5="accent5" accent6="accent6" hlink="hlink" folHlink="folHlink"/>
   <p:notesStyle>
@@ -527,7 +543,7 @@
           <a:p>
             <a:fld id="{DAFC96DD-25AF-4AD9-9932-5ADB8ED1397D}" type="slidenum">
               <a:rPr lang="en-US" smtClean="0"/>
-              <a:t>4</a:t>
+              <a:t>6</a:t>
             </a:fld>
             <a:endParaRPr lang="en-US"/>
           </a:p>
@@ -833,7 +849,7 @@
             <a:fld id="{30EFA729-0062-401D-B7BF-B91E3DD8EF4A}" type="datetimeFigureOut">
               <a:rPr lang="en-US" smtClean="0"/>
               <a:pPr/>
-              <a:t>1/26/2014</a:t>
+              <a:t>2/6/2014</a:t>
             </a:fld>
             <a:endParaRPr lang="en-US"/>
           </a:p>
@@ -1026,7 +1042,7 @@
             <a:fld id="{30EFA729-0062-401D-B7BF-B91E3DD8EF4A}" type="datetimeFigureOut">
               <a:rPr lang="en-US" smtClean="0"/>
               <a:pPr/>
-              <a:t>1/26/2014</a:t>
+              <a:t>2/6/2014</a:t>
             </a:fld>
             <a:endParaRPr lang="en-US"/>
           </a:p>
@@ -1213,7 +1229,7 @@
             <a:fld id="{30EFA729-0062-401D-B7BF-B91E3DD8EF4A}" type="datetimeFigureOut">
               <a:rPr lang="en-US" smtClean="0"/>
               <a:pPr/>
-              <a:t>1/26/2014</a:t>
+              <a:t>2/6/2014</a:t>
             </a:fld>
             <a:endParaRPr lang="en-US"/>
           </a:p>
@@ -1478,7 +1494,7 @@
             <a:fld id="{30EFA729-0062-401D-B7BF-B91E3DD8EF4A}" type="datetimeFigureOut">
               <a:rPr lang="en-US" smtClean="0"/>
               <a:pPr/>
-              <a:t>1/26/2014</a:t>
+              <a:t>2/6/2014</a:t>
             </a:fld>
             <a:endParaRPr lang="en-US"/>
           </a:p>
@@ -1597,6 +1613,13 @@
   <p:clrMapOvr>
     <a:masterClrMapping/>
   </p:clrMapOvr>
+  <p:timing>
+    <p:tnLst>
+      <p:par>
+        <p:cTn id="1" dur="indefinite" restart="never" nodeType="tmRoot"/>
+      </p:par>
+    </p:tnLst>
+  </p:timing>
 </p:sldLayout>
 </file>
 
@@ -1896,7 +1919,7 @@
             <a:fld id="{30EFA729-0062-401D-B7BF-B91E3DD8EF4A}" type="datetimeFigureOut">
               <a:rPr lang="en-US" smtClean="0"/>
               <a:pPr/>
-              <a:t>1/26/2014</a:t>
+              <a:t>2/6/2014</a:t>
             </a:fld>
             <a:endParaRPr lang="en-US"/>
           </a:p>
@@ -2140,7 +2163,7 @@
             <a:fld id="{30EFA729-0062-401D-B7BF-B91E3DD8EF4A}" type="datetimeFigureOut">
               <a:rPr lang="en-US" smtClean="0"/>
               <a:pPr/>
-              <a:t>1/26/2014</a:t>
+              <a:t>2/6/2014</a:t>
             </a:fld>
             <a:endParaRPr lang="en-US"/>
           </a:p>
@@ -2378,7 +2401,7 @@
             <a:fld id="{30EFA729-0062-401D-B7BF-B91E3DD8EF4A}" type="datetimeFigureOut">
               <a:rPr lang="en-US" smtClean="0"/>
               <a:pPr/>
-              <a:t>1/26/2014</a:t>
+              <a:t>2/6/2014</a:t>
             </a:fld>
             <a:endParaRPr lang="en-US"/>
           </a:p>
@@ -2575,7 +2598,7 @@
             <a:fld id="{30EFA729-0062-401D-B7BF-B91E3DD8EF4A}" type="datetimeFigureOut">
               <a:rPr lang="en-US" smtClean="0"/>
               <a:pPr/>
-              <a:t>1/26/2014</a:t>
+              <a:t>2/6/2014</a:t>
             </a:fld>
             <a:endParaRPr lang="en-US"/>
           </a:p>
@@ -2675,7 +2698,7 @@
             <a:fld id="{30EFA729-0062-401D-B7BF-B91E3DD8EF4A}" type="datetimeFigureOut">
               <a:rPr lang="en-US" smtClean="0"/>
               <a:pPr/>
-              <a:t>1/26/2014</a:t>
+              <a:t>2/6/2014</a:t>
             </a:fld>
             <a:endParaRPr lang="en-US"/>
           </a:p>
@@ -2813,7 +2836,7 @@
             <a:fld id="{30EFA729-0062-401D-B7BF-B91E3DD8EF4A}" type="datetimeFigureOut">
               <a:rPr lang="en-US" smtClean="0"/>
               <a:pPr/>
-              <a:t>1/26/2014</a:t>
+              <a:t>2/6/2014</a:t>
             </a:fld>
             <a:endParaRPr lang="en-US"/>
           </a:p>
@@ -3333,7 +3356,7 @@
             <a:fld id="{30EFA729-0062-401D-B7BF-B91E3DD8EF4A}" type="datetimeFigureOut">
               <a:rPr lang="en-US" smtClean="0"/>
               <a:pPr/>
-              <a:t>1/26/2014</a:t>
+              <a:t>2/6/2014</a:t>
             </a:fld>
             <a:endParaRPr lang="en-US"/>
           </a:p>
@@ -3596,7 +3619,7 @@
             <a:fld id="{30EFA729-0062-401D-B7BF-B91E3DD8EF4A}" type="datetimeFigureOut">
               <a:rPr lang="en-US" smtClean="0"/>
               <a:pPr/>
-              <a:t>1/26/2014</a:t>
+              <a:t>2/6/2014</a:t>
             </a:fld>
             <a:endParaRPr lang="en-US"/>
           </a:p>
@@ -4153,36 +4176,766 @@
           <a:p>
             <a:r>
               <a:rPr lang="en-US" dirty="0" smtClean="0"/>
-              <a:t>Advanced </a:t>
-            </a:r>
+              <a:t>Advanced JavaScript</a:t>
+            </a:r>
+            <a:endParaRPr lang="en-US" dirty="0"/>
+          </a:p>
+        </p:txBody>
+      </p:sp>
+      <p:sp>
+        <p:nvSpPr>
+          <p:cNvPr id="3" name="Subtitle 2"/>
+          <p:cNvSpPr>
+            <a:spLocks noGrp="1"/>
+          </p:cNvSpPr>
+          <p:nvPr>
+            <p:ph type="subTitle" idx="1"/>
+          </p:nvPr>
+        </p:nvSpPr>
+        <p:spPr/>
+        <p:txBody>
+          <a:bodyPr/>
+          <a:lstStyle/>
+          <a:p>
+            <a:endParaRPr lang="en-US" dirty="0"/>
+          </a:p>
+        </p:txBody>
+      </p:sp>
+    </p:spTree>
+  </p:cSld>
+  <p:clrMapOvr>
+    <a:masterClrMapping/>
+  </p:clrMapOvr>
+  <p:timing>
+    <p:tnLst>
+      <p:par>
+        <p:cTn id="1" dur="indefinite" restart="never" nodeType="tmRoot"/>
+      </p:par>
+    </p:tnLst>
+  </p:timing>
+</p:sld>
+</file>
+
+<file path=ppt/slides/slide10.xml><?xml version="1.0" encoding="utf-8"?>
+<p:sld xmlns:a="http://schemas.openxmlformats.org/drawingml/2006/main" xmlns:r="http://schemas.openxmlformats.org/officeDocument/2006/relationships" xmlns:p="http://schemas.openxmlformats.org/presentationml/2006/main">
+  <p:cSld>
+    <p:spTree>
+      <p:nvGrpSpPr>
+        <p:cNvPr id="1" name=""/>
+        <p:cNvGrpSpPr/>
+        <p:nvPr/>
+      </p:nvGrpSpPr>
+      <p:grpSpPr>
+        <a:xfrm>
+          <a:off x="0" y="0"/>
+          <a:ext cx="0" cy="0"/>
+          <a:chOff x="0" y="0"/>
+          <a:chExt cx="0" cy="0"/>
+        </a:xfrm>
+      </p:grpSpPr>
+      <p:sp>
+        <p:nvSpPr>
+          <p:cNvPr id="2" name="Title 1"/>
+          <p:cNvSpPr>
+            <a:spLocks noGrp="1"/>
+          </p:cNvSpPr>
+          <p:nvPr>
+            <p:ph type="title"/>
+          </p:nvPr>
+        </p:nvSpPr>
+        <p:spPr/>
+        <p:txBody>
+          <a:bodyPr>
+            <a:normAutofit fontScale="90000"/>
+          </a:bodyPr>
+          <a:lstStyle/>
+          <a:p>
+            <a:r>
+              <a:rPr lang="en-IN" dirty="0"/>
+              <a:t>Anonymous and Call-backs functions</a:t>
+            </a:r>
+            <a:endParaRPr lang="en-US" dirty="0"/>
+          </a:p>
+        </p:txBody>
+      </p:sp>
+      <p:sp>
+        <p:nvSpPr>
+          <p:cNvPr id="3" name="Content Placeholder 2"/>
+          <p:cNvSpPr>
+            <a:spLocks noGrp="1"/>
+          </p:cNvSpPr>
+          <p:nvPr>
+            <p:ph sz="quarter" idx="1"/>
+          </p:nvPr>
+        </p:nvSpPr>
+        <p:spPr/>
+        <p:txBody>
+          <a:bodyPr/>
+          <a:lstStyle/>
+          <a:p>
+            <a:pPr marL="0" indent="0">
+              <a:buNone/>
+            </a:pPr>
             <a:r>
               <a:rPr lang="en-US" dirty="0" smtClean="0"/>
-              <a:t>JavaScript</a:t>
-            </a:r>
+              <a:t>Ex1:</a:t>
+            </a:r>
+          </a:p>
+          <a:p>
+            <a:endParaRPr lang="en-US" dirty="0" smtClean="0"/>
+          </a:p>
+          <a:p>
             <a:endParaRPr lang="en-US" dirty="0"/>
           </a:p>
-        </p:txBody>
-      </p:sp>
-      <p:sp>
-        <p:nvSpPr>
-          <p:cNvPr id="3" name="Subtitle 2"/>
-          <p:cNvSpPr>
-            <a:spLocks noGrp="1"/>
-          </p:cNvSpPr>
-          <p:nvPr>
-            <p:ph type="subTitle" idx="1"/>
+          <a:p>
+            <a:endParaRPr lang="en-US" dirty="0" smtClean="0"/>
+          </a:p>
+          <a:p>
+            <a:endParaRPr lang="en-US" dirty="0"/>
+          </a:p>
+          <a:p>
+            <a:endParaRPr lang="en-US" dirty="0" smtClean="0"/>
+          </a:p>
+          <a:p>
+            <a:pPr marL="0" indent="0">
+              <a:buNone/>
+            </a:pPr>
+            <a:endParaRPr lang="en-US" dirty="0"/>
+          </a:p>
+        </p:txBody>
+      </p:sp>
+      <p:pic>
+        <p:nvPicPr>
+          <p:cNvPr id="4098" name="Picture 2"/>
+          <p:cNvPicPr>
+            <a:picLocks noChangeAspect="1" noChangeArrowheads="1"/>
+          </p:cNvPicPr>
+          <p:nvPr/>
+        </p:nvPicPr>
+        <p:blipFill>
+          <a:blip r:embed="rId2">
+            <a:extLst>
+              <a:ext uri="{28A0092B-C50C-407E-A947-70E740481C1C}">
+                <a14:useLocalDpi xmlns:a14="http://schemas.microsoft.com/office/drawing/2010/main" val="0"/>
+              </a:ext>
+            </a:extLst>
+          </a:blip>
+          <a:srcRect/>
+          <a:stretch>
+            <a:fillRect/>
+          </a:stretch>
+        </p:blipFill>
+        <p:spPr bwMode="auto">
+          <a:xfrm>
+            <a:off x="1538288" y="2262188"/>
+            <a:ext cx="6067425" cy="2333625"/>
+          </a:xfrm>
+          <a:prstGeom prst="rect">
+            <a:avLst/>
+          </a:prstGeom>
+          <a:noFill/>
+          <a:ln>
+            <a:noFill/>
+          </a:ln>
+          <a:effectLst/>
+          <a:extLst>
+            <a:ext uri="{909E8E84-426E-40DD-AFC4-6F175D3DCCD1}">
+              <a14:hiddenFill xmlns:a14="http://schemas.microsoft.com/office/drawing/2010/main">
+                <a:solidFill>
+                  <a:schemeClr val="accent1"/>
+                </a:solidFill>
+              </a14:hiddenFill>
+            </a:ext>
+            <a:ext uri="{91240B29-F687-4F45-9708-019B960494DF}">
+              <a14:hiddenLine xmlns:a14="http://schemas.microsoft.com/office/drawing/2010/main" w="9525">
+                <a:solidFill>
+                  <a:schemeClr val="tx1"/>
+                </a:solidFill>
+                <a:miter lim="800000"/>
+                <a:headEnd/>
+                <a:tailEnd/>
+              </a14:hiddenLine>
+            </a:ext>
+            <a:ext uri="{AF507438-7753-43E0-B8FC-AC1667EBCBE1}">
+              <a14:hiddenEffects xmlns:a14="http://schemas.microsoft.com/office/drawing/2010/main">
+                <a:effectLst>
+                  <a:outerShdw dist="35921" dir="2700000" algn="ctr" rotWithShape="0">
+                    <a:schemeClr val="bg2"/>
+                  </a:outerShdw>
+                </a:effectLst>
+              </a14:hiddenEffects>
+            </a:ext>
+          </a:extLst>
+        </p:spPr>
+      </p:pic>
+    </p:spTree>
+    <p:extLst>
+      <p:ext uri="{BB962C8B-B14F-4D97-AF65-F5344CB8AC3E}">
+        <p14:creationId xmlns:p14="http://schemas.microsoft.com/office/powerpoint/2010/main" val="3382862363"/>
+      </p:ext>
+    </p:extLst>
+  </p:cSld>
+  <p:clrMapOvr>
+    <a:masterClrMapping/>
+  </p:clrMapOvr>
+  <p:timing>
+    <p:tnLst>
+      <p:par>
+        <p:cTn id="1" dur="indefinite" restart="never" nodeType="tmRoot"/>
+      </p:par>
+    </p:tnLst>
+  </p:timing>
+</p:sld>
+</file>
+
+<file path=ppt/slides/slide11.xml><?xml version="1.0" encoding="utf-8"?>
+<p:sld xmlns:a="http://schemas.openxmlformats.org/drawingml/2006/main" xmlns:r="http://schemas.openxmlformats.org/officeDocument/2006/relationships" xmlns:p="http://schemas.openxmlformats.org/presentationml/2006/main">
+  <p:cSld>
+    <p:spTree>
+      <p:nvGrpSpPr>
+        <p:cNvPr id="1" name=""/>
+        <p:cNvGrpSpPr/>
+        <p:nvPr/>
+      </p:nvGrpSpPr>
+      <p:grpSpPr>
+        <a:xfrm>
+          <a:off x="0" y="0"/>
+          <a:ext cx="0" cy="0"/>
+          <a:chOff x="0" y="0"/>
+          <a:chExt cx="0" cy="0"/>
+        </a:xfrm>
+      </p:grpSpPr>
+      <p:sp>
+        <p:nvSpPr>
+          <p:cNvPr id="2" name="Title 1"/>
+          <p:cNvSpPr>
+            <a:spLocks noGrp="1"/>
+          </p:cNvSpPr>
+          <p:nvPr>
+            <p:ph type="title"/>
           </p:nvPr>
         </p:nvSpPr>
         <p:spPr/>
         <p:txBody>
+          <a:bodyPr>
+            <a:normAutofit fontScale="90000"/>
+          </a:bodyPr>
+          <a:lstStyle/>
+          <a:p>
+            <a:r>
+              <a:rPr lang="en-IN" dirty="0"/>
+              <a:t>Anonymous and Call-backs functions</a:t>
+            </a:r>
+            <a:endParaRPr lang="en-US" dirty="0"/>
+          </a:p>
+        </p:txBody>
+      </p:sp>
+      <p:sp>
+        <p:nvSpPr>
+          <p:cNvPr id="3" name="Content Placeholder 2"/>
+          <p:cNvSpPr>
+            <a:spLocks noGrp="1"/>
+          </p:cNvSpPr>
+          <p:nvPr>
+            <p:ph sz="quarter" idx="1"/>
+          </p:nvPr>
+        </p:nvSpPr>
+        <p:spPr/>
+        <p:txBody>
           <a:bodyPr/>
           <a:lstStyle/>
           <a:p>
-            <a:endParaRPr lang="en-US"/>
-          </a:p>
-        </p:txBody>
-      </p:sp>
+            <a:pPr marL="0" indent="0">
+              <a:buNone/>
+            </a:pPr>
+            <a:r>
+              <a:rPr lang="en-US" dirty="0"/>
+              <a:t>Ex2:</a:t>
+            </a:r>
+          </a:p>
+          <a:p>
+            <a:endParaRPr lang="en-US" dirty="0" smtClean="0"/>
+          </a:p>
+          <a:p>
+            <a:endParaRPr lang="en-US" dirty="0"/>
+          </a:p>
+          <a:p>
+            <a:endParaRPr lang="en-US" dirty="0" smtClean="0"/>
+          </a:p>
+          <a:p>
+            <a:pPr marL="0" indent="0">
+              <a:buNone/>
+            </a:pPr>
+            <a:r>
+              <a:rPr lang="en-US" dirty="0" smtClean="0"/>
+              <a:t>Ex3:</a:t>
+            </a:r>
+            <a:endParaRPr lang="en-US" dirty="0"/>
+          </a:p>
+        </p:txBody>
+      </p:sp>
+      <p:pic>
+        <p:nvPicPr>
+          <p:cNvPr id="5122" name="Picture 2"/>
+          <p:cNvPicPr>
+            <a:picLocks noChangeAspect="1" noChangeArrowheads="1"/>
+          </p:cNvPicPr>
+          <p:nvPr/>
+        </p:nvPicPr>
+        <p:blipFill>
+          <a:blip r:embed="rId2">
+            <a:extLst>
+              <a:ext uri="{28A0092B-C50C-407E-A947-70E740481C1C}">
+                <a14:useLocalDpi xmlns:a14="http://schemas.microsoft.com/office/drawing/2010/main" val="0"/>
+              </a:ext>
+            </a:extLst>
+          </a:blip>
+          <a:srcRect/>
+          <a:stretch>
+            <a:fillRect/>
+          </a:stretch>
+        </p:blipFill>
+        <p:spPr bwMode="auto">
+          <a:xfrm>
+            <a:off x="1143000" y="2209800"/>
+            <a:ext cx="5705475" cy="1409700"/>
+          </a:xfrm>
+          <a:prstGeom prst="rect">
+            <a:avLst/>
+          </a:prstGeom>
+          <a:noFill/>
+          <a:ln>
+            <a:noFill/>
+          </a:ln>
+          <a:effectLst/>
+          <a:extLst>
+            <a:ext uri="{909E8E84-426E-40DD-AFC4-6F175D3DCCD1}">
+              <a14:hiddenFill xmlns:a14="http://schemas.microsoft.com/office/drawing/2010/main">
+                <a:solidFill>
+                  <a:schemeClr val="accent1"/>
+                </a:solidFill>
+              </a14:hiddenFill>
+            </a:ext>
+            <a:ext uri="{91240B29-F687-4F45-9708-019B960494DF}">
+              <a14:hiddenLine xmlns:a14="http://schemas.microsoft.com/office/drawing/2010/main" w="9525">
+                <a:solidFill>
+                  <a:schemeClr val="tx1"/>
+                </a:solidFill>
+                <a:miter lim="800000"/>
+                <a:headEnd/>
+                <a:tailEnd/>
+              </a14:hiddenLine>
+            </a:ext>
+            <a:ext uri="{AF507438-7753-43E0-B8FC-AC1667EBCBE1}">
+              <a14:hiddenEffects xmlns:a14="http://schemas.microsoft.com/office/drawing/2010/main">
+                <a:effectLst>
+                  <a:outerShdw dist="35921" dir="2700000" algn="ctr" rotWithShape="0">
+                    <a:schemeClr val="bg2"/>
+                  </a:outerShdw>
+                </a:effectLst>
+              </a14:hiddenEffects>
+            </a:ext>
+          </a:extLst>
+        </p:spPr>
+      </p:pic>
+      <p:pic>
+        <p:nvPicPr>
+          <p:cNvPr id="5123" name="Picture 3"/>
+          <p:cNvPicPr>
+            <a:picLocks noChangeAspect="1" noChangeArrowheads="1"/>
+          </p:cNvPicPr>
+          <p:nvPr/>
+        </p:nvPicPr>
+        <p:blipFill>
+          <a:blip r:embed="rId3">
+            <a:extLst>
+              <a:ext uri="{28A0092B-C50C-407E-A947-70E740481C1C}">
+                <a14:useLocalDpi xmlns:a14="http://schemas.microsoft.com/office/drawing/2010/main" val="0"/>
+              </a:ext>
+            </a:extLst>
+          </a:blip>
+          <a:srcRect/>
+          <a:stretch>
+            <a:fillRect/>
+          </a:stretch>
+        </p:blipFill>
+        <p:spPr bwMode="auto">
+          <a:xfrm>
+            <a:off x="1122218" y="4251035"/>
+            <a:ext cx="6410325" cy="1857375"/>
+          </a:xfrm>
+          <a:prstGeom prst="rect">
+            <a:avLst/>
+          </a:prstGeom>
+          <a:noFill/>
+          <a:ln>
+            <a:noFill/>
+          </a:ln>
+          <a:effectLst/>
+          <a:extLst>
+            <a:ext uri="{909E8E84-426E-40DD-AFC4-6F175D3DCCD1}">
+              <a14:hiddenFill xmlns:a14="http://schemas.microsoft.com/office/drawing/2010/main">
+                <a:solidFill>
+                  <a:schemeClr val="accent1"/>
+                </a:solidFill>
+              </a14:hiddenFill>
+            </a:ext>
+            <a:ext uri="{91240B29-F687-4F45-9708-019B960494DF}">
+              <a14:hiddenLine xmlns:a14="http://schemas.microsoft.com/office/drawing/2010/main" w="9525">
+                <a:solidFill>
+                  <a:schemeClr val="tx1"/>
+                </a:solidFill>
+                <a:miter lim="800000"/>
+                <a:headEnd/>
+                <a:tailEnd/>
+              </a14:hiddenLine>
+            </a:ext>
+            <a:ext uri="{AF507438-7753-43E0-B8FC-AC1667EBCBE1}">
+              <a14:hiddenEffects xmlns:a14="http://schemas.microsoft.com/office/drawing/2010/main">
+                <a:effectLst>
+                  <a:outerShdw dist="35921" dir="2700000" algn="ctr" rotWithShape="0">
+                    <a:schemeClr val="bg2"/>
+                  </a:outerShdw>
+                </a:effectLst>
+              </a14:hiddenEffects>
+            </a:ext>
+          </a:extLst>
+        </p:spPr>
+      </p:pic>
     </p:spTree>
+    <p:extLst>
+      <p:ext uri="{BB962C8B-B14F-4D97-AF65-F5344CB8AC3E}">
+        <p14:creationId xmlns:p14="http://schemas.microsoft.com/office/powerpoint/2010/main" val="2756863619"/>
+      </p:ext>
+    </p:extLst>
+  </p:cSld>
+  <p:clrMapOvr>
+    <a:masterClrMapping/>
+  </p:clrMapOvr>
+  <p:timing>
+    <p:tnLst>
+      <p:par>
+        <p:cTn id="1" dur="indefinite" restart="never" nodeType="tmRoot"/>
+      </p:par>
+    </p:tnLst>
+  </p:timing>
+</p:sld>
+</file>
+
+<file path=ppt/slides/slide12.xml><?xml version="1.0" encoding="utf-8"?>
+<p:sld xmlns:a="http://schemas.openxmlformats.org/drawingml/2006/main" xmlns:r="http://schemas.openxmlformats.org/officeDocument/2006/relationships" xmlns:p="http://schemas.openxmlformats.org/presentationml/2006/main">
+  <p:cSld>
+    <p:spTree>
+      <p:nvGrpSpPr>
+        <p:cNvPr id="1" name=""/>
+        <p:cNvGrpSpPr/>
+        <p:nvPr/>
+      </p:nvGrpSpPr>
+      <p:grpSpPr>
+        <a:xfrm>
+          <a:off x="0" y="0"/>
+          <a:ext cx="0" cy="0"/>
+          <a:chOff x="0" y="0"/>
+          <a:chExt cx="0" cy="0"/>
+        </a:xfrm>
+      </p:grpSpPr>
+      <p:sp>
+        <p:nvSpPr>
+          <p:cNvPr id="2" name="Title 1"/>
+          <p:cNvSpPr>
+            <a:spLocks noGrp="1"/>
+          </p:cNvSpPr>
+          <p:nvPr>
+            <p:ph type="title"/>
+          </p:nvPr>
+        </p:nvSpPr>
+        <p:spPr/>
+        <p:txBody>
+          <a:bodyPr>
+            <a:normAutofit/>
+          </a:bodyPr>
+          <a:lstStyle/>
+          <a:p>
+            <a:pPr lvl="0"/>
+            <a:r>
+              <a:rPr lang="en-IN" dirty="0"/>
+              <a:t>Closures</a:t>
+            </a:r>
+            <a:endParaRPr lang="en-US" dirty="0"/>
+          </a:p>
+        </p:txBody>
+      </p:sp>
+      <p:sp>
+        <p:nvSpPr>
+          <p:cNvPr id="3" name="Content Placeholder 2"/>
+          <p:cNvSpPr>
+            <a:spLocks noGrp="1"/>
+          </p:cNvSpPr>
+          <p:nvPr>
+            <p:ph sz="quarter" idx="1"/>
+          </p:nvPr>
+        </p:nvSpPr>
+        <p:spPr/>
+        <p:txBody>
+          <a:bodyPr/>
+          <a:lstStyle/>
+          <a:p>
+            <a:endParaRPr lang="en-US" dirty="0"/>
+          </a:p>
+        </p:txBody>
+      </p:sp>
+    </p:spTree>
+    <p:extLst>
+      <p:ext uri="{BB962C8B-B14F-4D97-AF65-F5344CB8AC3E}">
+        <p14:creationId xmlns:p14="http://schemas.microsoft.com/office/powerpoint/2010/main" val="2234393935"/>
+      </p:ext>
+    </p:extLst>
+  </p:cSld>
+  <p:clrMapOvr>
+    <a:masterClrMapping/>
+  </p:clrMapOvr>
+  <p:timing>
+    <p:tnLst>
+      <p:par>
+        <p:cTn id="1" dur="indefinite" restart="never" nodeType="tmRoot"/>
+      </p:par>
+    </p:tnLst>
+  </p:timing>
+</p:sld>
+</file>
+
+<file path=ppt/slides/slide13.xml><?xml version="1.0" encoding="utf-8"?>
+<p:sld xmlns:a="http://schemas.openxmlformats.org/drawingml/2006/main" xmlns:r="http://schemas.openxmlformats.org/officeDocument/2006/relationships" xmlns:p="http://schemas.openxmlformats.org/presentationml/2006/main">
+  <p:cSld>
+    <p:spTree>
+      <p:nvGrpSpPr>
+        <p:cNvPr id="1" name=""/>
+        <p:cNvGrpSpPr/>
+        <p:nvPr/>
+      </p:nvGrpSpPr>
+      <p:grpSpPr>
+        <a:xfrm>
+          <a:off x="0" y="0"/>
+          <a:ext cx="0" cy="0"/>
+          <a:chOff x="0" y="0"/>
+          <a:chExt cx="0" cy="0"/>
+        </a:xfrm>
+      </p:grpSpPr>
+      <p:sp>
+        <p:nvSpPr>
+          <p:cNvPr id="2" name="Title 1"/>
+          <p:cNvSpPr>
+            <a:spLocks noGrp="1"/>
+          </p:cNvSpPr>
+          <p:nvPr>
+            <p:ph type="title"/>
+          </p:nvPr>
+        </p:nvSpPr>
+        <p:spPr/>
+        <p:txBody>
+          <a:bodyPr>
+            <a:normAutofit/>
+          </a:bodyPr>
+          <a:lstStyle/>
+          <a:p>
+            <a:pPr lvl="0"/>
+            <a:r>
+              <a:rPr lang="en-IN" dirty="0"/>
+              <a:t>Closures</a:t>
+            </a:r>
+            <a:endParaRPr lang="en-US" dirty="0"/>
+          </a:p>
+        </p:txBody>
+      </p:sp>
+      <p:sp>
+        <p:nvSpPr>
+          <p:cNvPr id="3" name="Content Placeholder 2"/>
+          <p:cNvSpPr>
+            <a:spLocks noGrp="1"/>
+          </p:cNvSpPr>
+          <p:nvPr>
+            <p:ph sz="quarter" idx="1"/>
+          </p:nvPr>
+        </p:nvSpPr>
+        <p:spPr/>
+        <p:txBody>
+          <a:bodyPr/>
+          <a:lstStyle/>
+          <a:p>
+            <a:endParaRPr lang="en-US" dirty="0"/>
+          </a:p>
+        </p:txBody>
+      </p:sp>
+    </p:spTree>
+    <p:extLst>
+      <p:ext uri="{BB962C8B-B14F-4D97-AF65-F5344CB8AC3E}">
+        <p14:creationId xmlns:p14="http://schemas.microsoft.com/office/powerpoint/2010/main" val="4158140253"/>
+      </p:ext>
+    </p:extLst>
+  </p:cSld>
+  <p:clrMapOvr>
+    <a:masterClrMapping/>
+  </p:clrMapOvr>
+  <p:timing>
+    <p:tnLst>
+      <p:par>
+        <p:cTn id="1" dur="indefinite" restart="never" nodeType="tmRoot"/>
+      </p:par>
+    </p:tnLst>
+  </p:timing>
+</p:sld>
+</file>
+
+<file path=ppt/slides/slide14.xml><?xml version="1.0" encoding="utf-8"?>
+<p:sld xmlns:a="http://schemas.openxmlformats.org/drawingml/2006/main" xmlns:r="http://schemas.openxmlformats.org/officeDocument/2006/relationships" xmlns:p="http://schemas.openxmlformats.org/presentationml/2006/main">
+  <p:cSld>
+    <p:spTree>
+      <p:nvGrpSpPr>
+        <p:cNvPr id="1" name=""/>
+        <p:cNvGrpSpPr/>
+        <p:nvPr/>
+      </p:nvGrpSpPr>
+      <p:grpSpPr>
+        <a:xfrm>
+          <a:off x="0" y="0"/>
+          <a:ext cx="0" cy="0"/>
+          <a:chOff x="0" y="0"/>
+          <a:chExt cx="0" cy="0"/>
+        </a:xfrm>
+      </p:grpSpPr>
+      <p:sp>
+        <p:nvSpPr>
+          <p:cNvPr id="2" name="Title 1"/>
+          <p:cNvSpPr>
+            <a:spLocks noGrp="1"/>
+          </p:cNvSpPr>
+          <p:nvPr>
+            <p:ph type="title"/>
+          </p:nvPr>
+        </p:nvSpPr>
+        <p:spPr/>
+        <p:txBody>
+          <a:bodyPr>
+            <a:normAutofit/>
+          </a:bodyPr>
+          <a:lstStyle/>
+          <a:p>
+            <a:pPr lvl="0"/>
+            <a:r>
+              <a:rPr lang="en-IN" dirty="0"/>
+              <a:t>Closures</a:t>
+            </a:r>
+            <a:endParaRPr lang="en-US" dirty="0"/>
+          </a:p>
+        </p:txBody>
+      </p:sp>
+      <p:sp>
+        <p:nvSpPr>
+          <p:cNvPr id="3" name="Content Placeholder 2"/>
+          <p:cNvSpPr>
+            <a:spLocks noGrp="1"/>
+          </p:cNvSpPr>
+          <p:nvPr>
+            <p:ph sz="quarter" idx="1"/>
+          </p:nvPr>
+        </p:nvSpPr>
+        <p:spPr/>
+        <p:txBody>
+          <a:bodyPr/>
+          <a:lstStyle/>
+          <a:p>
+            <a:endParaRPr lang="en-US" dirty="0"/>
+          </a:p>
+        </p:txBody>
+      </p:sp>
+    </p:spTree>
+    <p:extLst>
+      <p:ext uri="{BB962C8B-B14F-4D97-AF65-F5344CB8AC3E}">
+        <p14:creationId xmlns:p14="http://schemas.microsoft.com/office/powerpoint/2010/main" val="916476133"/>
+      </p:ext>
+    </p:extLst>
+  </p:cSld>
+  <p:clrMapOvr>
+    <a:masterClrMapping/>
+  </p:clrMapOvr>
+  <p:timing>
+    <p:tnLst>
+      <p:par>
+        <p:cTn id="1" dur="indefinite" restart="never" nodeType="tmRoot"/>
+      </p:par>
+    </p:tnLst>
+  </p:timing>
+</p:sld>
+</file>
+
+<file path=ppt/slides/slide15.xml><?xml version="1.0" encoding="utf-8"?>
+<p:sld xmlns:a="http://schemas.openxmlformats.org/drawingml/2006/main" xmlns:r="http://schemas.openxmlformats.org/officeDocument/2006/relationships" xmlns:p="http://schemas.openxmlformats.org/presentationml/2006/main">
+  <p:cSld>
+    <p:spTree>
+      <p:nvGrpSpPr>
+        <p:cNvPr id="1" name=""/>
+        <p:cNvGrpSpPr/>
+        <p:nvPr/>
+      </p:nvGrpSpPr>
+      <p:grpSpPr>
+        <a:xfrm>
+          <a:off x="0" y="0"/>
+          <a:ext cx="0" cy="0"/>
+          <a:chOff x="0" y="0"/>
+          <a:chExt cx="0" cy="0"/>
+        </a:xfrm>
+      </p:grpSpPr>
+      <p:sp>
+        <p:nvSpPr>
+          <p:cNvPr id="2" name="Title 1"/>
+          <p:cNvSpPr>
+            <a:spLocks noGrp="1"/>
+          </p:cNvSpPr>
+          <p:nvPr>
+            <p:ph type="title"/>
+          </p:nvPr>
+        </p:nvSpPr>
+        <p:spPr/>
+        <p:txBody>
+          <a:bodyPr>
+            <a:normAutofit/>
+          </a:bodyPr>
+          <a:lstStyle/>
+          <a:p>
+            <a:pPr lvl="0"/>
+            <a:r>
+              <a:rPr lang="en-IN" dirty="0"/>
+              <a:t>Closures</a:t>
+            </a:r>
+            <a:endParaRPr lang="en-US" dirty="0"/>
+          </a:p>
+        </p:txBody>
+      </p:sp>
+      <p:sp>
+        <p:nvSpPr>
+          <p:cNvPr id="3" name="Content Placeholder 2"/>
+          <p:cNvSpPr>
+            <a:spLocks noGrp="1"/>
+          </p:cNvSpPr>
+          <p:nvPr>
+            <p:ph sz="quarter" idx="1"/>
+          </p:nvPr>
+        </p:nvSpPr>
+        <p:spPr/>
+        <p:txBody>
+          <a:bodyPr/>
+          <a:lstStyle/>
+          <a:p>
+            <a:endParaRPr lang="en-US" dirty="0"/>
+          </a:p>
+        </p:txBody>
+      </p:sp>
+    </p:spTree>
+    <p:extLst>
+      <p:ext uri="{BB962C8B-B14F-4D97-AF65-F5344CB8AC3E}">
+        <p14:creationId xmlns:p14="http://schemas.microsoft.com/office/powerpoint/2010/main" val="1298352505"/>
+      </p:ext>
+    </p:extLst>
   </p:cSld>
   <p:clrMapOvr>
     <a:masterClrMapping/>
@@ -4226,130 +4979,151 @@
         </p:nvSpPr>
         <p:spPr/>
         <p:txBody>
+          <a:bodyPr/>
+          <a:lstStyle/>
+          <a:p>
+            <a:r>
+              <a:rPr lang="en-US" dirty="0" smtClean="0"/>
+              <a:t>Contents</a:t>
+            </a:r>
+            <a:endParaRPr lang="en-US" dirty="0"/>
+          </a:p>
+        </p:txBody>
+      </p:sp>
+      <p:sp>
+        <p:nvSpPr>
+          <p:cNvPr id="3" name="Content Placeholder 2"/>
+          <p:cNvSpPr>
+            <a:spLocks noGrp="1"/>
+          </p:cNvSpPr>
+          <p:nvPr>
+            <p:ph sz="quarter" idx="1"/>
+          </p:nvPr>
+        </p:nvSpPr>
+        <p:spPr/>
+        <p:txBody>
           <a:bodyPr>
-            <a:normAutofit/>
+            <a:normAutofit fontScale="70000" lnSpcReduction="20000"/>
           </a:bodyPr>
           <a:lstStyle/>
           <a:p>
-            <a:r>
-              <a:rPr lang="en-US" dirty="0" smtClean="0"/>
+            <a:pPr lvl="0"/>
+            <a:r>
+              <a:rPr lang="en-IN" dirty="0"/>
               <a:t>Event Bubbling and Capturing</a:t>
             </a:r>
             <a:endParaRPr lang="en-US" dirty="0"/>
           </a:p>
-        </p:txBody>
-      </p:sp>
-      <p:sp>
-        <p:nvSpPr>
-          <p:cNvPr id="3" name="Content Placeholder 2"/>
-          <p:cNvSpPr>
-            <a:spLocks noGrp="1"/>
-          </p:cNvSpPr>
-          <p:nvPr>
-            <p:ph sz="quarter" idx="1"/>
-          </p:nvPr>
-        </p:nvSpPr>
-        <p:spPr/>
-        <p:txBody>
-          <a:bodyPr>
-            <a:normAutofit fontScale="92500" lnSpcReduction="20000"/>
-          </a:bodyPr>
-          <a:lstStyle/>
-          <a:p>
-            <a:pPr>
-              <a:buNone/>
-            </a:pPr>
-            <a:r>
-              <a:rPr lang="en-US" dirty="0"/>
-              <a:t>Event bubbling and capturing are two ways of event propagation in HTML DOM</a:t>
-            </a:r>
-            <a:r>
-              <a:rPr lang="en-US" dirty="0" smtClean="0"/>
-              <a:t>.</a:t>
-            </a:r>
-          </a:p>
-          <a:p>
-            <a:pPr>
-              <a:buNone/>
-            </a:pPr>
-            <a:endParaRPr lang="en-US" dirty="0" smtClean="0"/>
-          </a:p>
-          <a:p>
-            <a:pPr>
-              <a:buFont typeface="Wingdings" pitchFamily="2" charset="2"/>
-              <a:buChar char="q"/>
-            </a:pPr>
-            <a:r>
-              <a:rPr lang="en-US" b="1" dirty="0" smtClean="0"/>
-              <a:t>Event bubbling</a:t>
-            </a:r>
-          </a:p>
-          <a:p>
-            <a:pPr lvl="1">
-              <a:buFont typeface="Wingdings" pitchFamily="2" charset="2"/>
-              <a:buChar char="q"/>
-            </a:pPr>
-            <a:r>
-              <a:rPr lang="en-US" dirty="0" smtClean="0"/>
-              <a:t>In bubbling the event is first captured and handled by the inner most element and then propagated to outer elements</a:t>
-            </a:r>
-            <a:r>
-              <a:rPr lang="en-US" dirty="0" smtClean="0"/>
-              <a:t>.</a:t>
-            </a:r>
-          </a:p>
-          <a:p>
-            <a:pPr lvl="1">
-              <a:buNone/>
-            </a:pPr>
-            <a:r>
-              <a:rPr lang="en-US" dirty="0" smtClean="0"/>
-              <a:t>Ex:</a:t>
-            </a:r>
-          </a:p>
-          <a:p>
-            <a:pPr lvl="1">
-              <a:buNone/>
-            </a:pPr>
-            <a:r>
-              <a:rPr lang="en-US" dirty="0" smtClean="0"/>
-              <a:t>When you use event </a:t>
-            </a:r>
-            <a:r>
-              <a:rPr lang="en-US" dirty="0" smtClean="0"/>
-              <a:t>bubbling.</a:t>
-            </a:r>
-          </a:p>
-          <a:p>
-            <a:pPr lvl="1">
-              <a:buNone/>
-            </a:pPr>
-            <a:endParaRPr lang="en-US" dirty="0" smtClean="0"/>
-          </a:p>
-          <a:p>
-            <a:pPr>
-              <a:buFont typeface="Wingdings" pitchFamily="2" charset="2"/>
-              <a:buChar char="q"/>
-            </a:pPr>
-            <a:r>
-              <a:rPr lang="en-US" b="1" dirty="0" smtClean="0"/>
-              <a:t>Event Capturing</a:t>
-            </a:r>
-          </a:p>
-          <a:p>
-            <a:pPr lvl="1">
-              <a:buFont typeface="Wingdings" pitchFamily="2" charset="2"/>
-              <a:buChar char="q"/>
-            </a:pPr>
-            <a:r>
-              <a:rPr lang="en-US" dirty="0" smtClean="0"/>
-              <a:t>In capturing the event is first captured by the outer most element and propagated to the inner most element.</a:t>
-            </a:r>
-            <a:endParaRPr lang="en-US" b="1" dirty="0"/>
+          <a:p>
+            <a:pPr lvl="0"/>
+            <a:r>
+              <a:rPr lang="en-IN" dirty="0"/>
+              <a:t>Anonymous and </a:t>
+            </a:r>
+            <a:r>
+              <a:rPr lang="en-IN" dirty="0" smtClean="0"/>
+              <a:t>Call-back functions</a:t>
+            </a:r>
+          </a:p>
+          <a:p>
+            <a:pPr lvl="0"/>
+            <a:r>
+              <a:rPr lang="en-IN" dirty="0" smtClean="0"/>
+              <a:t>Closures</a:t>
+            </a:r>
+            <a:endParaRPr lang="en-US" dirty="0"/>
+          </a:p>
+          <a:p>
+            <a:pPr lvl="0"/>
+            <a:r>
+              <a:rPr lang="en-IN" dirty="0"/>
+              <a:t>Function Overloading </a:t>
+            </a:r>
+            <a:endParaRPr lang="en-US" dirty="0"/>
+          </a:p>
+          <a:p>
+            <a:pPr lvl="0"/>
+            <a:r>
+              <a:rPr lang="en-IN" dirty="0"/>
+              <a:t>OOPs in JavaScript</a:t>
+            </a:r>
+            <a:endParaRPr lang="en-US" dirty="0"/>
+          </a:p>
+          <a:p>
+            <a:pPr lvl="0"/>
+            <a:r>
+              <a:rPr lang="en-IN" dirty="0"/>
+              <a:t>Prototype</a:t>
+            </a:r>
+            <a:endParaRPr lang="en-US" dirty="0"/>
+          </a:p>
+          <a:p>
+            <a:pPr lvl="0"/>
+            <a:r>
+              <a:rPr lang="en-IN" dirty="0"/>
+              <a:t>Prototype Inheritance</a:t>
+            </a:r>
+            <a:endParaRPr lang="en-US" dirty="0"/>
+          </a:p>
+          <a:p>
+            <a:pPr lvl="0"/>
+            <a:r>
+              <a:rPr lang="en-IN" dirty="0"/>
+              <a:t>Class in JavaScript</a:t>
+            </a:r>
+            <a:endParaRPr lang="en-US" dirty="0"/>
+          </a:p>
+          <a:p>
+            <a:pPr lvl="0"/>
+            <a:r>
+              <a:rPr lang="en-IN" dirty="0"/>
+              <a:t>Module Pattern</a:t>
+            </a:r>
+            <a:endParaRPr lang="en-US" dirty="0"/>
+          </a:p>
+          <a:p>
+            <a:pPr lvl="0"/>
+            <a:r>
+              <a:rPr lang="en-IN" dirty="0"/>
+              <a:t>Jquery</a:t>
+            </a:r>
+            <a:endParaRPr lang="en-US" dirty="0"/>
+          </a:p>
+          <a:p>
+            <a:pPr lvl="0"/>
+            <a:r>
+              <a:rPr lang="en-IN" dirty="0"/>
+              <a:t>Jquery Widget Implementation</a:t>
+            </a:r>
+            <a:endParaRPr lang="en-US" dirty="0"/>
+          </a:p>
+          <a:p>
+            <a:pPr lvl="0"/>
+            <a:r>
+              <a:rPr lang="en-IN" dirty="0"/>
+              <a:t>Jquery Plug-in Implementation</a:t>
+            </a:r>
+            <a:endParaRPr lang="en-US" dirty="0"/>
+          </a:p>
+          <a:p>
+            <a:pPr lvl="0"/>
+            <a:r>
+              <a:rPr lang="en-IN" dirty="0"/>
+              <a:t>Jquery Plug-In Vs. Jquery Widget</a:t>
+            </a:r>
+            <a:endParaRPr lang="en-US" dirty="0"/>
+          </a:p>
+          <a:p>
+            <a:endParaRPr lang="en-US" dirty="0"/>
           </a:p>
         </p:txBody>
       </p:sp>
     </p:spTree>
+    <p:extLst>
+      <p:ext uri="{BB962C8B-B14F-4D97-AF65-F5344CB8AC3E}">
+        <p14:creationId xmlns:p14="http://schemas.microsoft.com/office/powerpoint/2010/main" val="2270295392"/>
+      </p:ext>
+    </p:extLst>
   </p:cSld>
   <p:clrMapOvr>
     <a:masterClrMapping/>
@@ -4393,16 +5167,22 @@
         </p:nvSpPr>
         <p:spPr/>
         <p:txBody>
-          <a:bodyPr/>
-          <a:lstStyle/>
-          <a:p>
-            <a:endParaRPr lang="en-US"/>
-          </a:p>
-        </p:txBody>
-      </p:sp>
-      <p:sp>
-        <p:nvSpPr>
-          <p:cNvPr id="5" name="Content Placeholder 4"/>
+          <a:bodyPr>
+            <a:normAutofit/>
+          </a:bodyPr>
+          <a:lstStyle/>
+          <a:p>
+            <a:r>
+              <a:rPr lang="en-US" dirty="0" smtClean="0"/>
+              <a:t>Event Bubbling and Capturing</a:t>
+            </a:r>
+            <a:endParaRPr lang="en-US" dirty="0"/>
+          </a:p>
+        </p:txBody>
+      </p:sp>
+      <p:sp>
+        <p:nvSpPr>
+          <p:cNvPr id="3" name="Content Placeholder 2"/>
           <p:cNvSpPr>
             <a:spLocks noGrp="1"/>
           </p:cNvSpPr>
@@ -4412,10 +5192,89 @@
         </p:nvSpPr>
         <p:spPr/>
         <p:txBody>
-          <a:bodyPr/>
-          <a:lstStyle/>
-          <a:p>
-            <a:endParaRPr lang="en-US" dirty="0"/>
+          <a:bodyPr>
+            <a:normAutofit lnSpcReduction="10000"/>
+          </a:bodyPr>
+          <a:lstStyle/>
+          <a:p>
+            <a:pPr>
+              <a:buNone/>
+            </a:pPr>
+            <a:r>
+              <a:rPr lang="en-US" dirty="0"/>
+              <a:t>Event bubbling and capturing are two ways of </a:t>
+            </a:r>
+            <a:r>
+              <a:rPr lang="en-US" dirty="0" smtClean="0"/>
+              <a:t>event propagation </a:t>
+            </a:r>
+            <a:r>
+              <a:rPr lang="en-US" dirty="0"/>
+              <a:t>in HTML DOM</a:t>
+            </a:r>
+            <a:r>
+              <a:rPr lang="en-US" dirty="0" smtClean="0"/>
+              <a:t>.</a:t>
+            </a:r>
+          </a:p>
+          <a:p>
+            <a:pPr>
+              <a:buNone/>
+            </a:pPr>
+            <a:endParaRPr lang="en-US" dirty="0" smtClean="0"/>
+          </a:p>
+          <a:p>
+            <a:pPr>
+              <a:buFont typeface="Wingdings" pitchFamily="2" charset="2"/>
+              <a:buChar char="q"/>
+            </a:pPr>
+            <a:r>
+              <a:rPr lang="en-US" b="1" dirty="0" smtClean="0"/>
+              <a:t>Event </a:t>
+            </a:r>
+            <a:r>
+              <a:rPr lang="en-US" b="1" dirty="0" smtClean="0"/>
+              <a:t>bubbling</a:t>
+            </a:r>
+          </a:p>
+          <a:p>
+            <a:pPr lvl="1">
+              <a:buFont typeface="Wingdings" pitchFamily="2" charset="2"/>
+              <a:buChar char="q"/>
+            </a:pPr>
+            <a:r>
+              <a:rPr lang="en-US" dirty="0" smtClean="0"/>
+              <a:t>In bubbling the event is first captured and handled by the inner most element and then propagated to outer elements</a:t>
+            </a:r>
+            <a:r>
+              <a:rPr lang="en-US" dirty="0" smtClean="0"/>
+              <a:t>.</a:t>
+            </a:r>
+          </a:p>
+          <a:p>
+            <a:pPr>
+              <a:buFont typeface="Wingdings" pitchFamily="2" charset="2"/>
+              <a:buChar char="q"/>
+            </a:pPr>
+            <a:r>
+              <a:rPr lang="en-US" b="1" dirty="0" smtClean="0"/>
+              <a:t>Event </a:t>
+            </a:r>
+            <a:r>
+              <a:rPr lang="en-US" b="1" dirty="0" smtClean="0"/>
+              <a:t>Capturing</a:t>
+            </a:r>
+          </a:p>
+          <a:p>
+            <a:pPr lvl="1">
+              <a:buFont typeface="Wingdings" pitchFamily="2" charset="2"/>
+              <a:buChar char="q"/>
+            </a:pPr>
+            <a:r>
+              <a:rPr lang="en-US" dirty="0" smtClean="0"/>
+              <a:t>In capturing the event is first captured by the outer most element and propagated to the inner most element.</a:t>
+            </a:r>
+            <a:endParaRPr lang="en-US" b="1" dirty="0"/>
           </a:p>
         </p:txBody>
       </p:sp>
@@ -4453,6 +5312,28 @@
       </p:grpSpPr>
       <p:sp>
         <p:nvSpPr>
+          <p:cNvPr id="2" name="Title 1"/>
+          <p:cNvSpPr>
+            <a:spLocks noGrp="1"/>
+          </p:cNvSpPr>
+          <p:nvPr>
+            <p:ph type="title"/>
+          </p:nvPr>
+        </p:nvSpPr>
+        <p:spPr/>
+        <p:txBody>
+          <a:bodyPr/>
+          <a:lstStyle/>
+          <a:p>
+            <a:r>
+              <a:rPr lang="en-US" dirty="0"/>
+              <a:t>Event Bubbling and Capturing</a:t>
+            </a:r>
+          </a:p>
+        </p:txBody>
+      </p:sp>
+      <p:sp>
+        <p:nvSpPr>
           <p:cNvPr id="3" name="Content Placeholder 2"/>
           <p:cNvSpPr>
             <a:spLocks noGrp="1"/>
@@ -4466,26 +5347,836 @@
           <a:bodyPr/>
           <a:lstStyle/>
           <a:p>
+            <a:pPr marL="0" indent="0">
+              <a:buNone/>
+            </a:pPr>
+            <a:endParaRPr lang="en-US" dirty="0" smtClean="0"/>
+          </a:p>
+          <a:p>
+            <a:pPr marL="0" indent="0">
+              <a:buNone/>
+            </a:pPr>
             <a:r>
               <a:rPr lang="en-US" dirty="0" smtClean="0"/>
-              <a:t>Only event bubbling model is supported by all the major browsers. </a:t>
-            </a:r>
+              <a:t>How to bind events in Bubbling and Capturing phase.</a:t>
+            </a:r>
+          </a:p>
+          <a:p>
+            <a:pPr marL="0" indent="0">
+              <a:buNone/>
+            </a:pPr>
             <a:endParaRPr lang="en-US" dirty="0" smtClean="0"/>
           </a:p>
-          <a:p>
+        </p:txBody>
+      </p:sp>
+      <p:pic>
+        <p:nvPicPr>
+          <p:cNvPr id="2053" name="Picture 5"/>
+          <p:cNvPicPr>
+            <a:picLocks noChangeAspect="1" noChangeArrowheads="1"/>
+          </p:cNvPicPr>
+          <p:nvPr/>
+        </p:nvPicPr>
+        <p:blipFill>
+          <a:blip r:embed="rId2">
+            <a:extLst>
+              <a:ext uri="{28A0092B-C50C-407E-A947-70E740481C1C}">
+                <a14:useLocalDpi xmlns:a14="http://schemas.microsoft.com/office/drawing/2010/main" val="0"/>
+              </a:ext>
+            </a:extLst>
+          </a:blip>
+          <a:srcRect/>
+          <a:stretch>
+            <a:fillRect/>
+          </a:stretch>
+        </p:blipFill>
+        <p:spPr bwMode="auto">
+          <a:xfrm>
+            <a:off x="914400" y="3009611"/>
+            <a:ext cx="7000875" cy="1276350"/>
+          </a:xfrm>
+          <a:prstGeom prst="rect">
+            <a:avLst/>
+          </a:prstGeom>
+          <a:noFill/>
+          <a:ln>
+            <a:noFill/>
+          </a:ln>
+          <a:effectLst/>
+          <a:extLst>
+            <a:ext uri="{909E8E84-426E-40DD-AFC4-6F175D3DCCD1}">
+              <a14:hiddenFill xmlns:a14="http://schemas.microsoft.com/office/drawing/2010/main">
+                <a:solidFill>
+                  <a:schemeClr val="accent1"/>
+                </a:solidFill>
+              </a14:hiddenFill>
+            </a:ext>
+            <a:ext uri="{91240B29-F687-4F45-9708-019B960494DF}">
+              <a14:hiddenLine xmlns:a14="http://schemas.microsoft.com/office/drawing/2010/main" w="9525">
+                <a:solidFill>
+                  <a:schemeClr val="tx1"/>
+                </a:solidFill>
+                <a:miter lim="800000"/>
+                <a:headEnd/>
+                <a:tailEnd/>
+              </a14:hiddenLine>
+            </a:ext>
+            <a:ext uri="{AF507438-7753-43E0-B8FC-AC1667EBCBE1}">
+              <a14:hiddenEffects xmlns:a14="http://schemas.microsoft.com/office/drawing/2010/main">
+                <a:effectLst>
+                  <a:outerShdw dist="35921" dir="2700000" algn="ctr" rotWithShape="0">
+                    <a:schemeClr val="bg2"/>
+                  </a:outerShdw>
+                </a:effectLst>
+              </a14:hiddenEffects>
+            </a:ext>
+          </a:extLst>
+        </p:spPr>
+      </p:pic>
+    </p:spTree>
+    <p:extLst>
+      <p:ext uri="{BB962C8B-B14F-4D97-AF65-F5344CB8AC3E}">
+        <p14:creationId xmlns:p14="http://schemas.microsoft.com/office/powerpoint/2010/main" val="2189482245"/>
+      </p:ext>
+    </p:extLst>
+  </p:cSld>
+  <p:clrMapOvr>
+    <a:masterClrMapping/>
+  </p:clrMapOvr>
+  <p:timing>
+    <p:tnLst>
+      <p:par>
+        <p:cTn id="1" dur="indefinite" restart="never" nodeType="tmRoot"/>
+      </p:par>
+    </p:tnLst>
+  </p:timing>
+</p:sld>
+</file>
+
+<file path=ppt/slides/slide5.xml><?xml version="1.0" encoding="utf-8"?>
+<p:sld xmlns:a="http://schemas.openxmlformats.org/drawingml/2006/main" xmlns:r="http://schemas.openxmlformats.org/officeDocument/2006/relationships" xmlns:p="http://schemas.openxmlformats.org/presentationml/2006/main">
+  <p:cSld>
+    <p:spTree>
+      <p:nvGrpSpPr>
+        <p:cNvPr id="1" name=""/>
+        <p:cNvGrpSpPr/>
+        <p:nvPr/>
+      </p:nvGrpSpPr>
+      <p:grpSpPr>
+        <a:xfrm>
+          <a:off x="0" y="0"/>
+          <a:ext cx="0" cy="0"/>
+          <a:chOff x="0" y="0"/>
+          <a:chExt cx="0" cy="0"/>
+        </a:xfrm>
+      </p:grpSpPr>
+      <p:sp>
+        <p:nvSpPr>
+          <p:cNvPr id="2" name="Title 1"/>
+          <p:cNvSpPr>
+            <a:spLocks noGrp="1"/>
+          </p:cNvSpPr>
+          <p:nvPr>
+            <p:ph type="title"/>
+          </p:nvPr>
+        </p:nvSpPr>
+        <p:spPr/>
+        <p:txBody>
+          <a:bodyPr/>
+          <a:lstStyle/>
+          <a:p>
+            <a:r>
+              <a:rPr lang="en-US" dirty="0"/>
+              <a:t>Event Bubbling and Capturing</a:t>
+            </a:r>
+            <a:endParaRPr lang="en-US" dirty="0"/>
+          </a:p>
+        </p:txBody>
+      </p:sp>
+      <p:sp>
+        <p:nvSpPr>
+          <p:cNvPr id="5" name="Content Placeholder 4"/>
+          <p:cNvSpPr>
+            <a:spLocks noGrp="1"/>
+          </p:cNvSpPr>
+          <p:nvPr>
+            <p:ph sz="quarter" idx="1"/>
+          </p:nvPr>
+        </p:nvSpPr>
+        <p:spPr/>
+        <p:txBody>
+          <a:bodyPr/>
+          <a:lstStyle/>
+          <a:p>
+            <a:pPr marL="0" indent="0">
+              <a:buNone/>
+            </a:pPr>
             <a:r>
               <a:rPr lang="en-US" dirty="0" smtClean="0"/>
-              <a:t>So </a:t>
-            </a:r>
+              <a:t>Ex:</a:t>
+            </a:r>
+          </a:p>
+          <a:p>
+            <a:pPr marL="0" indent="0">
+              <a:buNone/>
+            </a:pPr>
+            <a:endParaRPr lang="en-US" dirty="0"/>
+          </a:p>
+        </p:txBody>
+      </p:sp>
+      <p:pic>
+        <p:nvPicPr>
+          <p:cNvPr id="1026" name="Picture 2"/>
+          <p:cNvPicPr>
+            <a:picLocks noChangeAspect="1" noChangeArrowheads="1"/>
+          </p:cNvPicPr>
+          <p:nvPr/>
+        </p:nvPicPr>
+        <p:blipFill>
+          <a:blip r:embed="rId2">
+            <a:extLst>
+              <a:ext uri="{28A0092B-C50C-407E-A947-70E740481C1C}">
+                <a14:useLocalDpi xmlns:a14="http://schemas.microsoft.com/office/drawing/2010/main" val="0"/>
+              </a:ext>
+            </a:extLst>
+          </a:blip>
+          <a:srcRect/>
+          <a:stretch>
+            <a:fillRect/>
+          </a:stretch>
+        </p:blipFill>
+        <p:spPr bwMode="auto">
+          <a:xfrm>
+            <a:off x="2743200" y="2362200"/>
+            <a:ext cx="3124199" cy="3048000"/>
+          </a:xfrm>
+          <a:prstGeom prst="rect">
+            <a:avLst/>
+          </a:prstGeom>
+          <a:noFill/>
+          <a:ln>
+            <a:noFill/>
+          </a:ln>
+          <a:effectLst/>
+          <a:extLst>
+            <a:ext uri="{909E8E84-426E-40DD-AFC4-6F175D3DCCD1}">
+              <a14:hiddenFill xmlns:a14="http://schemas.microsoft.com/office/drawing/2010/main">
+                <a:solidFill>
+                  <a:schemeClr val="accent1"/>
+                </a:solidFill>
+              </a14:hiddenFill>
+            </a:ext>
+            <a:ext uri="{91240B29-F687-4F45-9708-019B960494DF}">
+              <a14:hiddenLine xmlns:a14="http://schemas.microsoft.com/office/drawing/2010/main" w="9525">
+                <a:solidFill>
+                  <a:schemeClr val="tx1"/>
+                </a:solidFill>
+                <a:miter lim="800000"/>
+                <a:headEnd/>
+                <a:tailEnd/>
+              </a14:hiddenLine>
+            </a:ext>
+            <a:ext uri="{AF507438-7753-43E0-B8FC-AC1667EBCBE1}">
+              <a14:hiddenEffects xmlns:a14="http://schemas.microsoft.com/office/drawing/2010/main">
+                <a:effectLst>
+                  <a:outerShdw dist="35921" dir="2700000" algn="ctr" rotWithShape="0">
+                    <a:schemeClr val="bg2"/>
+                  </a:outerShdw>
+                </a:effectLst>
+              </a14:hiddenEffects>
+            </a:ext>
+          </a:extLst>
+        </p:spPr>
+      </p:pic>
+    </p:spTree>
+  </p:cSld>
+  <p:clrMapOvr>
+    <a:masterClrMapping/>
+  </p:clrMapOvr>
+  <mc:AlternateContent xmlns:mc="http://schemas.openxmlformats.org/markup-compatibility/2006">
+    <mc:Choice xmlns:p14="http://schemas.microsoft.com/office/powerpoint/2010/main" Requires="p14">
+      <p:transition p14:dur="0"/>
+    </mc:Choice>
+    <mc:Fallback>
+      <p:transition/>
+    </mc:Fallback>
+  </mc:AlternateContent>
+  <p:timing>
+    <p:tnLst>
+      <p:par>
+        <p:cTn id="1" dur="indefinite" restart="never" nodeType="tmRoot"/>
+      </p:par>
+    </p:tnLst>
+  </p:timing>
+</p:sld>
+</file>
+
+<file path=ppt/slides/slide6.xml><?xml version="1.0" encoding="utf-8"?>
+<p:sld xmlns:a="http://schemas.openxmlformats.org/drawingml/2006/main" xmlns:r="http://schemas.openxmlformats.org/officeDocument/2006/relationships" xmlns:p="http://schemas.openxmlformats.org/presentationml/2006/main">
+  <p:cSld>
+    <p:spTree>
+      <p:nvGrpSpPr>
+        <p:cNvPr id="1" name=""/>
+        <p:cNvGrpSpPr/>
+        <p:nvPr/>
+      </p:nvGrpSpPr>
+      <p:grpSpPr>
+        <a:xfrm>
+          <a:off x="0" y="0"/>
+          <a:ext cx="0" cy="0"/>
+          <a:chOff x="0" y="0"/>
+          <a:chExt cx="0" cy="0"/>
+        </a:xfrm>
+      </p:grpSpPr>
+      <p:sp>
+        <p:nvSpPr>
+          <p:cNvPr id="2" name="Title 1"/>
+          <p:cNvSpPr>
+            <a:spLocks noGrp="1"/>
+          </p:cNvSpPr>
+          <p:nvPr>
+            <p:ph type="title"/>
+          </p:nvPr>
+        </p:nvSpPr>
+        <p:spPr/>
+        <p:txBody>
+          <a:bodyPr/>
+          <a:lstStyle/>
+          <a:p>
+            <a:r>
+              <a:rPr lang="en-US" dirty="0"/>
+              <a:t>Event Bubbling and Capturing</a:t>
+            </a:r>
+          </a:p>
+        </p:txBody>
+      </p:sp>
+      <p:sp>
+        <p:nvSpPr>
+          <p:cNvPr id="3" name="Content Placeholder 2"/>
+          <p:cNvSpPr>
+            <a:spLocks noGrp="1"/>
+          </p:cNvSpPr>
+          <p:nvPr>
+            <p:ph sz="quarter" idx="1"/>
+          </p:nvPr>
+        </p:nvSpPr>
+        <p:spPr/>
+        <p:txBody>
+          <a:bodyPr/>
+          <a:lstStyle/>
+          <a:p>
+            <a:pPr marL="0" indent="0">
+              <a:buNone/>
+            </a:pPr>
             <a:r>
               <a:rPr lang="en-US" dirty="0" smtClean="0"/>
-              <a:t>if you are going to use event capturing still you need to handle event bubbling for IE. So it will easier to use event bubbling instead of capturing.</a:t>
+              <a:t>Important Points</a:t>
+            </a:r>
+          </a:p>
+          <a:p>
+            <a:r>
+              <a:rPr lang="en-US" dirty="0" smtClean="0"/>
+              <a:t>Only </a:t>
+            </a:r>
+            <a:r>
+              <a:rPr lang="en-US" dirty="0" smtClean="0"/>
+              <a:t>event bubbling model is supported by all the major browsers. </a:t>
+            </a:r>
+          </a:p>
+          <a:p>
+            <a:r>
+              <a:rPr lang="en-US" dirty="0" smtClean="0"/>
+              <a:t>So if you are going to use event capturing still you need to handle event bubbling for IE. So it will easier to use event bubbling instead of capturing.</a:t>
             </a:r>
             <a:endParaRPr lang="en-US" dirty="0"/>
           </a:p>
         </p:txBody>
       </p:sp>
     </p:spTree>
+  </p:cSld>
+  <p:clrMapOvr>
+    <a:masterClrMapping/>
+  </p:clrMapOvr>
+  <p:timing>
+    <p:tnLst>
+      <p:par>
+        <p:cTn id="1" dur="indefinite" restart="never" nodeType="tmRoot"/>
+      </p:par>
+    </p:tnLst>
+  </p:timing>
+</p:sld>
+</file>
+
+<file path=ppt/slides/slide7.xml><?xml version="1.0" encoding="utf-8"?>
+<p:sld xmlns:a="http://schemas.openxmlformats.org/drawingml/2006/main" xmlns:r="http://schemas.openxmlformats.org/officeDocument/2006/relationships" xmlns:p="http://schemas.openxmlformats.org/presentationml/2006/main">
+  <p:cSld>
+    <p:spTree>
+      <p:nvGrpSpPr>
+        <p:cNvPr id="1" name=""/>
+        <p:cNvGrpSpPr/>
+        <p:nvPr/>
+      </p:nvGrpSpPr>
+      <p:grpSpPr>
+        <a:xfrm>
+          <a:off x="0" y="0"/>
+          <a:ext cx="0" cy="0"/>
+          <a:chOff x="0" y="0"/>
+          <a:chExt cx="0" cy="0"/>
+        </a:xfrm>
+      </p:grpSpPr>
+      <p:sp>
+        <p:nvSpPr>
+          <p:cNvPr id="2" name="Title 1"/>
+          <p:cNvSpPr>
+            <a:spLocks noGrp="1"/>
+          </p:cNvSpPr>
+          <p:nvPr>
+            <p:ph type="title"/>
+          </p:nvPr>
+        </p:nvSpPr>
+        <p:spPr/>
+        <p:txBody>
+          <a:bodyPr>
+            <a:normAutofit fontScale="90000"/>
+          </a:bodyPr>
+          <a:lstStyle/>
+          <a:p>
+            <a:pPr lvl="0"/>
+            <a:r>
+              <a:rPr lang="en-IN" dirty="0"/>
+              <a:t>Anonymous </a:t>
+            </a:r>
+            <a:r>
+              <a:rPr lang="en-IN" dirty="0" smtClean="0"/>
+              <a:t>and </a:t>
+            </a:r>
+            <a:r>
+              <a:rPr lang="en-IN" dirty="0"/>
+              <a:t>Call-backs </a:t>
+            </a:r>
+            <a:r>
+              <a:rPr lang="en-IN" dirty="0" smtClean="0"/>
+              <a:t>functions</a:t>
+            </a:r>
+            <a:endParaRPr lang="en-US" dirty="0"/>
+          </a:p>
+        </p:txBody>
+      </p:sp>
+      <p:sp>
+        <p:nvSpPr>
+          <p:cNvPr id="3" name="Content Placeholder 2"/>
+          <p:cNvSpPr>
+            <a:spLocks noGrp="1"/>
+          </p:cNvSpPr>
+          <p:nvPr>
+            <p:ph sz="quarter" idx="1"/>
+          </p:nvPr>
+        </p:nvSpPr>
+        <p:spPr/>
+        <p:txBody>
+          <a:bodyPr/>
+          <a:lstStyle/>
+          <a:p>
+            <a:pPr marL="0" indent="0">
+              <a:buNone/>
+            </a:pPr>
+            <a:r>
+              <a:rPr lang="en-IN" b="1" dirty="0"/>
+              <a:t>Anonymous</a:t>
+            </a:r>
+            <a:r>
+              <a:rPr lang="en-US" b="1" dirty="0" smtClean="0"/>
+              <a:t> Functions</a:t>
+            </a:r>
+          </a:p>
+          <a:p>
+            <a:r>
+              <a:rPr lang="en-US" dirty="0"/>
+              <a:t>Anonymous functions are functions that are dynamically declared at runtime. </a:t>
+            </a:r>
+            <a:endParaRPr lang="en-US" dirty="0" smtClean="0"/>
+          </a:p>
+          <a:p>
+            <a:r>
+              <a:rPr lang="en-US" dirty="0" smtClean="0"/>
+              <a:t>These </a:t>
+            </a:r>
+            <a:r>
+              <a:rPr lang="en-US" dirty="0"/>
+              <a:t>functions </a:t>
+            </a:r>
+            <a:r>
+              <a:rPr lang="en-US" dirty="0" smtClean="0"/>
+              <a:t>are not contain </a:t>
+            </a:r>
+            <a:r>
+              <a:rPr lang="en-US" dirty="0"/>
+              <a:t>a name in the same way as normal functions. </a:t>
+            </a:r>
+            <a:endParaRPr lang="en-US" dirty="0" smtClean="0"/>
+          </a:p>
+          <a:p>
+            <a:pPr marL="0" indent="0">
+              <a:buNone/>
+            </a:pPr>
+            <a:endParaRPr lang="en-US" dirty="0"/>
+          </a:p>
+        </p:txBody>
+      </p:sp>
+    </p:spTree>
+    <p:extLst>
+      <p:ext uri="{BB962C8B-B14F-4D97-AF65-F5344CB8AC3E}">
+        <p14:creationId xmlns:p14="http://schemas.microsoft.com/office/powerpoint/2010/main" val="734495092"/>
+      </p:ext>
+    </p:extLst>
+  </p:cSld>
+  <p:clrMapOvr>
+    <a:masterClrMapping/>
+  </p:clrMapOvr>
+  <p:timing>
+    <p:tnLst>
+      <p:par>
+        <p:cTn id="1" dur="indefinite" restart="never" nodeType="tmRoot"/>
+      </p:par>
+    </p:tnLst>
+  </p:timing>
+</p:sld>
+</file>
+
+<file path=ppt/slides/slide8.xml><?xml version="1.0" encoding="utf-8"?>
+<p:sld xmlns:a="http://schemas.openxmlformats.org/drawingml/2006/main" xmlns:r="http://schemas.openxmlformats.org/officeDocument/2006/relationships" xmlns:p="http://schemas.openxmlformats.org/presentationml/2006/main">
+  <p:cSld>
+    <p:spTree>
+      <p:nvGrpSpPr>
+        <p:cNvPr id="1" name=""/>
+        <p:cNvGrpSpPr/>
+        <p:nvPr/>
+      </p:nvGrpSpPr>
+      <p:grpSpPr>
+        <a:xfrm>
+          <a:off x="0" y="0"/>
+          <a:ext cx="0" cy="0"/>
+          <a:chOff x="0" y="0"/>
+          <a:chExt cx="0" cy="0"/>
+        </a:xfrm>
+      </p:grpSpPr>
+      <p:sp>
+        <p:nvSpPr>
+          <p:cNvPr id="2" name="Title 1"/>
+          <p:cNvSpPr>
+            <a:spLocks noGrp="1"/>
+          </p:cNvSpPr>
+          <p:nvPr>
+            <p:ph type="title"/>
+          </p:nvPr>
+        </p:nvSpPr>
+        <p:spPr/>
+        <p:txBody>
+          <a:bodyPr>
+            <a:normAutofit fontScale="90000"/>
+          </a:bodyPr>
+          <a:lstStyle/>
+          <a:p>
+            <a:r>
+              <a:rPr lang="en-IN" dirty="0"/>
+              <a:t>Anonymous and Call-backs functions</a:t>
+            </a:r>
+            <a:endParaRPr lang="en-US" dirty="0"/>
+          </a:p>
+        </p:txBody>
+      </p:sp>
+      <p:sp>
+        <p:nvSpPr>
+          <p:cNvPr id="3" name="Content Placeholder 2"/>
+          <p:cNvSpPr>
+            <a:spLocks noGrp="1"/>
+          </p:cNvSpPr>
+          <p:nvPr>
+            <p:ph sz="quarter" idx="1"/>
+          </p:nvPr>
+        </p:nvSpPr>
+        <p:spPr/>
+        <p:txBody>
+          <a:bodyPr/>
+          <a:lstStyle/>
+          <a:p>
+            <a:pPr marL="0" indent="0">
+              <a:buNone/>
+            </a:pPr>
+            <a:r>
+              <a:rPr lang="en-US" b="1" dirty="0"/>
+              <a:t>Normal function declaration</a:t>
+            </a:r>
+            <a:endParaRPr lang="en-US" dirty="0"/>
+          </a:p>
+          <a:p>
+            <a:endParaRPr lang="en-US" dirty="0" smtClean="0"/>
+          </a:p>
+          <a:p>
+            <a:endParaRPr lang="en-US" dirty="0"/>
+          </a:p>
+          <a:p>
+            <a:endParaRPr lang="en-US" dirty="0" smtClean="0"/>
+          </a:p>
+          <a:p>
+            <a:pPr marL="0" indent="0">
+              <a:buNone/>
+            </a:pPr>
+            <a:r>
+              <a:rPr lang="en-US" b="1" dirty="0"/>
+              <a:t>Anonymous function </a:t>
+            </a:r>
+            <a:r>
+              <a:rPr lang="en-US" b="1" dirty="0" smtClean="0"/>
+              <a:t>declaration</a:t>
+            </a:r>
+          </a:p>
+          <a:p>
+            <a:pPr marL="0" indent="0">
+              <a:buNone/>
+            </a:pPr>
+            <a:endParaRPr lang="en-US" dirty="0"/>
+          </a:p>
+        </p:txBody>
+      </p:sp>
+      <p:pic>
+        <p:nvPicPr>
+          <p:cNvPr id="3074" name="Picture 2"/>
+          <p:cNvPicPr>
+            <a:picLocks noChangeAspect="1" noChangeArrowheads="1"/>
+          </p:cNvPicPr>
+          <p:nvPr/>
+        </p:nvPicPr>
+        <p:blipFill>
+          <a:blip r:embed="rId2">
+            <a:extLst>
+              <a:ext uri="{28A0092B-C50C-407E-A947-70E740481C1C}">
+                <a14:useLocalDpi xmlns:a14="http://schemas.microsoft.com/office/drawing/2010/main" val="0"/>
+              </a:ext>
+            </a:extLst>
+          </a:blip>
+          <a:srcRect/>
+          <a:stretch>
+            <a:fillRect/>
+          </a:stretch>
+        </p:blipFill>
+        <p:spPr bwMode="auto">
+          <a:xfrm>
+            <a:off x="838200" y="2514600"/>
+            <a:ext cx="3495675" cy="1009650"/>
+          </a:xfrm>
+          <a:prstGeom prst="rect">
+            <a:avLst/>
+          </a:prstGeom>
+          <a:noFill/>
+          <a:ln>
+            <a:noFill/>
+          </a:ln>
+          <a:effectLst/>
+          <a:extLst>
+            <a:ext uri="{909E8E84-426E-40DD-AFC4-6F175D3DCCD1}">
+              <a14:hiddenFill xmlns:a14="http://schemas.microsoft.com/office/drawing/2010/main">
+                <a:solidFill>
+                  <a:schemeClr val="accent1"/>
+                </a:solidFill>
+              </a14:hiddenFill>
+            </a:ext>
+            <a:ext uri="{91240B29-F687-4F45-9708-019B960494DF}">
+              <a14:hiddenLine xmlns:a14="http://schemas.microsoft.com/office/drawing/2010/main" w="9525">
+                <a:solidFill>
+                  <a:schemeClr val="tx1"/>
+                </a:solidFill>
+                <a:miter lim="800000"/>
+                <a:headEnd/>
+                <a:tailEnd/>
+              </a14:hiddenLine>
+            </a:ext>
+            <a:ext uri="{AF507438-7753-43E0-B8FC-AC1667EBCBE1}">
+              <a14:hiddenEffects xmlns:a14="http://schemas.microsoft.com/office/drawing/2010/main">
+                <a:effectLst>
+                  <a:outerShdw dist="35921" dir="2700000" algn="ctr" rotWithShape="0">
+                    <a:schemeClr val="bg2"/>
+                  </a:outerShdw>
+                </a:effectLst>
+              </a14:hiddenEffects>
+            </a:ext>
+          </a:extLst>
+        </p:spPr>
+      </p:pic>
+      <p:pic>
+        <p:nvPicPr>
+          <p:cNvPr id="3075" name="Picture 3"/>
+          <p:cNvPicPr>
+            <a:picLocks noChangeAspect="1" noChangeArrowheads="1"/>
+          </p:cNvPicPr>
+          <p:nvPr/>
+        </p:nvPicPr>
+        <p:blipFill>
+          <a:blip r:embed="rId3">
+            <a:extLst>
+              <a:ext uri="{28A0092B-C50C-407E-A947-70E740481C1C}">
+                <a14:useLocalDpi xmlns:a14="http://schemas.microsoft.com/office/drawing/2010/main" val="0"/>
+              </a:ext>
+            </a:extLst>
+          </a:blip>
+          <a:srcRect/>
+          <a:stretch>
+            <a:fillRect/>
+          </a:stretch>
+        </p:blipFill>
+        <p:spPr bwMode="auto">
+          <a:xfrm>
+            <a:off x="838200" y="4419599"/>
+            <a:ext cx="3752850" cy="1114425"/>
+          </a:xfrm>
+          <a:prstGeom prst="rect">
+            <a:avLst/>
+          </a:prstGeom>
+          <a:noFill/>
+          <a:ln>
+            <a:noFill/>
+          </a:ln>
+          <a:effectLst/>
+          <a:extLst>
+            <a:ext uri="{909E8E84-426E-40DD-AFC4-6F175D3DCCD1}">
+              <a14:hiddenFill xmlns:a14="http://schemas.microsoft.com/office/drawing/2010/main">
+                <a:solidFill>
+                  <a:schemeClr val="accent1"/>
+                </a:solidFill>
+              </a14:hiddenFill>
+            </a:ext>
+            <a:ext uri="{91240B29-F687-4F45-9708-019B960494DF}">
+              <a14:hiddenLine xmlns:a14="http://schemas.microsoft.com/office/drawing/2010/main" w="9525">
+                <a:solidFill>
+                  <a:schemeClr val="tx1"/>
+                </a:solidFill>
+                <a:miter lim="800000"/>
+                <a:headEnd/>
+                <a:tailEnd/>
+              </a14:hiddenLine>
+            </a:ext>
+            <a:ext uri="{AF507438-7753-43E0-B8FC-AC1667EBCBE1}">
+              <a14:hiddenEffects xmlns:a14="http://schemas.microsoft.com/office/drawing/2010/main">
+                <a:effectLst>
+                  <a:outerShdw dist="35921" dir="2700000" algn="ctr" rotWithShape="0">
+                    <a:schemeClr val="bg2"/>
+                  </a:outerShdw>
+                </a:effectLst>
+              </a14:hiddenEffects>
+            </a:ext>
+          </a:extLst>
+        </p:spPr>
+      </p:pic>
+    </p:spTree>
+    <p:extLst>
+      <p:ext uri="{BB962C8B-B14F-4D97-AF65-F5344CB8AC3E}">
+        <p14:creationId xmlns:p14="http://schemas.microsoft.com/office/powerpoint/2010/main" val="551351897"/>
+      </p:ext>
+    </p:extLst>
+  </p:cSld>
+  <p:clrMapOvr>
+    <a:masterClrMapping/>
+  </p:clrMapOvr>
+  <p:timing>
+    <p:tnLst>
+      <p:par>
+        <p:cTn id="1" dur="indefinite" restart="never" nodeType="tmRoot"/>
+      </p:par>
+    </p:tnLst>
+  </p:timing>
+</p:sld>
+</file>
+
+<file path=ppt/slides/slide9.xml><?xml version="1.0" encoding="utf-8"?>
+<p:sld xmlns:a="http://schemas.openxmlformats.org/drawingml/2006/main" xmlns:r="http://schemas.openxmlformats.org/officeDocument/2006/relationships" xmlns:p="http://schemas.openxmlformats.org/presentationml/2006/main">
+  <p:cSld>
+    <p:spTree>
+      <p:nvGrpSpPr>
+        <p:cNvPr id="1" name=""/>
+        <p:cNvGrpSpPr/>
+        <p:nvPr/>
+      </p:nvGrpSpPr>
+      <p:grpSpPr>
+        <a:xfrm>
+          <a:off x="0" y="0"/>
+          <a:ext cx="0" cy="0"/>
+          <a:chOff x="0" y="0"/>
+          <a:chExt cx="0" cy="0"/>
+        </a:xfrm>
+      </p:grpSpPr>
+      <p:sp>
+        <p:nvSpPr>
+          <p:cNvPr id="2" name="Title 1"/>
+          <p:cNvSpPr>
+            <a:spLocks noGrp="1"/>
+          </p:cNvSpPr>
+          <p:nvPr>
+            <p:ph type="title"/>
+          </p:nvPr>
+        </p:nvSpPr>
+        <p:spPr/>
+        <p:txBody>
+          <a:bodyPr>
+            <a:normAutofit fontScale="90000"/>
+          </a:bodyPr>
+          <a:lstStyle/>
+          <a:p>
+            <a:r>
+              <a:rPr lang="en-IN" dirty="0"/>
+              <a:t>Anonymous and Call-backs functions</a:t>
+            </a:r>
+            <a:endParaRPr lang="en-US" dirty="0"/>
+          </a:p>
+        </p:txBody>
+      </p:sp>
+      <p:sp>
+        <p:nvSpPr>
+          <p:cNvPr id="3" name="Content Placeholder 2"/>
+          <p:cNvSpPr>
+            <a:spLocks noGrp="1"/>
+          </p:cNvSpPr>
+          <p:nvPr>
+            <p:ph sz="quarter" idx="1"/>
+          </p:nvPr>
+        </p:nvSpPr>
+        <p:spPr/>
+        <p:txBody>
+          <a:bodyPr/>
+          <a:lstStyle/>
+          <a:p>
+            <a:pPr marL="0" indent="0">
+              <a:buNone/>
+            </a:pPr>
+            <a:r>
+              <a:rPr lang="en-US" b="1" dirty="0" smtClean="0"/>
+              <a:t>Callback Functions</a:t>
+            </a:r>
+          </a:p>
+          <a:p>
+            <a:r>
+              <a:rPr lang="en-US" dirty="0"/>
+              <a:t>Callback functions are the functions that are passed to another function as an argument.</a:t>
+            </a:r>
+          </a:p>
+          <a:p>
+            <a:r>
+              <a:rPr lang="en-US" dirty="0"/>
+              <a:t>Callback functions are probably the most widely used functional programming technique in </a:t>
+            </a:r>
+            <a:r>
+              <a:rPr lang="en-US" dirty="0" smtClean="0"/>
+              <a:t>JavaScript.</a:t>
+            </a:r>
+            <a:endParaRPr lang="en-US" dirty="0"/>
+          </a:p>
+        </p:txBody>
+      </p:sp>
+    </p:spTree>
+    <p:extLst>
+      <p:ext uri="{BB962C8B-B14F-4D97-AF65-F5344CB8AC3E}">
+        <p14:creationId xmlns:p14="http://schemas.microsoft.com/office/powerpoint/2010/main" val="2055755827"/>
+      </p:ext>
+    </p:extLst>
   </p:cSld>
   <p:clrMapOvr>
     <a:masterClrMapping/>

--- a/Advanced Javascript.pptx
+++ b/Advanced Javascript.pptx
@@ -5,7 +5,7 @@
     <p:sldMasterId id="2147483792" r:id="rId1"/>
   </p:sldMasterIdLst>
   <p:notesMasterIdLst>
-    <p:notesMasterId r:id="rId17"/>
+    <p:notesMasterId r:id="rId21"/>
   </p:notesMasterIdLst>
   <p:sldIdLst>
     <p:sldId id="256" r:id="rId2"/>
@@ -23,6 +23,10 @@
     <p:sldId id="268" r:id="rId14"/>
     <p:sldId id="269" r:id="rId15"/>
     <p:sldId id="270" r:id="rId16"/>
+    <p:sldId id="273" r:id="rId17"/>
+    <p:sldId id="274" r:id="rId18"/>
+    <p:sldId id="275" r:id="rId19"/>
+    <p:sldId id="276" r:id="rId20"/>
   </p:sldIdLst>
   <p:sldSz cx="9144000" cy="6858000" type="screen4x3"/>
   <p:notesSz cx="6858000" cy="9144000"/>
@@ -206,7 +210,7 @@
           <a:p>
             <a:fld id="{26151B0D-99E5-4A1B-9DBD-0880C37D7AC7}" type="datetimeFigureOut">
               <a:rPr lang="en-US" smtClean="0"/>
-              <a:t>2/6/2014</a:t>
+              <a:t>2/7/2014</a:t>
             </a:fld>
             <a:endParaRPr lang="en-US"/>
           </a:p>
@@ -849,7 +853,7 @@
             <a:fld id="{30EFA729-0062-401D-B7BF-B91E3DD8EF4A}" type="datetimeFigureOut">
               <a:rPr lang="en-US" smtClean="0"/>
               <a:pPr/>
-              <a:t>2/6/2014</a:t>
+              <a:t>2/7/2014</a:t>
             </a:fld>
             <a:endParaRPr lang="en-US"/>
           </a:p>
@@ -1042,7 +1046,7 @@
             <a:fld id="{30EFA729-0062-401D-B7BF-B91E3DD8EF4A}" type="datetimeFigureOut">
               <a:rPr lang="en-US" smtClean="0"/>
               <a:pPr/>
-              <a:t>2/6/2014</a:t>
+              <a:t>2/7/2014</a:t>
             </a:fld>
             <a:endParaRPr lang="en-US"/>
           </a:p>
@@ -1229,7 +1233,7 @@
             <a:fld id="{30EFA729-0062-401D-B7BF-B91E3DD8EF4A}" type="datetimeFigureOut">
               <a:rPr lang="en-US" smtClean="0"/>
               <a:pPr/>
-              <a:t>2/6/2014</a:t>
+              <a:t>2/7/2014</a:t>
             </a:fld>
             <a:endParaRPr lang="en-US"/>
           </a:p>
@@ -1494,7 +1498,7 @@
             <a:fld id="{30EFA729-0062-401D-B7BF-B91E3DD8EF4A}" type="datetimeFigureOut">
               <a:rPr lang="en-US" smtClean="0"/>
               <a:pPr/>
-              <a:t>2/6/2014</a:t>
+              <a:t>2/7/2014</a:t>
             </a:fld>
             <a:endParaRPr lang="en-US"/>
           </a:p>
@@ -1919,7 +1923,7 @@
             <a:fld id="{30EFA729-0062-401D-B7BF-B91E3DD8EF4A}" type="datetimeFigureOut">
               <a:rPr lang="en-US" smtClean="0"/>
               <a:pPr/>
-              <a:t>2/6/2014</a:t>
+              <a:t>2/7/2014</a:t>
             </a:fld>
             <a:endParaRPr lang="en-US"/>
           </a:p>
@@ -2163,7 +2167,7 @@
             <a:fld id="{30EFA729-0062-401D-B7BF-B91E3DD8EF4A}" type="datetimeFigureOut">
               <a:rPr lang="en-US" smtClean="0"/>
               <a:pPr/>
-              <a:t>2/6/2014</a:t>
+              <a:t>2/7/2014</a:t>
             </a:fld>
             <a:endParaRPr lang="en-US"/>
           </a:p>
@@ -2401,7 +2405,7 @@
             <a:fld id="{30EFA729-0062-401D-B7BF-B91E3DD8EF4A}" type="datetimeFigureOut">
               <a:rPr lang="en-US" smtClean="0"/>
               <a:pPr/>
-              <a:t>2/6/2014</a:t>
+              <a:t>2/7/2014</a:t>
             </a:fld>
             <a:endParaRPr lang="en-US"/>
           </a:p>
@@ -2598,7 +2602,7 @@
             <a:fld id="{30EFA729-0062-401D-B7BF-B91E3DD8EF4A}" type="datetimeFigureOut">
               <a:rPr lang="en-US" smtClean="0"/>
               <a:pPr/>
-              <a:t>2/6/2014</a:t>
+              <a:t>2/7/2014</a:t>
             </a:fld>
             <a:endParaRPr lang="en-US"/>
           </a:p>
@@ -2698,7 +2702,7 @@
             <a:fld id="{30EFA729-0062-401D-B7BF-B91E3DD8EF4A}" type="datetimeFigureOut">
               <a:rPr lang="en-US" smtClean="0"/>
               <a:pPr/>
-              <a:t>2/6/2014</a:t>
+              <a:t>2/7/2014</a:t>
             </a:fld>
             <a:endParaRPr lang="en-US"/>
           </a:p>
@@ -2836,7 +2840,7 @@
             <a:fld id="{30EFA729-0062-401D-B7BF-B91E3DD8EF4A}" type="datetimeFigureOut">
               <a:rPr lang="en-US" smtClean="0"/>
               <a:pPr/>
-              <a:t>2/6/2014</a:t>
+              <a:t>2/7/2014</a:t>
             </a:fld>
             <a:endParaRPr lang="en-US"/>
           </a:p>
@@ -3356,7 +3360,7 @@
             <a:fld id="{30EFA729-0062-401D-B7BF-B91E3DD8EF4A}" type="datetimeFigureOut">
               <a:rPr lang="en-US" smtClean="0"/>
               <a:pPr/>
-              <a:t>2/6/2014</a:t>
+              <a:t>2/7/2014</a:t>
             </a:fld>
             <a:endParaRPr lang="en-US"/>
           </a:p>
@@ -3619,7 +3623,7 @@
             <a:fld id="{30EFA729-0062-401D-B7BF-B91E3DD8EF4A}" type="datetimeFigureOut">
               <a:rPr lang="en-US" smtClean="0"/>
               <a:pPr/>
-              <a:t>2/6/2014</a:t>
+              <a:t>2/7/2014</a:t>
             </a:fld>
             <a:endParaRPr lang="en-US"/>
           </a:p>
@@ -4680,10 +4684,96 @@
           <a:bodyPr/>
           <a:lstStyle/>
           <a:p>
+            <a:r>
+              <a:rPr lang="en-US" dirty="0"/>
+              <a:t>A closure is an inner function that has access to the outer (enclosing) function’s </a:t>
+            </a:r>
+            <a:r>
+              <a:rPr lang="en-US" dirty="0" smtClean="0"/>
+              <a:t>variables scope </a:t>
+            </a:r>
+            <a:r>
+              <a:rPr lang="en-US" dirty="0"/>
+              <a:t>chain. </a:t>
+            </a:r>
+            <a:endParaRPr lang="en-US" dirty="0" smtClean="0"/>
+          </a:p>
+          <a:p>
+            <a:pPr marL="0" indent="0">
+              <a:buNone/>
+            </a:pPr>
+            <a:r>
+              <a:rPr lang="en-US" dirty="0" smtClean="0"/>
+              <a:t>Ex1:</a:t>
+            </a:r>
             <a:endParaRPr lang="en-US" dirty="0"/>
           </a:p>
         </p:txBody>
       </p:sp>
+      <p:pic>
+        <p:nvPicPr>
+          <p:cNvPr id="1026" name="Picture 2"/>
+          <p:cNvPicPr>
+            <a:picLocks noChangeAspect="1" noChangeArrowheads="1"/>
+          </p:cNvPicPr>
+          <p:nvPr/>
+        </p:nvPicPr>
+        <p:blipFill>
+          <a:blip r:embed="rId2">
+            <a:extLst>
+              <a:ext uri="{28A0092B-C50C-407E-A947-70E740481C1C}">
+                <a14:useLocalDpi xmlns:a14="http://schemas.microsoft.com/office/drawing/2010/main" val="0"/>
+              </a:ext>
+            </a:extLst>
+          </a:blip>
+          <a:srcRect/>
+          <a:stretch>
+            <a:fillRect/>
+          </a:stretch>
+        </p:blipFill>
+        <p:spPr bwMode="auto">
+          <a:xfrm>
+            <a:off x="1143000" y="3200400"/>
+            <a:ext cx="7419975" cy="2876550"/>
+          </a:xfrm>
+          <a:prstGeom prst="rect">
+            <a:avLst/>
+          </a:prstGeom>
+          <a:noFill/>
+          <a:ln>
+            <a:noFill/>
+          </a:ln>
+          <a:effectLst/>
+          <a:extLst>
+            <a:ext uri="{909E8E84-426E-40DD-AFC4-6F175D3DCCD1}">
+              <a14:hiddenFill xmlns:a14="http://schemas.microsoft.com/office/drawing/2010/main">
+                <a:solidFill>
+                  <a:schemeClr val="accent1"/>
+                </a:solidFill>
+              </a14:hiddenFill>
+            </a:ext>
+            <a:ext uri="{91240B29-F687-4F45-9708-019B960494DF}">
+              <a14:hiddenLine xmlns:a14="http://schemas.microsoft.com/office/drawing/2010/main" w="9525">
+                <a:solidFill>
+                  <a:schemeClr val="tx1"/>
+                </a:solidFill>
+                <a:miter lim="800000"/>
+                <a:headEnd/>
+                <a:tailEnd/>
+              </a14:hiddenLine>
+            </a:ext>
+            <a:ext uri="{AF507438-7753-43E0-B8FC-AC1667EBCBE1}">
+              <a14:hiddenEffects xmlns:a14="http://schemas.microsoft.com/office/drawing/2010/main">
+                <a:effectLst>
+                  <a:outerShdw dist="35921" dir="2700000" algn="ctr" rotWithShape="0">
+                    <a:schemeClr val="bg2"/>
+                  </a:outerShdw>
+                </a:effectLst>
+              </a14:hiddenEffects>
+            </a:ext>
+          </a:extLst>
+        </p:spPr>
+      </p:pic>
     </p:spTree>
     <p:extLst>
       <p:ext uri="{BB962C8B-B14F-4D97-AF65-F5344CB8AC3E}">
@@ -4738,10 +4828,9 @@
           </a:bodyPr>
           <a:lstStyle/>
           <a:p>
-            <a:pPr lvl="0"/>
-            <a:r>
-              <a:rPr lang="en-IN" dirty="0"/>
-              <a:t>Closures</a:t>
+            <a:r>
+              <a:rPr lang="en-US" b="1" dirty="0"/>
+              <a:t>Function Overloading</a:t>
             </a:r>
             <a:endParaRPr lang="en-US" dirty="0"/>
           </a:p>
@@ -4762,6 +4851,15 @@
           <a:bodyPr/>
           <a:lstStyle/>
           <a:p>
+            <a:r>
+              <a:rPr lang="en-US" dirty="0"/>
+              <a:t>Function or method overloading is declaring functions with the same name that accept different arguments thus have different behaviors depending on passed arguments.</a:t>
+            </a:r>
+          </a:p>
+          <a:p>
+            <a:pPr marL="0" indent="0">
+              <a:buNone/>
+            </a:pPr>
             <a:endParaRPr lang="en-US" dirty="0"/>
           </a:p>
         </p:txBody>
@@ -4822,8 +4920,8 @@
           <a:p>
             <a:pPr lvl="0"/>
             <a:r>
-              <a:rPr lang="en-IN" dirty="0"/>
-              <a:t>Closures</a:t>
+              <a:rPr lang="en-US" b="1" dirty="0"/>
+              <a:t>Function Overloading</a:t>
             </a:r>
             <a:endParaRPr lang="en-US" dirty="0"/>
           </a:p>
@@ -4844,10 +4942,81 @@
           <a:bodyPr/>
           <a:lstStyle/>
           <a:p>
+            <a:pPr marL="0" indent="0">
+              <a:buNone/>
+            </a:pPr>
+            <a:r>
+              <a:rPr lang="en-US" dirty="0" smtClean="0"/>
+              <a:t>Ex1:</a:t>
+            </a:r>
             <a:endParaRPr lang="en-US" dirty="0"/>
           </a:p>
         </p:txBody>
       </p:sp>
+      <p:pic>
+        <p:nvPicPr>
+          <p:cNvPr id="2052" name="Picture 4"/>
+          <p:cNvPicPr>
+            <a:picLocks noChangeAspect="1" noChangeArrowheads="1"/>
+          </p:cNvPicPr>
+          <p:nvPr/>
+        </p:nvPicPr>
+        <p:blipFill>
+          <a:blip r:embed="rId2">
+            <a:extLst>
+              <a:ext uri="{28A0092B-C50C-407E-A947-70E740481C1C}">
+                <a14:useLocalDpi xmlns:a14="http://schemas.microsoft.com/office/drawing/2010/main" val="0"/>
+              </a:ext>
+            </a:extLst>
+          </a:blip>
+          <a:srcRect/>
+          <a:stretch>
+            <a:fillRect/>
+          </a:stretch>
+        </p:blipFill>
+        <p:spPr bwMode="auto">
+          <a:xfrm>
+            <a:off x="1143000" y="2133600"/>
+            <a:ext cx="7696200" cy="4572000"/>
+          </a:xfrm>
+          <a:prstGeom prst="rect">
+            <a:avLst/>
+          </a:prstGeom>
+          <a:noFill/>
+          <a:ln>
+            <a:noFill/>
+          </a:ln>
+          <a:effectLst/>
+          <a:extLst>
+            <a:ext uri="{909E8E84-426E-40DD-AFC4-6F175D3DCCD1}">
+              <a14:hiddenFill xmlns:a14="http://schemas.microsoft.com/office/drawing/2010/main">
+                <a:solidFill>
+                  <a:schemeClr val="accent1"/>
+                </a:solidFill>
+              </a14:hiddenFill>
+            </a:ext>
+            <a:ext uri="{91240B29-F687-4F45-9708-019B960494DF}">
+              <a14:hiddenLine xmlns:a14="http://schemas.microsoft.com/office/drawing/2010/main" w="9525">
+                <a:solidFill>
+                  <a:schemeClr val="tx1"/>
+                </a:solidFill>
+                <a:miter lim="800000"/>
+                <a:headEnd/>
+                <a:tailEnd/>
+              </a14:hiddenLine>
+            </a:ext>
+            <a:ext uri="{AF507438-7753-43E0-B8FC-AC1667EBCBE1}">
+              <a14:hiddenEffects xmlns:a14="http://schemas.microsoft.com/office/drawing/2010/main">
+                <a:effectLst>
+                  <a:outerShdw dist="35921" dir="2700000" algn="ctr" rotWithShape="0">
+                    <a:schemeClr val="bg2"/>
+                  </a:outerShdw>
+                </a:effectLst>
+              </a14:hiddenEffects>
+            </a:ext>
+          </a:extLst>
+        </p:spPr>
+      </p:pic>
     </p:spTree>
     <p:extLst>
       <p:ext uri="{BB962C8B-B14F-4D97-AF65-F5344CB8AC3E}">
@@ -4904,8 +5073,8 @@
           <a:p>
             <a:pPr lvl="0"/>
             <a:r>
-              <a:rPr lang="en-IN" dirty="0"/>
-              <a:t>Closures</a:t>
+              <a:rPr lang="en-US" b="1" dirty="0"/>
+              <a:t>Function Overloading</a:t>
             </a:r>
             <a:endParaRPr lang="en-US" dirty="0"/>
           </a:p>
@@ -4926,14 +5095,648 @@
           <a:bodyPr/>
           <a:lstStyle/>
           <a:p>
+            <a:pPr marL="0" indent="0">
+              <a:buNone/>
+            </a:pPr>
+            <a:r>
+              <a:rPr lang="en-US" dirty="0" smtClean="0"/>
+              <a:t>Ex2:</a:t>
+            </a:r>
             <a:endParaRPr lang="en-US" dirty="0"/>
           </a:p>
         </p:txBody>
       </p:sp>
+      <p:pic>
+        <p:nvPicPr>
+          <p:cNvPr id="3076" name="Picture 4"/>
+          <p:cNvPicPr>
+            <a:picLocks noChangeAspect="1" noChangeArrowheads="1"/>
+          </p:cNvPicPr>
+          <p:nvPr/>
+        </p:nvPicPr>
+        <p:blipFill>
+          <a:blip r:embed="rId2">
+            <a:extLst>
+              <a:ext uri="{28A0092B-C50C-407E-A947-70E740481C1C}">
+                <a14:useLocalDpi xmlns:a14="http://schemas.microsoft.com/office/drawing/2010/main" val="0"/>
+              </a:ext>
+            </a:extLst>
+          </a:blip>
+          <a:srcRect/>
+          <a:stretch>
+            <a:fillRect/>
+          </a:stretch>
+        </p:blipFill>
+        <p:spPr bwMode="auto">
+          <a:xfrm>
+            <a:off x="1447800" y="1752600"/>
+            <a:ext cx="6553200" cy="4876800"/>
+          </a:xfrm>
+          <a:prstGeom prst="rect">
+            <a:avLst/>
+          </a:prstGeom>
+          <a:noFill/>
+          <a:ln>
+            <a:noFill/>
+          </a:ln>
+          <a:effectLst/>
+          <a:extLst>
+            <a:ext uri="{909E8E84-426E-40DD-AFC4-6F175D3DCCD1}">
+              <a14:hiddenFill xmlns:a14="http://schemas.microsoft.com/office/drawing/2010/main">
+                <a:solidFill>
+                  <a:schemeClr val="accent1"/>
+                </a:solidFill>
+              </a14:hiddenFill>
+            </a:ext>
+            <a:ext uri="{91240B29-F687-4F45-9708-019B960494DF}">
+              <a14:hiddenLine xmlns:a14="http://schemas.microsoft.com/office/drawing/2010/main" w="9525">
+                <a:solidFill>
+                  <a:schemeClr val="tx1"/>
+                </a:solidFill>
+                <a:miter lim="800000"/>
+                <a:headEnd/>
+                <a:tailEnd/>
+              </a14:hiddenLine>
+            </a:ext>
+            <a:ext uri="{AF507438-7753-43E0-B8FC-AC1667EBCBE1}">
+              <a14:hiddenEffects xmlns:a14="http://schemas.microsoft.com/office/drawing/2010/main">
+                <a:effectLst>
+                  <a:outerShdw dist="35921" dir="2700000" algn="ctr" rotWithShape="0">
+                    <a:schemeClr val="bg2"/>
+                  </a:outerShdw>
+                </a:effectLst>
+              </a14:hiddenEffects>
+            </a:ext>
+          </a:extLst>
+        </p:spPr>
+      </p:pic>
     </p:spTree>
     <p:extLst>
       <p:ext uri="{BB962C8B-B14F-4D97-AF65-F5344CB8AC3E}">
         <p14:creationId xmlns:p14="http://schemas.microsoft.com/office/powerpoint/2010/main" val="1298352505"/>
+      </p:ext>
+    </p:extLst>
+  </p:cSld>
+  <p:clrMapOvr>
+    <a:masterClrMapping/>
+  </p:clrMapOvr>
+  <p:timing>
+    <p:tnLst>
+      <p:par>
+        <p:cTn id="1" dur="indefinite" restart="never" nodeType="tmRoot"/>
+      </p:par>
+    </p:tnLst>
+  </p:timing>
+</p:sld>
+</file>
+
+<file path=ppt/slides/slide16.xml><?xml version="1.0" encoding="utf-8"?>
+<p:sld xmlns:a="http://schemas.openxmlformats.org/drawingml/2006/main" xmlns:r="http://schemas.openxmlformats.org/officeDocument/2006/relationships" xmlns:p="http://schemas.openxmlformats.org/presentationml/2006/main">
+  <p:cSld>
+    <p:spTree>
+      <p:nvGrpSpPr>
+        <p:cNvPr id="1" name=""/>
+        <p:cNvGrpSpPr/>
+        <p:nvPr/>
+      </p:nvGrpSpPr>
+      <p:grpSpPr>
+        <a:xfrm>
+          <a:off x="0" y="0"/>
+          <a:ext cx="0" cy="0"/>
+          <a:chOff x="0" y="0"/>
+          <a:chExt cx="0" cy="0"/>
+        </a:xfrm>
+      </p:grpSpPr>
+      <p:sp>
+        <p:nvSpPr>
+          <p:cNvPr id="2" name="Title 1"/>
+          <p:cNvSpPr>
+            <a:spLocks noGrp="1"/>
+          </p:cNvSpPr>
+          <p:nvPr>
+            <p:ph type="title"/>
+          </p:nvPr>
+        </p:nvSpPr>
+        <p:spPr/>
+        <p:txBody>
+          <a:bodyPr>
+            <a:normAutofit/>
+          </a:bodyPr>
+          <a:lstStyle/>
+          <a:p>
+            <a:r>
+              <a:rPr lang="en-IN" dirty="0"/>
+              <a:t>OOPs in JavaScript</a:t>
+            </a:r>
+            <a:endParaRPr lang="en-US" dirty="0"/>
+          </a:p>
+        </p:txBody>
+      </p:sp>
+      <p:sp>
+        <p:nvSpPr>
+          <p:cNvPr id="3" name="Content Placeholder 2"/>
+          <p:cNvSpPr>
+            <a:spLocks noGrp="1"/>
+          </p:cNvSpPr>
+          <p:nvPr>
+            <p:ph sz="quarter" idx="1"/>
+          </p:nvPr>
+        </p:nvSpPr>
+        <p:spPr/>
+        <p:txBody>
+          <a:bodyPr>
+            <a:normAutofit fontScale="77500" lnSpcReduction="20000"/>
+          </a:bodyPr>
+          <a:lstStyle/>
+          <a:p>
+            <a:r>
+              <a:rPr lang="en-US" dirty="0" smtClean="0"/>
+              <a:t>Object-oriented </a:t>
+            </a:r>
+            <a:r>
+              <a:rPr lang="en-US" dirty="0"/>
+              <a:t>programming is intended to promote greater flexibility and maintainability in programming, and is widely popular in large-scale software engineering</a:t>
+            </a:r>
+            <a:r>
+              <a:rPr lang="en-US" dirty="0" smtClean="0"/>
+              <a:t>.</a:t>
+            </a:r>
+          </a:p>
+          <a:p>
+            <a:endParaRPr lang="en-US" dirty="0" smtClean="0"/>
+          </a:p>
+          <a:p>
+            <a:pPr marL="0" indent="0">
+              <a:buNone/>
+            </a:pPr>
+            <a:r>
+              <a:rPr lang="en-US" b="1" dirty="0"/>
+              <a:t>Concepts:</a:t>
+            </a:r>
+            <a:endParaRPr lang="en-US" dirty="0"/>
+          </a:p>
+          <a:p>
+            <a:pPr lvl="1"/>
+            <a:r>
+              <a:rPr lang="en-US" dirty="0"/>
+              <a:t>Class</a:t>
+            </a:r>
+          </a:p>
+          <a:p>
+            <a:pPr lvl="1"/>
+            <a:r>
+              <a:rPr lang="en-US" dirty="0"/>
+              <a:t>Object</a:t>
+            </a:r>
+          </a:p>
+          <a:p>
+            <a:pPr lvl="1"/>
+            <a:r>
+              <a:rPr lang="en-US" dirty="0"/>
+              <a:t>Property</a:t>
+            </a:r>
+          </a:p>
+          <a:p>
+            <a:pPr lvl="1"/>
+            <a:r>
+              <a:rPr lang="en-US" dirty="0"/>
+              <a:t>Method</a:t>
+            </a:r>
+          </a:p>
+          <a:p>
+            <a:pPr lvl="1"/>
+            <a:r>
+              <a:rPr lang="en-US" dirty="0"/>
+              <a:t>Constructor</a:t>
+            </a:r>
+          </a:p>
+          <a:p>
+            <a:pPr lvl="1"/>
+            <a:r>
+              <a:rPr lang="en-US" dirty="0"/>
+              <a:t>Inheritance</a:t>
+            </a:r>
+          </a:p>
+          <a:p>
+            <a:pPr lvl="1"/>
+            <a:r>
+              <a:rPr lang="en-US" dirty="0"/>
+              <a:t>Encapsulation</a:t>
+            </a:r>
+          </a:p>
+          <a:p>
+            <a:pPr lvl="1"/>
+            <a:r>
+              <a:rPr lang="en-US" dirty="0"/>
+              <a:t>Abstraction</a:t>
+            </a:r>
+          </a:p>
+          <a:p>
+            <a:pPr lvl="1"/>
+            <a:r>
+              <a:rPr lang="en-US" dirty="0"/>
+              <a:t>Polymorphism</a:t>
+            </a:r>
+          </a:p>
+          <a:p>
+            <a:pPr marL="0" indent="0">
+              <a:buNone/>
+            </a:pPr>
+            <a:endParaRPr lang="en-US" dirty="0"/>
+          </a:p>
+          <a:p>
+            <a:pPr marL="0" indent="0">
+              <a:buNone/>
+            </a:pPr>
+            <a:endParaRPr lang="en-US" dirty="0"/>
+          </a:p>
+          <a:p>
+            <a:endParaRPr lang="en-US" dirty="0" smtClean="0"/>
+          </a:p>
+          <a:p>
+            <a:pPr marL="0" indent="0">
+              <a:buNone/>
+            </a:pPr>
+            <a:endParaRPr lang="en-US" dirty="0"/>
+          </a:p>
+        </p:txBody>
+      </p:sp>
+    </p:spTree>
+    <p:extLst>
+      <p:ext uri="{BB962C8B-B14F-4D97-AF65-F5344CB8AC3E}">
+        <p14:creationId xmlns:p14="http://schemas.microsoft.com/office/powerpoint/2010/main" val="3662053098"/>
+      </p:ext>
+    </p:extLst>
+  </p:cSld>
+  <p:clrMapOvr>
+    <a:masterClrMapping/>
+  </p:clrMapOvr>
+  <p:timing>
+    <p:tnLst>
+      <p:par>
+        <p:cTn id="1" dur="indefinite" restart="never" nodeType="tmRoot"/>
+      </p:par>
+    </p:tnLst>
+  </p:timing>
+</p:sld>
+</file>
+
+<file path=ppt/slides/slide17.xml><?xml version="1.0" encoding="utf-8"?>
+<p:sld xmlns:a="http://schemas.openxmlformats.org/drawingml/2006/main" xmlns:r="http://schemas.openxmlformats.org/officeDocument/2006/relationships" xmlns:p="http://schemas.openxmlformats.org/presentationml/2006/main">
+  <p:cSld>
+    <p:spTree>
+      <p:nvGrpSpPr>
+        <p:cNvPr id="1" name=""/>
+        <p:cNvGrpSpPr/>
+        <p:nvPr/>
+      </p:nvGrpSpPr>
+      <p:grpSpPr>
+        <a:xfrm>
+          <a:off x="0" y="0"/>
+          <a:ext cx="0" cy="0"/>
+          <a:chOff x="0" y="0"/>
+          <a:chExt cx="0" cy="0"/>
+        </a:xfrm>
+      </p:grpSpPr>
+      <p:sp>
+        <p:nvSpPr>
+          <p:cNvPr id="2" name="Title 1"/>
+          <p:cNvSpPr>
+            <a:spLocks noGrp="1"/>
+          </p:cNvSpPr>
+          <p:nvPr>
+            <p:ph type="title"/>
+          </p:nvPr>
+        </p:nvSpPr>
+        <p:spPr/>
+        <p:txBody>
+          <a:bodyPr>
+            <a:normAutofit/>
+          </a:bodyPr>
+          <a:lstStyle/>
+          <a:p>
+            <a:r>
+              <a:rPr lang="en-IN" dirty="0"/>
+              <a:t>OOPs in JavaScript</a:t>
+            </a:r>
+            <a:endParaRPr lang="en-US" dirty="0"/>
+          </a:p>
+        </p:txBody>
+      </p:sp>
+      <p:sp>
+        <p:nvSpPr>
+          <p:cNvPr id="3" name="Content Placeholder 2"/>
+          <p:cNvSpPr>
+            <a:spLocks noGrp="1"/>
+          </p:cNvSpPr>
+          <p:nvPr>
+            <p:ph sz="quarter" idx="1"/>
+          </p:nvPr>
+        </p:nvSpPr>
+        <p:spPr/>
+        <p:txBody>
+          <a:bodyPr>
+            <a:normAutofit/>
+          </a:bodyPr>
+          <a:lstStyle/>
+          <a:p>
+            <a:pPr marL="0" indent="0">
+              <a:buNone/>
+            </a:pPr>
+            <a:r>
+              <a:rPr lang="en-US" b="1" dirty="0"/>
+              <a:t>Class: </a:t>
+            </a:r>
+            <a:endParaRPr lang="en-US" b="1" dirty="0" smtClean="0"/>
+          </a:p>
+          <a:p>
+            <a:pPr marL="0" indent="0">
+              <a:buNone/>
+            </a:pPr>
+            <a:r>
+              <a:rPr lang="en-US" dirty="0" smtClean="0"/>
+              <a:t>JavaScript </a:t>
+            </a:r>
+            <a:r>
+              <a:rPr lang="en-US" dirty="0"/>
+              <a:t>is a prototype-based language which contains no class statement, such as is found in </a:t>
+            </a:r>
+            <a:r>
+              <a:rPr lang="en-US" dirty="0" smtClean="0"/>
+              <a:t>Php, C</a:t>
+            </a:r>
+            <a:r>
+              <a:rPr lang="en-US" dirty="0"/>
+              <a:t>++ or Java</a:t>
+            </a:r>
+            <a:r>
+              <a:rPr lang="en-US" dirty="0" smtClean="0"/>
+              <a:t>.</a:t>
+            </a:r>
+          </a:p>
+          <a:p>
+            <a:pPr marL="0" indent="0">
+              <a:buNone/>
+            </a:pPr>
+            <a:endParaRPr lang="en-US" dirty="0"/>
+          </a:p>
+          <a:p>
+            <a:pPr marL="0" indent="0">
+              <a:buNone/>
+            </a:pPr>
+            <a:r>
+              <a:rPr lang="en-US" dirty="0"/>
+              <a:t>Ex: </a:t>
+            </a:r>
+          </a:p>
+          <a:p>
+            <a:pPr marL="0" indent="0">
+              <a:buNone/>
+            </a:pPr>
+            <a:endParaRPr lang="en-US" dirty="0"/>
+          </a:p>
+        </p:txBody>
+      </p:sp>
+      <p:pic>
+        <p:nvPicPr>
+          <p:cNvPr id="4098" name="Picture 2"/>
+          <p:cNvPicPr>
+            <a:picLocks noChangeAspect="1" noChangeArrowheads="1"/>
+          </p:cNvPicPr>
+          <p:nvPr/>
+        </p:nvPicPr>
+        <p:blipFill>
+          <a:blip r:embed="rId2">
+            <a:extLst>
+              <a:ext uri="{28A0092B-C50C-407E-A947-70E740481C1C}">
+                <a14:useLocalDpi xmlns:a14="http://schemas.microsoft.com/office/drawing/2010/main" val="0"/>
+              </a:ext>
+            </a:extLst>
+          </a:blip>
+          <a:srcRect/>
+          <a:stretch>
+            <a:fillRect/>
+          </a:stretch>
+        </p:blipFill>
+        <p:spPr bwMode="auto">
+          <a:xfrm>
+            <a:off x="1066800" y="4915766"/>
+            <a:ext cx="3333750" cy="438150"/>
+          </a:xfrm>
+          <a:prstGeom prst="rect">
+            <a:avLst/>
+          </a:prstGeom>
+          <a:noFill/>
+          <a:ln>
+            <a:noFill/>
+          </a:ln>
+          <a:effectLst/>
+          <a:extLst>
+            <a:ext uri="{909E8E84-426E-40DD-AFC4-6F175D3DCCD1}">
+              <a14:hiddenFill xmlns:a14="http://schemas.microsoft.com/office/drawing/2010/main">
+                <a:solidFill>
+                  <a:schemeClr val="accent1"/>
+                </a:solidFill>
+              </a14:hiddenFill>
+            </a:ext>
+            <a:ext uri="{91240B29-F687-4F45-9708-019B960494DF}">
+              <a14:hiddenLine xmlns:a14="http://schemas.microsoft.com/office/drawing/2010/main" w="9525">
+                <a:solidFill>
+                  <a:schemeClr val="tx1"/>
+                </a:solidFill>
+                <a:miter lim="800000"/>
+                <a:headEnd/>
+                <a:tailEnd/>
+              </a14:hiddenLine>
+            </a:ext>
+            <a:ext uri="{AF507438-7753-43E0-B8FC-AC1667EBCBE1}">
+              <a14:hiddenEffects xmlns:a14="http://schemas.microsoft.com/office/drawing/2010/main">
+                <a:effectLst>
+                  <a:outerShdw dist="35921" dir="2700000" algn="ctr" rotWithShape="0">
+                    <a:schemeClr val="bg2"/>
+                  </a:outerShdw>
+                </a:effectLst>
+              </a14:hiddenEffects>
+            </a:ext>
+          </a:extLst>
+        </p:spPr>
+      </p:pic>
+    </p:spTree>
+    <p:extLst>
+      <p:ext uri="{BB962C8B-B14F-4D97-AF65-F5344CB8AC3E}">
+        <p14:creationId xmlns:p14="http://schemas.microsoft.com/office/powerpoint/2010/main" val="2146861341"/>
+      </p:ext>
+    </p:extLst>
+  </p:cSld>
+  <p:clrMapOvr>
+    <a:masterClrMapping/>
+  </p:clrMapOvr>
+  <p:timing>
+    <p:tnLst>
+      <p:par>
+        <p:cTn id="1" dur="indefinite" restart="never" nodeType="tmRoot"/>
+      </p:par>
+    </p:tnLst>
+  </p:timing>
+</p:sld>
+</file>
+
+<file path=ppt/slides/slide18.xml><?xml version="1.0" encoding="utf-8"?>
+<p:sld xmlns:a="http://schemas.openxmlformats.org/drawingml/2006/main" xmlns:r="http://schemas.openxmlformats.org/officeDocument/2006/relationships" xmlns:p="http://schemas.openxmlformats.org/presentationml/2006/main">
+  <p:cSld>
+    <p:spTree>
+      <p:nvGrpSpPr>
+        <p:cNvPr id="1" name=""/>
+        <p:cNvGrpSpPr/>
+        <p:nvPr/>
+      </p:nvGrpSpPr>
+      <p:grpSpPr>
+        <a:xfrm>
+          <a:off x="0" y="0"/>
+          <a:ext cx="0" cy="0"/>
+          <a:chOff x="0" y="0"/>
+          <a:chExt cx="0" cy="0"/>
+        </a:xfrm>
+      </p:grpSpPr>
+      <p:sp>
+        <p:nvSpPr>
+          <p:cNvPr id="2" name="Title 1"/>
+          <p:cNvSpPr>
+            <a:spLocks noGrp="1"/>
+          </p:cNvSpPr>
+          <p:nvPr>
+            <p:ph type="title"/>
+          </p:nvPr>
+        </p:nvSpPr>
+        <p:spPr/>
+        <p:txBody>
+          <a:bodyPr>
+            <a:normAutofit/>
+          </a:bodyPr>
+          <a:lstStyle/>
+          <a:p>
+            <a:r>
+              <a:rPr lang="en-IN" dirty="0"/>
+              <a:t>OOPs in JavaScript</a:t>
+            </a:r>
+            <a:endParaRPr lang="en-US" dirty="0"/>
+          </a:p>
+        </p:txBody>
+      </p:sp>
+      <p:sp>
+        <p:nvSpPr>
+          <p:cNvPr id="3" name="Content Placeholder 2"/>
+          <p:cNvSpPr>
+            <a:spLocks noGrp="1"/>
+          </p:cNvSpPr>
+          <p:nvPr>
+            <p:ph sz="quarter" idx="1"/>
+          </p:nvPr>
+        </p:nvSpPr>
+        <p:spPr/>
+        <p:txBody>
+          <a:bodyPr>
+            <a:normAutofit/>
+          </a:bodyPr>
+          <a:lstStyle/>
+          <a:p>
+            <a:pPr marL="0" indent="0">
+              <a:buNone/>
+            </a:pPr>
+            <a:endParaRPr lang="en-US" dirty="0"/>
+          </a:p>
+        </p:txBody>
+      </p:sp>
+    </p:spTree>
+    <p:extLst>
+      <p:ext uri="{BB962C8B-B14F-4D97-AF65-F5344CB8AC3E}">
+        <p14:creationId xmlns:p14="http://schemas.microsoft.com/office/powerpoint/2010/main" val="2073819341"/>
+      </p:ext>
+    </p:extLst>
+  </p:cSld>
+  <p:clrMapOvr>
+    <a:masterClrMapping/>
+  </p:clrMapOvr>
+  <p:timing>
+    <p:tnLst>
+      <p:par>
+        <p:cTn id="1" dur="indefinite" restart="never" nodeType="tmRoot"/>
+      </p:par>
+    </p:tnLst>
+  </p:timing>
+</p:sld>
+</file>
+
+<file path=ppt/slides/slide19.xml><?xml version="1.0" encoding="utf-8"?>
+<p:sld xmlns:a="http://schemas.openxmlformats.org/drawingml/2006/main" xmlns:r="http://schemas.openxmlformats.org/officeDocument/2006/relationships" xmlns:p="http://schemas.openxmlformats.org/presentationml/2006/main">
+  <p:cSld>
+    <p:spTree>
+      <p:nvGrpSpPr>
+        <p:cNvPr id="1" name=""/>
+        <p:cNvGrpSpPr/>
+        <p:nvPr/>
+      </p:nvGrpSpPr>
+      <p:grpSpPr>
+        <a:xfrm>
+          <a:off x="0" y="0"/>
+          <a:ext cx="0" cy="0"/>
+          <a:chOff x="0" y="0"/>
+          <a:chExt cx="0" cy="0"/>
+        </a:xfrm>
+      </p:grpSpPr>
+      <p:sp>
+        <p:nvSpPr>
+          <p:cNvPr id="2" name="Title 1"/>
+          <p:cNvSpPr>
+            <a:spLocks noGrp="1"/>
+          </p:cNvSpPr>
+          <p:nvPr>
+            <p:ph type="title"/>
+          </p:nvPr>
+        </p:nvSpPr>
+        <p:spPr/>
+        <p:txBody>
+          <a:bodyPr>
+            <a:normAutofit/>
+          </a:bodyPr>
+          <a:lstStyle/>
+          <a:p>
+            <a:r>
+              <a:rPr lang="en-IN" dirty="0"/>
+              <a:t>OOPs in JavaScript</a:t>
+            </a:r>
+            <a:endParaRPr lang="en-US" dirty="0"/>
+          </a:p>
+        </p:txBody>
+      </p:sp>
+      <p:sp>
+        <p:nvSpPr>
+          <p:cNvPr id="3" name="Content Placeholder 2"/>
+          <p:cNvSpPr>
+            <a:spLocks noGrp="1"/>
+          </p:cNvSpPr>
+          <p:nvPr>
+            <p:ph sz="quarter" idx="1"/>
+          </p:nvPr>
+        </p:nvSpPr>
+        <p:spPr/>
+        <p:txBody>
+          <a:bodyPr>
+            <a:normAutofit/>
+          </a:bodyPr>
+          <a:lstStyle/>
+          <a:p>
+            <a:pPr marL="0" indent="0">
+              <a:buNone/>
+            </a:pPr>
+            <a:endParaRPr lang="en-US" dirty="0"/>
+          </a:p>
+        </p:txBody>
+      </p:sp>
+    </p:spTree>
+    <p:extLst>
+      <p:ext uri="{BB962C8B-B14F-4D97-AF65-F5344CB8AC3E}">
+        <p14:creationId xmlns:p14="http://schemas.microsoft.com/office/powerpoint/2010/main" val="3705041710"/>
       </p:ext>
     </p:extLst>
   </p:cSld>
@@ -5230,11 +6033,7 @@
             </a:pPr>
             <a:r>
               <a:rPr lang="en-US" b="1" dirty="0" smtClean="0"/>
-              <a:t>Event </a:t>
-            </a:r>
-            <a:r>
-              <a:rPr lang="en-US" b="1" dirty="0" smtClean="0"/>
-              <a:t>bubbling</a:t>
+              <a:t>Event bubbling</a:t>
             </a:r>
           </a:p>
           <a:p>
@@ -5244,11 +6043,7 @@
             </a:pPr>
             <a:r>
               <a:rPr lang="en-US" dirty="0" smtClean="0"/>
-              <a:t>In bubbling the event is first captured and handled by the inner most element and then propagated to outer elements</a:t>
-            </a:r>
-            <a:r>
-              <a:rPr lang="en-US" dirty="0" smtClean="0"/>
-              <a:t>.</a:t>
+              <a:t>In bubbling the event is first captured and handled by the inner most element and then propagated to outer elements.</a:t>
             </a:r>
           </a:p>
           <a:p>
@@ -5258,11 +6053,7 @@
             </a:pPr>
             <a:r>
               <a:rPr lang="en-US" b="1" dirty="0" smtClean="0"/>
-              <a:t>Event </a:t>
-            </a:r>
-            <a:r>
-              <a:rPr lang="en-US" b="1" dirty="0" smtClean="0"/>
-              <a:t>Capturing</a:t>
+              <a:t>Event Capturing</a:t>
             </a:r>
           </a:p>
           <a:p>
@@ -5489,7 +6280,6 @@
               <a:rPr lang="en-US" dirty="0"/>
               <a:t>Event Bubbling and Capturing</a:t>
             </a:r>
-            <a:endParaRPr lang="en-US" dirty="0"/>
           </a:p>
         </p:txBody>
       </p:sp>
@@ -5593,11 +6383,11 @@
   <p:clrMapOvr>
     <a:masterClrMapping/>
   </p:clrMapOvr>
-  <mc:AlternateContent xmlns:mc="http://schemas.openxmlformats.org/markup-compatibility/2006">
-    <mc:Choice xmlns:p14="http://schemas.microsoft.com/office/powerpoint/2010/main" Requires="p14">
+  <mc:AlternateContent xmlns:mc="http://schemas.openxmlformats.org/markup-compatibility/2006" xmlns:p14="http://schemas.microsoft.com/office/powerpoint/2010/main">
+    <mc:Choice Requires="p14">
       <p:transition p14:dur="0"/>
     </mc:Choice>
-    <mc:Fallback>
+    <mc:Fallback xmlns="">
       <p:transition/>
     </mc:Fallback>
   </mc:AlternateContent>
@@ -5676,11 +6466,7 @@
           <a:p>
             <a:r>
               <a:rPr lang="en-US" dirty="0" smtClean="0"/>
-              <a:t>Only </a:t>
-            </a:r>
-            <a:r>
-              <a:rPr lang="en-US" dirty="0" smtClean="0"/>
-              <a:t>event bubbling model is supported by all the major browsers. </a:t>
+              <a:t>Only event bubbling model is supported by all the major browsers. </a:t>
             </a:r>
           </a:p>
           <a:p>

--- a/Advanced Javascript.pptx
+++ b/Advanced Javascript.pptx
@@ -5,7 +5,7 @@
     <p:sldMasterId id="2147483792" r:id="rId1"/>
   </p:sldMasterIdLst>
   <p:notesMasterIdLst>
-    <p:notesMasterId r:id="rId21"/>
+    <p:notesMasterId r:id="rId34"/>
   </p:notesMasterIdLst>
   <p:sldIdLst>
     <p:sldId id="256" r:id="rId2"/>
@@ -26,7 +26,20 @@
     <p:sldId id="273" r:id="rId17"/>
     <p:sldId id="274" r:id="rId18"/>
     <p:sldId id="275" r:id="rId19"/>
-    <p:sldId id="276" r:id="rId20"/>
+    <p:sldId id="282" r:id="rId20"/>
+    <p:sldId id="284" r:id="rId21"/>
+    <p:sldId id="283" r:id="rId22"/>
+    <p:sldId id="285" r:id="rId23"/>
+    <p:sldId id="280" r:id="rId24"/>
+    <p:sldId id="279" r:id="rId25"/>
+    <p:sldId id="278" r:id="rId26"/>
+    <p:sldId id="286" r:id="rId27"/>
+    <p:sldId id="277" r:id="rId28"/>
+    <p:sldId id="287" r:id="rId29"/>
+    <p:sldId id="288" r:id="rId30"/>
+    <p:sldId id="289" r:id="rId31"/>
+    <p:sldId id="290" r:id="rId32"/>
+    <p:sldId id="291" r:id="rId33"/>
   </p:sldIdLst>
   <p:sldSz cx="9144000" cy="6858000" type="screen4x3"/>
   <p:notesSz cx="6858000" cy="9144000"/>
@@ -210,7 +223,7 @@
           <a:p>
             <a:fld id="{26151B0D-99E5-4A1B-9DBD-0880C37D7AC7}" type="datetimeFigureOut">
               <a:rPr lang="en-US" smtClean="0"/>
-              <a:t>2/7/2014</a:t>
+              <a:t>2/10/2014</a:t>
             </a:fld>
             <a:endParaRPr lang="en-US"/>
           </a:p>
@@ -853,7 +866,7 @@
             <a:fld id="{30EFA729-0062-401D-B7BF-B91E3DD8EF4A}" type="datetimeFigureOut">
               <a:rPr lang="en-US" smtClean="0"/>
               <a:pPr/>
-              <a:t>2/7/2014</a:t>
+              <a:t>2/10/2014</a:t>
             </a:fld>
             <a:endParaRPr lang="en-US"/>
           </a:p>
@@ -1046,7 +1059,7 @@
             <a:fld id="{30EFA729-0062-401D-B7BF-B91E3DD8EF4A}" type="datetimeFigureOut">
               <a:rPr lang="en-US" smtClean="0"/>
               <a:pPr/>
-              <a:t>2/7/2014</a:t>
+              <a:t>2/10/2014</a:t>
             </a:fld>
             <a:endParaRPr lang="en-US"/>
           </a:p>
@@ -1233,7 +1246,7 @@
             <a:fld id="{30EFA729-0062-401D-B7BF-B91E3DD8EF4A}" type="datetimeFigureOut">
               <a:rPr lang="en-US" smtClean="0"/>
               <a:pPr/>
-              <a:t>2/7/2014</a:t>
+              <a:t>2/10/2014</a:t>
             </a:fld>
             <a:endParaRPr lang="en-US"/>
           </a:p>
@@ -1498,7 +1511,7 @@
             <a:fld id="{30EFA729-0062-401D-B7BF-B91E3DD8EF4A}" type="datetimeFigureOut">
               <a:rPr lang="en-US" smtClean="0"/>
               <a:pPr/>
-              <a:t>2/7/2014</a:t>
+              <a:t>2/10/2014</a:t>
             </a:fld>
             <a:endParaRPr lang="en-US"/>
           </a:p>
@@ -1923,7 +1936,7 @@
             <a:fld id="{30EFA729-0062-401D-B7BF-B91E3DD8EF4A}" type="datetimeFigureOut">
               <a:rPr lang="en-US" smtClean="0"/>
               <a:pPr/>
-              <a:t>2/7/2014</a:t>
+              <a:t>2/10/2014</a:t>
             </a:fld>
             <a:endParaRPr lang="en-US"/>
           </a:p>
@@ -2167,7 +2180,7 @@
             <a:fld id="{30EFA729-0062-401D-B7BF-B91E3DD8EF4A}" type="datetimeFigureOut">
               <a:rPr lang="en-US" smtClean="0"/>
               <a:pPr/>
-              <a:t>2/7/2014</a:t>
+              <a:t>2/10/2014</a:t>
             </a:fld>
             <a:endParaRPr lang="en-US"/>
           </a:p>
@@ -2405,7 +2418,7 @@
             <a:fld id="{30EFA729-0062-401D-B7BF-B91E3DD8EF4A}" type="datetimeFigureOut">
               <a:rPr lang="en-US" smtClean="0"/>
               <a:pPr/>
-              <a:t>2/7/2014</a:t>
+              <a:t>2/10/2014</a:t>
             </a:fld>
             <a:endParaRPr lang="en-US"/>
           </a:p>
@@ -2602,7 +2615,7 @@
             <a:fld id="{30EFA729-0062-401D-B7BF-B91E3DD8EF4A}" type="datetimeFigureOut">
               <a:rPr lang="en-US" smtClean="0"/>
               <a:pPr/>
-              <a:t>2/7/2014</a:t>
+              <a:t>2/10/2014</a:t>
             </a:fld>
             <a:endParaRPr lang="en-US"/>
           </a:p>
@@ -2702,7 +2715,7 @@
             <a:fld id="{30EFA729-0062-401D-B7BF-B91E3DD8EF4A}" type="datetimeFigureOut">
               <a:rPr lang="en-US" smtClean="0"/>
               <a:pPr/>
-              <a:t>2/7/2014</a:t>
+              <a:t>2/10/2014</a:t>
             </a:fld>
             <a:endParaRPr lang="en-US"/>
           </a:p>
@@ -2840,7 +2853,7 @@
             <a:fld id="{30EFA729-0062-401D-B7BF-B91E3DD8EF4A}" type="datetimeFigureOut">
               <a:rPr lang="en-US" smtClean="0"/>
               <a:pPr/>
-              <a:t>2/7/2014</a:t>
+              <a:t>2/10/2014</a:t>
             </a:fld>
             <a:endParaRPr lang="en-US"/>
           </a:p>
@@ -3360,7 +3373,7 @@
             <a:fld id="{30EFA729-0062-401D-B7BF-B91E3DD8EF4A}" type="datetimeFigureOut">
               <a:rPr lang="en-US" smtClean="0"/>
               <a:pPr/>
-              <a:t>2/7/2014</a:t>
+              <a:t>2/10/2014</a:t>
             </a:fld>
             <a:endParaRPr lang="en-US"/>
           </a:p>
@@ -3623,7 +3636,7 @@
             <a:fld id="{30EFA729-0062-401D-B7BF-B91E3DD8EF4A}" type="datetimeFigureOut">
               <a:rPr lang="en-US" smtClean="0"/>
               <a:pPr/>
-              <a:t>2/7/2014</a:t>
+              <a:t>2/10/2014</a:t>
             </a:fld>
             <a:endParaRPr lang="en-US"/>
           </a:p>
@@ -5643,10 +5656,120 @@
             <a:pPr marL="0" indent="0">
               <a:buNone/>
             </a:pPr>
+            <a:r>
+              <a:rPr lang="en-US" b="1" dirty="0"/>
+              <a:t>Object:</a:t>
+            </a:r>
+          </a:p>
+          <a:p>
+            <a:pPr marL="0" indent="0">
+              <a:buNone/>
+            </a:pPr>
+            <a:r>
+              <a:rPr lang="en-US" dirty="0"/>
+              <a:t>An object is just a special kind of </a:t>
+            </a:r>
+            <a:r>
+              <a:rPr lang="en-US" dirty="0" smtClean="0"/>
+              <a:t>data, with</a:t>
+            </a:r>
+            <a:r>
+              <a:rPr lang="en-US" dirty="0"/>
+              <a:t> </a:t>
+            </a:r>
+            <a:r>
+              <a:rPr lang="en-US" b="1" dirty="0"/>
+              <a:t>properties</a:t>
+            </a:r>
+            <a:r>
+              <a:rPr lang="en-US" dirty="0"/>
+              <a:t> and </a:t>
+            </a:r>
+            <a:r>
+              <a:rPr lang="en-US" b="1" dirty="0" smtClean="0"/>
+              <a:t>methods</a:t>
+            </a:r>
+            <a:r>
+              <a:rPr lang="en-US" dirty="0" smtClean="0"/>
+              <a:t>.</a:t>
+            </a:r>
+          </a:p>
+          <a:p>
+            <a:pPr marL="0" indent="0">
+              <a:buNone/>
+            </a:pPr>
+            <a:r>
+              <a:rPr lang="en-US" dirty="0" smtClean="0"/>
+              <a:t>Ex1:</a:t>
+            </a:r>
             <a:endParaRPr lang="en-US" dirty="0"/>
           </a:p>
         </p:txBody>
       </p:sp>
+      <p:pic>
+        <p:nvPicPr>
+          <p:cNvPr id="5122" name="Picture 2"/>
+          <p:cNvPicPr>
+            <a:picLocks noChangeAspect="1" noChangeArrowheads="1"/>
+          </p:cNvPicPr>
+          <p:nvPr/>
+        </p:nvPicPr>
+        <p:blipFill>
+          <a:blip r:embed="rId2">
+            <a:extLst>
+              <a:ext uri="{28A0092B-C50C-407E-A947-70E740481C1C}">
+                <a14:useLocalDpi xmlns:a14="http://schemas.microsoft.com/office/drawing/2010/main" val="0"/>
+              </a:ext>
+            </a:extLst>
+          </a:blip>
+          <a:srcRect/>
+          <a:stretch>
+            <a:fillRect/>
+          </a:stretch>
+        </p:blipFill>
+        <p:spPr bwMode="auto">
+          <a:xfrm>
+            <a:off x="1143000" y="3581400"/>
+            <a:ext cx="3752850" cy="1990725"/>
+          </a:xfrm>
+          <a:prstGeom prst="rect">
+            <a:avLst/>
+          </a:prstGeom>
+          <a:noFill/>
+          <a:ln>
+            <a:noFill/>
+          </a:ln>
+          <a:effectLst/>
+          <a:extLst>
+            <a:ext uri="{909E8E84-426E-40DD-AFC4-6F175D3DCCD1}">
+              <a14:hiddenFill xmlns:a14="http://schemas.microsoft.com/office/drawing/2010/main">
+                <a:solidFill>
+                  <a:schemeClr val="accent1"/>
+                </a:solidFill>
+              </a14:hiddenFill>
+            </a:ext>
+            <a:ext uri="{91240B29-F687-4F45-9708-019B960494DF}">
+              <a14:hiddenLine xmlns:a14="http://schemas.microsoft.com/office/drawing/2010/main" w="9525">
+                <a:solidFill>
+                  <a:schemeClr val="tx1"/>
+                </a:solidFill>
+                <a:miter lim="800000"/>
+                <a:headEnd/>
+                <a:tailEnd/>
+              </a14:hiddenLine>
+            </a:ext>
+            <a:ext uri="{AF507438-7753-43E0-B8FC-AC1667EBCBE1}">
+              <a14:hiddenEffects xmlns:a14="http://schemas.microsoft.com/office/drawing/2010/main">
+                <a:effectLst>
+                  <a:outerShdw dist="35921" dir="2700000" algn="ctr" rotWithShape="0">
+                    <a:schemeClr val="bg2"/>
+                  </a:outerShdw>
+                </a:effectLst>
+              </a14:hiddenEffects>
+            </a:ext>
+          </a:extLst>
+        </p:spPr>
+      </p:pic>
     </p:spTree>
     <p:extLst>
       <p:ext uri="{BB962C8B-B14F-4D97-AF65-F5344CB8AC3E}">
@@ -5729,14 +5852,129 @@
             <a:pPr marL="0" indent="0">
               <a:buNone/>
             </a:pPr>
+            <a:r>
+              <a:rPr lang="en-US" b="1" dirty="0"/>
+              <a:t>Property:</a:t>
+            </a:r>
+          </a:p>
+          <a:p>
+            <a:r>
+              <a:rPr lang="en-US" dirty="0"/>
+              <a:t>Properties are variables contained in the </a:t>
+            </a:r>
+            <a:r>
+              <a:rPr lang="en-US" dirty="0" smtClean="0"/>
+              <a:t>class and every </a:t>
+            </a:r>
+            <a:r>
+              <a:rPr lang="en-US" dirty="0"/>
+              <a:t>instance of the object has those properties. </a:t>
+            </a:r>
+            <a:endParaRPr lang="en-US" dirty="0" smtClean="0"/>
+          </a:p>
+          <a:p>
+            <a:pPr marL="0" indent="0">
+              <a:buNone/>
+            </a:pPr>
+            <a:endParaRPr lang="en-US" dirty="0" smtClean="0"/>
+          </a:p>
+          <a:p>
+            <a:pPr marL="0" indent="0">
+              <a:buNone/>
+            </a:pPr>
+            <a:r>
+              <a:rPr lang="en-US" dirty="0" smtClean="0"/>
+              <a:t>Ex:</a:t>
+            </a:r>
+          </a:p>
+          <a:p>
+            <a:pPr marL="0" indent="0">
+              <a:buNone/>
+            </a:pPr>
+            <a:endParaRPr lang="en-US" dirty="0" smtClean="0"/>
+          </a:p>
+          <a:p>
+            <a:pPr marL="0" indent="0">
+              <a:buNone/>
+            </a:pPr>
+            <a:endParaRPr lang="en-US" dirty="0" smtClean="0"/>
+          </a:p>
+          <a:p>
+            <a:pPr marL="0" indent="0">
+              <a:buNone/>
+            </a:pPr>
             <a:endParaRPr lang="en-US" dirty="0"/>
           </a:p>
         </p:txBody>
       </p:sp>
+      <p:pic>
+        <p:nvPicPr>
+          <p:cNvPr id="6148" name="Picture 4"/>
+          <p:cNvPicPr>
+            <a:picLocks noChangeAspect="1" noChangeArrowheads="1"/>
+          </p:cNvPicPr>
+          <p:nvPr/>
+        </p:nvPicPr>
+        <p:blipFill>
+          <a:blip r:embed="rId2">
+            <a:extLst>
+              <a:ext uri="{28A0092B-C50C-407E-A947-70E740481C1C}">
+                <a14:useLocalDpi xmlns:a14="http://schemas.microsoft.com/office/drawing/2010/main" val="0"/>
+              </a:ext>
+            </a:extLst>
+          </a:blip>
+          <a:srcRect/>
+          <a:stretch>
+            <a:fillRect/>
+          </a:stretch>
+        </p:blipFill>
+        <p:spPr bwMode="auto">
+          <a:xfrm>
+            <a:off x="1295400" y="3886200"/>
+            <a:ext cx="4495800" cy="1857375"/>
+          </a:xfrm>
+          <a:prstGeom prst="rect">
+            <a:avLst/>
+          </a:prstGeom>
+          <a:noFill/>
+          <a:ln>
+            <a:noFill/>
+          </a:ln>
+          <a:effectLst/>
+          <a:extLst>
+            <a:ext uri="{909E8E84-426E-40DD-AFC4-6F175D3DCCD1}">
+              <a14:hiddenFill xmlns:a14="http://schemas.microsoft.com/office/drawing/2010/main">
+                <a:solidFill>
+                  <a:schemeClr val="accent1"/>
+                </a:solidFill>
+              </a14:hiddenFill>
+            </a:ext>
+            <a:ext uri="{91240B29-F687-4F45-9708-019B960494DF}">
+              <a14:hiddenLine xmlns:a14="http://schemas.microsoft.com/office/drawing/2010/main" w="9525">
+                <a:solidFill>
+                  <a:schemeClr val="tx1"/>
+                </a:solidFill>
+                <a:miter lim="800000"/>
+                <a:headEnd/>
+                <a:tailEnd/>
+              </a14:hiddenLine>
+            </a:ext>
+            <a:ext uri="{AF507438-7753-43E0-B8FC-AC1667EBCBE1}">
+              <a14:hiddenEffects xmlns:a14="http://schemas.microsoft.com/office/drawing/2010/main">
+                <a:effectLst>
+                  <a:outerShdw dist="35921" dir="2700000" algn="ctr" rotWithShape="0">
+                    <a:schemeClr val="bg2"/>
+                  </a:outerShdw>
+                </a:effectLst>
+              </a14:hiddenEffects>
+            </a:ext>
+          </a:extLst>
+        </p:spPr>
+      </p:pic>
     </p:spTree>
     <p:extLst>
       <p:ext uri="{BB962C8B-B14F-4D97-AF65-F5344CB8AC3E}">
-        <p14:creationId xmlns:p14="http://schemas.microsoft.com/office/powerpoint/2010/main" val="3705041710"/>
+        <p14:creationId xmlns:p14="http://schemas.microsoft.com/office/powerpoint/2010/main" val="2156813022"/>
       </p:ext>
     </p:extLst>
   </p:cSld>
@@ -5806,7 +6044,7 @@
         <p:spPr/>
         <p:txBody>
           <a:bodyPr>
-            <a:normAutofit fontScale="70000" lnSpcReduction="20000"/>
+            <a:normAutofit fontScale="85000" lnSpcReduction="20000"/>
           </a:bodyPr>
           <a:lstStyle/>
           <a:p>
@@ -5863,24 +6101,12 @@
           <a:p>
             <a:pPr lvl="0"/>
             <a:r>
+              <a:rPr lang="en-IN" dirty="0" smtClean="0"/>
+              <a:t>Module </a:t>
+            </a:r>
+            <a:r>
               <a:rPr lang="en-IN" dirty="0"/>
-              <a:t>Prototype Inheritance</a:t>
-            </a:r>
-            <a:endParaRPr lang="en-US" dirty="0"/>
-          </a:p>
-          <a:p>
-            <a:pPr lvl="0"/>
-            <a:r>
-              <a:rPr lang="en-IN" dirty="0"/>
-              <a:t>Class in JavaScript</a:t>
-            </a:r>
-            <a:endParaRPr lang="en-US" dirty="0"/>
-          </a:p>
-          <a:p>
-            <a:pPr lvl="0"/>
-            <a:r>
-              <a:rPr lang="en-IN" dirty="0"/>
-              <a:t>Module Pattern</a:t>
+              <a:t>Pattern</a:t>
             </a:r>
             <a:endParaRPr lang="en-US" dirty="0"/>
           </a:p>
@@ -5925,6 +6151,1342 @@
     <p:extLst>
       <p:ext uri="{BB962C8B-B14F-4D97-AF65-F5344CB8AC3E}">
         <p14:creationId xmlns:p14="http://schemas.microsoft.com/office/powerpoint/2010/main" val="2270295392"/>
+      </p:ext>
+    </p:extLst>
+  </p:cSld>
+  <p:clrMapOvr>
+    <a:masterClrMapping/>
+  </p:clrMapOvr>
+  <p:timing>
+    <p:tnLst>
+      <p:par>
+        <p:cTn id="1" dur="indefinite" restart="never" nodeType="tmRoot"/>
+      </p:par>
+    </p:tnLst>
+  </p:timing>
+</p:sld>
+</file>
+
+<file path=ppt/slides/slide20.xml><?xml version="1.0" encoding="utf-8"?>
+<p:sld xmlns:a="http://schemas.openxmlformats.org/drawingml/2006/main" xmlns:r="http://schemas.openxmlformats.org/officeDocument/2006/relationships" xmlns:p="http://schemas.openxmlformats.org/presentationml/2006/main">
+  <p:cSld>
+    <p:spTree>
+      <p:nvGrpSpPr>
+        <p:cNvPr id="1" name=""/>
+        <p:cNvGrpSpPr/>
+        <p:nvPr/>
+      </p:nvGrpSpPr>
+      <p:grpSpPr>
+        <a:xfrm>
+          <a:off x="0" y="0"/>
+          <a:ext cx="0" cy="0"/>
+          <a:chOff x="0" y="0"/>
+          <a:chExt cx="0" cy="0"/>
+        </a:xfrm>
+      </p:grpSpPr>
+      <p:sp>
+        <p:nvSpPr>
+          <p:cNvPr id="2" name="Title 1"/>
+          <p:cNvSpPr>
+            <a:spLocks noGrp="1"/>
+          </p:cNvSpPr>
+          <p:nvPr>
+            <p:ph type="title"/>
+          </p:nvPr>
+        </p:nvSpPr>
+        <p:spPr/>
+        <p:txBody>
+          <a:bodyPr>
+            <a:normAutofit/>
+          </a:bodyPr>
+          <a:lstStyle/>
+          <a:p>
+            <a:r>
+              <a:rPr lang="en-IN" dirty="0"/>
+              <a:t>OOPs in JavaScript</a:t>
+            </a:r>
+            <a:endParaRPr lang="en-US" dirty="0"/>
+          </a:p>
+        </p:txBody>
+      </p:sp>
+      <p:sp>
+        <p:nvSpPr>
+          <p:cNvPr id="3" name="Content Placeholder 2"/>
+          <p:cNvSpPr>
+            <a:spLocks noGrp="1"/>
+          </p:cNvSpPr>
+          <p:nvPr>
+            <p:ph sz="quarter" idx="1"/>
+          </p:nvPr>
+        </p:nvSpPr>
+        <p:spPr/>
+        <p:txBody>
+          <a:bodyPr>
+            <a:normAutofit/>
+          </a:bodyPr>
+          <a:lstStyle/>
+          <a:p>
+            <a:pPr marL="0" indent="0">
+              <a:buNone/>
+            </a:pPr>
+            <a:r>
+              <a:rPr lang="en-US" b="1" dirty="0" smtClean="0"/>
+              <a:t>Methods:</a:t>
+            </a:r>
+          </a:p>
+          <a:p>
+            <a:r>
+              <a:rPr lang="en-US" dirty="0" smtClean="0"/>
+              <a:t>Methods </a:t>
+            </a:r>
+            <a:r>
+              <a:rPr lang="en-US" dirty="0"/>
+              <a:t>follow the same logic as properties the difference is that they are functions and they are defined as functions. </a:t>
+            </a:r>
+            <a:endParaRPr lang="en-US" dirty="0" smtClean="0"/>
+          </a:p>
+          <a:p>
+            <a:r>
+              <a:rPr lang="en-US" dirty="0"/>
+              <a:t>Calling a method is similar to accessing a property, but you add () at the end of the method name, possibly with arguments.</a:t>
+            </a:r>
+          </a:p>
+          <a:p>
+            <a:endParaRPr lang="en-US" dirty="0"/>
+          </a:p>
+          <a:p>
+            <a:pPr marL="0" indent="0">
+              <a:buNone/>
+            </a:pPr>
+            <a:endParaRPr lang="en-US" dirty="0" smtClean="0"/>
+          </a:p>
+          <a:p>
+            <a:pPr marL="0" indent="0">
+              <a:buNone/>
+            </a:pPr>
+            <a:endParaRPr lang="en-US" dirty="0" smtClean="0"/>
+          </a:p>
+          <a:p>
+            <a:pPr marL="0" indent="0">
+              <a:buNone/>
+            </a:pPr>
+            <a:endParaRPr lang="en-US" dirty="0"/>
+          </a:p>
+        </p:txBody>
+      </p:sp>
+    </p:spTree>
+    <p:extLst>
+      <p:ext uri="{BB962C8B-B14F-4D97-AF65-F5344CB8AC3E}">
+        <p14:creationId xmlns:p14="http://schemas.microsoft.com/office/powerpoint/2010/main" val="3542530487"/>
+      </p:ext>
+    </p:extLst>
+  </p:cSld>
+  <p:clrMapOvr>
+    <a:masterClrMapping/>
+  </p:clrMapOvr>
+  <p:timing>
+    <p:tnLst>
+      <p:par>
+        <p:cTn id="1" dur="indefinite" restart="never" nodeType="tmRoot"/>
+      </p:par>
+    </p:tnLst>
+  </p:timing>
+</p:sld>
+</file>
+
+<file path=ppt/slides/slide21.xml><?xml version="1.0" encoding="utf-8"?>
+<p:sld xmlns:a="http://schemas.openxmlformats.org/drawingml/2006/main" xmlns:r="http://schemas.openxmlformats.org/officeDocument/2006/relationships" xmlns:p="http://schemas.openxmlformats.org/presentationml/2006/main">
+  <p:cSld>
+    <p:spTree>
+      <p:nvGrpSpPr>
+        <p:cNvPr id="1" name=""/>
+        <p:cNvGrpSpPr/>
+        <p:nvPr/>
+      </p:nvGrpSpPr>
+      <p:grpSpPr>
+        <a:xfrm>
+          <a:off x="0" y="0"/>
+          <a:ext cx="0" cy="0"/>
+          <a:chOff x="0" y="0"/>
+          <a:chExt cx="0" cy="0"/>
+        </a:xfrm>
+      </p:grpSpPr>
+      <p:sp>
+        <p:nvSpPr>
+          <p:cNvPr id="2" name="Title 1"/>
+          <p:cNvSpPr>
+            <a:spLocks noGrp="1"/>
+          </p:cNvSpPr>
+          <p:nvPr>
+            <p:ph type="title"/>
+          </p:nvPr>
+        </p:nvSpPr>
+        <p:spPr/>
+        <p:txBody>
+          <a:bodyPr>
+            <a:normAutofit/>
+          </a:bodyPr>
+          <a:lstStyle/>
+          <a:p>
+            <a:r>
+              <a:rPr lang="en-IN" dirty="0"/>
+              <a:t>OOPs in JavaScript</a:t>
+            </a:r>
+            <a:endParaRPr lang="en-US" dirty="0"/>
+          </a:p>
+        </p:txBody>
+      </p:sp>
+      <p:sp>
+        <p:nvSpPr>
+          <p:cNvPr id="3" name="Content Placeholder 2"/>
+          <p:cNvSpPr>
+            <a:spLocks noGrp="1"/>
+          </p:cNvSpPr>
+          <p:nvPr>
+            <p:ph sz="quarter" idx="1"/>
+          </p:nvPr>
+        </p:nvSpPr>
+        <p:spPr/>
+        <p:txBody>
+          <a:bodyPr>
+            <a:normAutofit/>
+          </a:bodyPr>
+          <a:lstStyle/>
+          <a:p>
+            <a:pPr marL="0" indent="0">
+              <a:buNone/>
+            </a:pPr>
+            <a:r>
+              <a:rPr lang="en-US" dirty="0" smtClean="0"/>
+              <a:t>Ex:</a:t>
+            </a:r>
+          </a:p>
+          <a:p>
+            <a:pPr marL="0" indent="0">
+              <a:buNone/>
+            </a:pPr>
+            <a:endParaRPr lang="en-US" dirty="0"/>
+          </a:p>
+        </p:txBody>
+      </p:sp>
+      <p:pic>
+        <p:nvPicPr>
+          <p:cNvPr id="7170" name="Picture 2"/>
+          <p:cNvPicPr>
+            <a:picLocks noChangeAspect="1" noChangeArrowheads="1"/>
+          </p:cNvPicPr>
+          <p:nvPr/>
+        </p:nvPicPr>
+        <p:blipFill>
+          <a:blip r:embed="rId2">
+            <a:extLst>
+              <a:ext uri="{28A0092B-C50C-407E-A947-70E740481C1C}">
+                <a14:useLocalDpi xmlns:a14="http://schemas.microsoft.com/office/drawing/2010/main" val="0"/>
+              </a:ext>
+            </a:extLst>
+          </a:blip>
+          <a:srcRect/>
+          <a:stretch>
+            <a:fillRect/>
+          </a:stretch>
+        </p:blipFill>
+        <p:spPr bwMode="auto">
+          <a:xfrm>
+            <a:off x="1371600" y="2004724"/>
+            <a:ext cx="4448175" cy="2867025"/>
+          </a:xfrm>
+          <a:prstGeom prst="rect">
+            <a:avLst/>
+          </a:prstGeom>
+          <a:noFill/>
+          <a:ln>
+            <a:noFill/>
+          </a:ln>
+          <a:effectLst/>
+          <a:extLst>
+            <a:ext uri="{909E8E84-426E-40DD-AFC4-6F175D3DCCD1}">
+              <a14:hiddenFill xmlns:a14="http://schemas.microsoft.com/office/drawing/2010/main">
+                <a:solidFill>
+                  <a:schemeClr val="accent1"/>
+                </a:solidFill>
+              </a14:hiddenFill>
+            </a:ext>
+            <a:ext uri="{91240B29-F687-4F45-9708-019B960494DF}">
+              <a14:hiddenLine xmlns:a14="http://schemas.microsoft.com/office/drawing/2010/main" w="9525">
+                <a:solidFill>
+                  <a:schemeClr val="tx1"/>
+                </a:solidFill>
+                <a:miter lim="800000"/>
+                <a:headEnd/>
+                <a:tailEnd/>
+              </a14:hiddenLine>
+            </a:ext>
+            <a:ext uri="{AF507438-7753-43E0-B8FC-AC1667EBCBE1}">
+              <a14:hiddenEffects xmlns:a14="http://schemas.microsoft.com/office/drawing/2010/main">
+                <a:effectLst>
+                  <a:outerShdw dist="35921" dir="2700000" algn="ctr" rotWithShape="0">
+                    <a:schemeClr val="bg2"/>
+                  </a:outerShdw>
+                </a:effectLst>
+              </a14:hiddenEffects>
+            </a:ext>
+          </a:extLst>
+        </p:spPr>
+      </p:pic>
+    </p:spTree>
+    <p:extLst>
+      <p:ext uri="{BB962C8B-B14F-4D97-AF65-F5344CB8AC3E}">
+        <p14:creationId xmlns:p14="http://schemas.microsoft.com/office/powerpoint/2010/main" val="3949431119"/>
+      </p:ext>
+    </p:extLst>
+  </p:cSld>
+  <p:clrMapOvr>
+    <a:masterClrMapping/>
+  </p:clrMapOvr>
+  <p:timing>
+    <p:tnLst>
+      <p:par>
+        <p:cTn id="1" dur="indefinite" restart="never" nodeType="tmRoot"/>
+      </p:par>
+    </p:tnLst>
+  </p:timing>
+</p:sld>
+</file>
+
+<file path=ppt/slides/slide22.xml><?xml version="1.0" encoding="utf-8"?>
+<p:sld xmlns:a="http://schemas.openxmlformats.org/drawingml/2006/main" xmlns:r="http://schemas.openxmlformats.org/officeDocument/2006/relationships" xmlns:p="http://schemas.openxmlformats.org/presentationml/2006/main">
+  <p:cSld>
+    <p:spTree>
+      <p:nvGrpSpPr>
+        <p:cNvPr id="1" name=""/>
+        <p:cNvGrpSpPr/>
+        <p:nvPr/>
+      </p:nvGrpSpPr>
+      <p:grpSpPr>
+        <a:xfrm>
+          <a:off x="0" y="0"/>
+          <a:ext cx="0" cy="0"/>
+          <a:chOff x="0" y="0"/>
+          <a:chExt cx="0" cy="0"/>
+        </a:xfrm>
+      </p:grpSpPr>
+      <p:sp>
+        <p:nvSpPr>
+          <p:cNvPr id="2" name="Title 1"/>
+          <p:cNvSpPr>
+            <a:spLocks noGrp="1"/>
+          </p:cNvSpPr>
+          <p:nvPr>
+            <p:ph type="title"/>
+          </p:nvPr>
+        </p:nvSpPr>
+        <p:spPr/>
+        <p:txBody>
+          <a:bodyPr>
+            <a:normAutofit/>
+          </a:bodyPr>
+          <a:lstStyle/>
+          <a:p>
+            <a:r>
+              <a:rPr lang="en-IN" dirty="0"/>
+              <a:t>OOPs in JavaScript</a:t>
+            </a:r>
+            <a:endParaRPr lang="en-US" dirty="0"/>
+          </a:p>
+        </p:txBody>
+      </p:sp>
+      <p:sp>
+        <p:nvSpPr>
+          <p:cNvPr id="3" name="Content Placeholder 2"/>
+          <p:cNvSpPr>
+            <a:spLocks noGrp="1"/>
+          </p:cNvSpPr>
+          <p:nvPr>
+            <p:ph sz="quarter" idx="1"/>
+          </p:nvPr>
+        </p:nvSpPr>
+        <p:spPr/>
+        <p:txBody>
+          <a:bodyPr>
+            <a:normAutofit/>
+          </a:bodyPr>
+          <a:lstStyle/>
+          <a:p>
+            <a:pPr marL="0" indent="0">
+              <a:buNone/>
+            </a:pPr>
+            <a:r>
+              <a:rPr lang="en-US" b="1" dirty="0" smtClean="0"/>
+              <a:t>Constructor:</a:t>
+            </a:r>
+          </a:p>
+          <a:p>
+            <a:r>
+              <a:rPr lang="en-US" dirty="0" smtClean="0"/>
+              <a:t>The constructor is a method of the class. </a:t>
+            </a:r>
+          </a:p>
+          <a:p>
+            <a:r>
+              <a:rPr lang="en-US" dirty="0" smtClean="0"/>
+              <a:t>Constructor method is </a:t>
+            </a:r>
+            <a:r>
+              <a:rPr lang="en-US" dirty="0"/>
+              <a:t>called at the moment of instantiation</a:t>
+            </a:r>
+            <a:r>
+              <a:rPr lang="en-US" dirty="0" smtClean="0"/>
+              <a:t>.</a:t>
+            </a:r>
+          </a:p>
+          <a:p>
+            <a:r>
+              <a:rPr lang="en-US" dirty="0"/>
+              <a:t>In JavaScript, the function serves as the constructor of the </a:t>
+            </a:r>
+            <a:r>
+              <a:rPr lang="en-US" dirty="0" smtClean="0"/>
+              <a:t>object. </a:t>
+            </a:r>
+            <a:r>
+              <a:rPr lang="en-US" dirty="0"/>
+              <a:t>therefore, there is no need to explicitly define a constructor method.</a:t>
+            </a:r>
+          </a:p>
+          <a:p>
+            <a:endParaRPr lang="en-US" dirty="0"/>
+          </a:p>
+          <a:p>
+            <a:pPr marL="0" indent="0">
+              <a:buNone/>
+            </a:pPr>
+            <a:endParaRPr lang="en-US" dirty="0" smtClean="0"/>
+          </a:p>
+          <a:p>
+            <a:pPr marL="0" indent="0">
+              <a:buNone/>
+            </a:pPr>
+            <a:endParaRPr lang="en-US" dirty="0" smtClean="0"/>
+          </a:p>
+          <a:p>
+            <a:pPr marL="0" indent="0">
+              <a:buNone/>
+            </a:pPr>
+            <a:endParaRPr lang="en-US" dirty="0"/>
+          </a:p>
+        </p:txBody>
+      </p:sp>
+    </p:spTree>
+    <p:extLst>
+      <p:ext uri="{BB962C8B-B14F-4D97-AF65-F5344CB8AC3E}">
+        <p14:creationId xmlns:p14="http://schemas.microsoft.com/office/powerpoint/2010/main" val="3968291342"/>
+      </p:ext>
+    </p:extLst>
+  </p:cSld>
+  <p:clrMapOvr>
+    <a:masterClrMapping/>
+  </p:clrMapOvr>
+  <p:timing>
+    <p:tnLst>
+      <p:par>
+        <p:cTn id="1" dur="indefinite" restart="never" nodeType="tmRoot"/>
+      </p:par>
+    </p:tnLst>
+  </p:timing>
+</p:sld>
+</file>
+
+<file path=ppt/slides/slide23.xml><?xml version="1.0" encoding="utf-8"?>
+<p:sld xmlns:a="http://schemas.openxmlformats.org/drawingml/2006/main" xmlns:r="http://schemas.openxmlformats.org/officeDocument/2006/relationships" xmlns:p="http://schemas.openxmlformats.org/presentationml/2006/main">
+  <p:cSld>
+    <p:spTree>
+      <p:nvGrpSpPr>
+        <p:cNvPr id="1" name=""/>
+        <p:cNvGrpSpPr/>
+        <p:nvPr/>
+      </p:nvGrpSpPr>
+      <p:grpSpPr>
+        <a:xfrm>
+          <a:off x="0" y="0"/>
+          <a:ext cx="0" cy="0"/>
+          <a:chOff x="0" y="0"/>
+          <a:chExt cx="0" cy="0"/>
+        </a:xfrm>
+      </p:grpSpPr>
+      <p:sp>
+        <p:nvSpPr>
+          <p:cNvPr id="2" name="Title 1"/>
+          <p:cNvSpPr>
+            <a:spLocks noGrp="1"/>
+          </p:cNvSpPr>
+          <p:nvPr>
+            <p:ph type="title"/>
+          </p:nvPr>
+        </p:nvSpPr>
+        <p:spPr/>
+        <p:txBody>
+          <a:bodyPr>
+            <a:normAutofit/>
+          </a:bodyPr>
+          <a:lstStyle/>
+          <a:p>
+            <a:r>
+              <a:rPr lang="en-IN" dirty="0"/>
+              <a:t>OOPs in JavaScript</a:t>
+            </a:r>
+            <a:endParaRPr lang="en-US" dirty="0"/>
+          </a:p>
+        </p:txBody>
+      </p:sp>
+      <p:sp>
+        <p:nvSpPr>
+          <p:cNvPr id="3" name="Content Placeholder 2"/>
+          <p:cNvSpPr>
+            <a:spLocks noGrp="1"/>
+          </p:cNvSpPr>
+          <p:nvPr>
+            <p:ph sz="quarter" idx="1"/>
+          </p:nvPr>
+        </p:nvSpPr>
+        <p:spPr/>
+        <p:txBody>
+          <a:bodyPr>
+            <a:normAutofit/>
+          </a:bodyPr>
+          <a:lstStyle/>
+          <a:p>
+            <a:pPr marL="0" indent="0">
+              <a:buNone/>
+            </a:pPr>
+            <a:r>
+              <a:rPr lang="en-US" dirty="0" smtClean="0"/>
+              <a:t>Ex:</a:t>
+            </a:r>
+          </a:p>
+          <a:p>
+            <a:pPr marL="0" indent="0">
+              <a:buNone/>
+            </a:pPr>
+            <a:endParaRPr lang="en-US" dirty="0"/>
+          </a:p>
+        </p:txBody>
+      </p:sp>
+      <p:pic>
+        <p:nvPicPr>
+          <p:cNvPr id="8194" name="Picture 2"/>
+          <p:cNvPicPr>
+            <a:picLocks noChangeAspect="1" noChangeArrowheads="1"/>
+          </p:cNvPicPr>
+          <p:nvPr/>
+        </p:nvPicPr>
+        <p:blipFill>
+          <a:blip r:embed="rId2">
+            <a:extLst>
+              <a:ext uri="{28A0092B-C50C-407E-A947-70E740481C1C}">
+                <a14:useLocalDpi xmlns:a14="http://schemas.microsoft.com/office/drawing/2010/main" val="0"/>
+              </a:ext>
+            </a:extLst>
+          </a:blip>
+          <a:srcRect/>
+          <a:stretch>
+            <a:fillRect/>
+          </a:stretch>
+        </p:blipFill>
+        <p:spPr bwMode="auto">
+          <a:xfrm>
+            <a:off x="1371600" y="2200275"/>
+            <a:ext cx="3295650" cy="1228725"/>
+          </a:xfrm>
+          <a:prstGeom prst="rect">
+            <a:avLst/>
+          </a:prstGeom>
+          <a:noFill/>
+          <a:ln>
+            <a:noFill/>
+          </a:ln>
+          <a:effectLst/>
+          <a:extLst>
+            <a:ext uri="{909E8E84-426E-40DD-AFC4-6F175D3DCCD1}">
+              <a14:hiddenFill xmlns:a14="http://schemas.microsoft.com/office/drawing/2010/main">
+                <a:solidFill>
+                  <a:schemeClr val="accent1"/>
+                </a:solidFill>
+              </a14:hiddenFill>
+            </a:ext>
+            <a:ext uri="{91240B29-F687-4F45-9708-019B960494DF}">
+              <a14:hiddenLine xmlns:a14="http://schemas.microsoft.com/office/drawing/2010/main" w="9525">
+                <a:solidFill>
+                  <a:schemeClr val="tx1"/>
+                </a:solidFill>
+                <a:miter lim="800000"/>
+                <a:headEnd/>
+                <a:tailEnd/>
+              </a14:hiddenLine>
+            </a:ext>
+            <a:ext uri="{AF507438-7753-43E0-B8FC-AC1667EBCBE1}">
+              <a14:hiddenEffects xmlns:a14="http://schemas.microsoft.com/office/drawing/2010/main">
+                <a:effectLst>
+                  <a:outerShdw dist="35921" dir="2700000" algn="ctr" rotWithShape="0">
+                    <a:schemeClr val="bg2"/>
+                  </a:outerShdw>
+                </a:effectLst>
+              </a14:hiddenEffects>
+            </a:ext>
+          </a:extLst>
+        </p:spPr>
+      </p:pic>
+    </p:spTree>
+    <p:extLst>
+      <p:ext uri="{BB962C8B-B14F-4D97-AF65-F5344CB8AC3E}">
+        <p14:creationId xmlns:p14="http://schemas.microsoft.com/office/powerpoint/2010/main" val="2406160584"/>
+      </p:ext>
+    </p:extLst>
+  </p:cSld>
+  <p:clrMapOvr>
+    <a:masterClrMapping/>
+  </p:clrMapOvr>
+  <p:timing>
+    <p:tnLst>
+      <p:par>
+        <p:cTn id="1" dur="indefinite" restart="never" nodeType="tmRoot"/>
+      </p:par>
+    </p:tnLst>
+  </p:timing>
+</p:sld>
+</file>
+
+<file path=ppt/slides/slide24.xml><?xml version="1.0" encoding="utf-8"?>
+<p:sld xmlns:a="http://schemas.openxmlformats.org/drawingml/2006/main" xmlns:r="http://schemas.openxmlformats.org/officeDocument/2006/relationships" xmlns:p="http://schemas.openxmlformats.org/presentationml/2006/main">
+  <p:cSld>
+    <p:spTree>
+      <p:nvGrpSpPr>
+        <p:cNvPr id="1" name=""/>
+        <p:cNvGrpSpPr/>
+        <p:nvPr/>
+      </p:nvGrpSpPr>
+      <p:grpSpPr>
+        <a:xfrm>
+          <a:off x="0" y="0"/>
+          <a:ext cx="0" cy="0"/>
+          <a:chOff x="0" y="0"/>
+          <a:chExt cx="0" cy="0"/>
+        </a:xfrm>
+      </p:grpSpPr>
+      <p:sp>
+        <p:nvSpPr>
+          <p:cNvPr id="2" name="Title 1"/>
+          <p:cNvSpPr>
+            <a:spLocks noGrp="1"/>
+          </p:cNvSpPr>
+          <p:nvPr>
+            <p:ph type="title"/>
+          </p:nvPr>
+        </p:nvSpPr>
+        <p:spPr/>
+        <p:txBody>
+          <a:bodyPr>
+            <a:normAutofit/>
+          </a:bodyPr>
+          <a:lstStyle/>
+          <a:p>
+            <a:r>
+              <a:rPr lang="en-IN" dirty="0"/>
+              <a:t>OOPs in JavaScript</a:t>
+            </a:r>
+            <a:endParaRPr lang="en-US" dirty="0"/>
+          </a:p>
+        </p:txBody>
+      </p:sp>
+      <p:sp>
+        <p:nvSpPr>
+          <p:cNvPr id="3" name="Content Placeholder 2"/>
+          <p:cNvSpPr>
+            <a:spLocks noGrp="1"/>
+          </p:cNvSpPr>
+          <p:nvPr>
+            <p:ph sz="quarter" idx="1"/>
+          </p:nvPr>
+        </p:nvSpPr>
+        <p:spPr/>
+        <p:txBody>
+          <a:bodyPr>
+            <a:normAutofit/>
+          </a:bodyPr>
+          <a:lstStyle/>
+          <a:p>
+            <a:pPr marL="0" indent="0">
+              <a:buNone/>
+            </a:pPr>
+            <a:r>
+              <a:rPr lang="en-US" b="1" dirty="0"/>
+              <a:t>Inheritance:</a:t>
+            </a:r>
+          </a:p>
+          <a:p>
+            <a:r>
+              <a:rPr lang="en-US" dirty="0"/>
+              <a:t>Inheritance is a way to create a class as a specialized version of one or more classes (</a:t>
+            </a:r>
+            <a:r>
+              <a:rPr lang="en-US" i="1" dirty="0"/>
+              <a:t>JavaScript only </a:t>
+            </a:r>
+            <a:r>
+              <a:rPr lang="en-US" i="1" dirty="0" smtClean="0"/>
+              <a:t>supports single </a:t>
+            </a:r>
+            <a:r>
+              <a:rPr lang="en-US" i="1" dirty="0"/>
+              <a:t>class inheritance</a:t>
+            </a:r>
+            <a:r>
+              <a:rPr lang="en-US" dirty="0" smtClean="0"/>
+              <a:t>).</a:t>
+            </a:r>
+          </a:p>
+          <a:p>
+            <a:endParaRPr lang="en-US" dirty="0"/>
+          </a:p>
+          <a:p>
+            <a:r>
+              <a:rPr lang="en-US" dirty="0" smtClean="0"/>
+              <a:t>TODO-Need to prepare example</a:t>
+            </a:r>
+            <a:endParaRPr lang="en-US" dirty="0"/>
+          </a:p>
+        </p:txBody>
+      </p:sp>
+    </p:spTree>
+    <p:extLst>
+      <p:ext uri="{BB962C8B-B14F-4D97-AF65-F5344CB8AC3E}">
+        <p14:creationId xmlns:p14="http://schemas.microsoft.com/office/powerpoint/2010/main" val="2022823055"/>
+      </p:ext>
+    </p:extLst>
+  </p:cSld>
+  <p:clrMapOvr>
+    <a:masterClrMapping/>
+  </p:clrMapOvr>
+  <p:timing>
+    <p:tnLst>
+      <p:par>
+        <p:cTn id="1" dur="indefinite" restart="never" nodeType="tmRoot"/>
+      </p:par>
+    </p:tnLst>
+  </p:timing>
+</p:sld>
+</file>
+
+<file path=ppt/slides/slide25.xml><?xml version="1.0" encoding="utf-8"?>
+<p:sld xmlns:a="http://schemas.openxmlformats.org/drawingml/2006/main" xmlns:r="http://schemas.openxmlformats.org/officeDocument/2006/relationships" xmlns:p="http://schemas.openxmlformats.org/presentationml/2006/main">
+  <p:cSld>
+    <p:spTree>
+      <p:nvGrpSpPr>
+        <p:cNvPr id="1" name=""/>
+        <p:cNvGrpSpPr/>
+        <p:nvPr/>
+      </p:nvGrpSpPr>
+      <p:grpSpPr>
+        <a:xfrm>
+          <a:off x="0" y="0"/>
+          <a:ext cx="0" cy="0"/>
+          <a:chOff x="0" y="0"/>
+          <a:chExt cx="0" cy="0"/>
+        </a:xfrm>
+      </p:grpSpPr>
+      <p:sp>
+        <p:nvSpPr>
+          <p:cNvPr id="2" name="Title 1"/>
+          <p:cNvSpPr>
+            <a:spLocks noGrp="1"/>
+          </p:cNvSpPr>
+          <p:nvPr>
+            <p:ph type="title"/>
+          </p:nvPr>
+        </p:nvSpPr>
+        <p:spPr/>
+        <p:txBody>
+          <a:bodyPr>
+            <a:normAutofit/>
+          </a:bodyPr>
+          <a:lstStyle/>
+          <a:p>
+            <a:r>
+              <a:rPr lang="en-IN" dirty="0"/>
+              <a:t>OOPs in JavaScript</a:t>
+            </a:r>
+            <a:endParaRPr lang="en-US" dirty="0"/>
+          </a:p>
+        </p:txBody>
+      </p:sp>
+      <p:sp>
+        <p:nvSpPr>
+          <p:cNvPr id="3" name="Content Placeholder 2"/>
+          <p:cNvSpPr>
+            <a:spLocks noGrp="1"/>
+          </p:cNvSpPr>
+          <p:nvPr>
+            <p:ph sz="quarter" idx="1"/>
+          </p:nvPr>
+        </p:nvSpPr>
+        <p:spPr/>
+        <p:txBody>
+          <a:bodyPr>
+            <a:normAutofit fontScale="92500" lnSpcReduction="10000"/>
+          </a:bodyPr>
+          <a:lstStyle/>
+          <a:p>
+            <a:pPr marL="0" indent="0">
+              <a:buNone/>
+            </a:pPr>
+            <a:r>
+              <a:rPr lang="en-US" b="1" dirty="0"/>
+              <a:t>Encapsulation:</a:t>
+            </a:r>
+          </a:p>
+          <a:p>
+            <a:r>
+              <a:rPr lang="en-US" dirty="0" smtClean="0"/>
+              <a:t>Encapsulation is a concept of hiding original implementation.</a:t>
+            </a:r>
+          </a:p>
+          <a:p>
+            <a:pPr marL="0" indent="0">
+              <a:buNone/>
+            </a:pPr>
+            <a:r>
+              <a:rPr lang="en-US" b="1" dirty="0" smtClean="0"/>
+              <a:t>Ex:</a:t>
+            </a:r>
+          </a:p>
+          <a:p>
+            <a:r>
+              <a:rPr lang="en-US" dirty="0"/>
+              <a:t>In the previous example, Student does not need to know how the Person class's walk() method is implemented, but still can use that </a:t>
+            </a:r>
+            <a:r>
+              <a:rPr lang="en-US" dirty="0" smtClean="0"/>
+              <a:t>method</a:t>
+            </a:r>
+            <a:r>
+              <a:rPr lang="en-US" dirty="0"/>
+              <a:t>.</a:t>
+            </a:r>
+            <a:endParaRPr lang="en-US" dirty="0" smtClean="0"/>
+          </a:p>
+          <a:p>
+            <a:r>
+              <a:rPr lang="en-US" dirty="0" smtClean="0"/>
+              <a:t>The</a:t>
+            </a:r>
+            <a:r>
+              <a:rPr lang="en-US" dirty="0"/>
+              <a:t> Student class doesn't need to explicitly define that method unless we want to change it. This is called </a:t>
+            </a:r>
+            <a:r>
+              <a:rPr lang="en-US" dirty="0" smtClean="0"/>
+              <a:t>encapsulation.</a:t>
+            </a:r>
+            <a:endParaRPr lang="en-US" dirty="0"/>
+          </a:p>
+          <a:p>
+            <a:endParaRPr lang="en-US" dirty="0"/>
+          </a:p>
+          <a:p>
+            <a:pPr marL="0" indent="0">
+              <a:buNone/>
+            </a:pPr>
+            <a:endParaRPr lang="en-US" dirty="0"/>
+          </a:p>
+        </p:txBody>
+      </p:sp>
+    </p:spTree>
+    <p:extLst>
+      <p:ext uri="{BB962C8B-B14F-4D97-AF65-F5344CB8AC3E}">
+        <p14:creationId xmlns:p14="http://schemas.microsoft.com/office/powerpoint/2010/main" val="4066038895"/>
+      </p:ext>
+    </p:extLst>
+  </p:cSld>
+  <p:clrMapOvr>
+    <a:masterClrMapping/>
+  </p:clrMapOvr>
+  <p:timing>
+    <p:tnLst>
+      <p:par>
+        <p:cTn id="1" dur="indefinite" restart="never" nodeType="tmRoot"/>
+      </p:par>
+    </p:tnLst>
+  </p:timing>
+</p:sld>
+</file>
+
+<file path=ppt/slides/slide26.xml><?xml version="1.0" encoding="utf-8"?>
+<p:sld xmlns:a="http://schemas.openxmlformats.org/drawingml/2006/main" xmlns:r="http://schemas.openxmlformats.org/officeDocument/2006/relationships" xmlns:p="http://schemas.openxmlformats.org/presentationml/2006/main">
+  <p:cSld>
+    <p:spTree>
+      <p:nvGrpSpPr>
+        <p:cNvPr id="1" name=""/>
+        <p:cNvGrpSpPr/>
+        <p:nvPr/>
+      </p:nvGrpSpPr>
+      <p:grpSpPr>
+        <a:xfrm>
+          <a:off x="0" y="0"/>
+          <a:ext cx="0" cy="0"/>
+          <a:chOff x="0" y="0"/>
+          <a:chExt cx="0" cy="0"/>
+        </a:xfrm>
+      </p:grpSpPr>
+      <p:sp>
+        <p:nvSpPr>
+          <p:cNvPr id="2" name="Title 1"/>
+          <p:cNvSpPr>
+            <a:spLocks noGrp="1"/>
+          </p:cNvSpPr>
+          <p:nvPr>
+            <p:ph type="title"/>
+          </p:nvPr>
+        </p:nvSpPr>
+        <p:spPr/>
+        <p:txBody>
+          <a:bodyPr>
+            <a:normAutofit/>
+          </a:bodyPr>
+          <a:lstStyle/>
+          <a:p>
+            <a:r>
+              <a:rPr lang="en-IN" dirty="0"/>
+              <a:t>OOPs in JavaScript</a:t>
+            </a:r>
+            <a:endParaRPr lang="en-US" dirty="0"/>
+          </a:p>
+        </p:txBody>
+      </p:sp>
+      <p:sp>
+        <p:nvSpPr>
+          <p:cNvPr id="3" name="Content Placeholder 2"/>
+          <p:cNvSpPr>
+            <a:spLocks noGrp="1"/>
+          </p:cNvSpPr>
+          <p:nvPr>
+            <p:ph sz="quarter" idx="1"/>
+          </p:nvPr>
+        </p:nvSpPr>
+        <p:spPr/>
+        <p:txBody>
+          <a:bodyPr>
+            <a:normAutofit/>
+          </a:bodyPr>
+          <a:lstStyle/>
+          <a:p>
+            <a:pPr marL="0" indent="0">
+              <a:buNone/>
+            </a:pPr>
+            <a:r>
+              <a:rPr lang="en-US" b="1" dirty="0"/>
+              <a:t>Abstraction:</a:t>
+            </a:r>
+          </a:p>
+          <a:p>
+            <a:r>
+              <a:rPr lang="en-US" dirty="0"/>
+              <a:t>Abstraction is a mechanism that permits modeling the current part of the working problem. </a:t>
+            </a:r>
+            <a:endParaRPr lang="en-US" dirty="0" smtClean="0"/>
+          </a:p>
+          <a:p>
+            <a:r>
+              <a:rPr lang="en-US" dirty="0" smtClean="0"/>
+              <a:t>This </a:t>
+            </a:r>
+            <a:r>
+              <a:rPr lang="en-US" dirty="0"/>
+              <a:t>can be achieved by inheritance (specialization), or composition. </a:t>
+            </a:r>
+            <a:endParaRPr lang="en-US" dirty="0" smtClean="0"/>
+          </a:p>
+          <a:p>
+            <a:r>
+              <a:rPr lang="en-US" dirty="0" smtClean="0"/>
+              <a:t>JavaScript </a:t>
+            </a:r>
+            <a:r>
+              <a:rPr lang="en-US" dirty="0"/>
+              <a:t>achieves specialization by inheritance, and composition by letting instances of classes is the values of attributes of other objects.</a:t>
+            </a:r>
+          </a:p>
+          <a:p>
+            <a:r>
+              <a:rPr lang="en-US" dirty="0" smtClean="0"/>
+              <a:t>TODO-Need to change content</a:t>
+            </a:r>
+            <a:endParaRPr lang="en-US" dirty="0"/>
+          </a:p>
+          <a:p>
+            <a:pPr marL="0" indent="0">
+              <a:buNone/>
+            </a:pPr>
+            <a:endParaRPr lang="en-US" dirty="0"/>
+          </a:p>
+        </p:txBody>
+      </p:sp>
+    </p:spTree>
+    <p:extLst>
+      <p:ext uri="{BB962C8B-B14F-4D97-AF65-F5344CB8AC3E}">
+        <p14:creationId xmlns:p14="http://schemas.microsoft.com/office/powerpoint/2010/main" val="2301373163"/>
+      </p:ext>
+    </p:extLst>
+  </p:cSld>
+  <p:clrMapOvr>
+    <a:masterClrMapping/>
+  </p:clrMapOvr>
+  <p:timing>
+    <p:tnLst>
+      <p:par>
+        <p:cTn id="1" dur="indefinite" restart="never" nodeType="tmRoot"/>
+      </p:par>
+    </p:tnLst>
+  </p:timing>
+</p:sld>
+</file>
+
+<file path=ppt/slides/slide27.xml><?xml version="1.0" encoding="utf-8"?>
+<p:sld xmlns:a="http://schemas.openxmlformats.org/drawingml/2006/main" xmlns:r="http://schemas.openxmlformats.org/officeDocument/2006/relationships" xmlns:p="http://schemas.openxmlformats.org/presentationml/2006/main">
+  <p:cSld>
+    <p:spTree>
+      <p:nvGrpSpPr>
+        <p:cNvPr id="1" name=""/>
+        <p:cNvGrpSpPr/>
+        <p:nvPr/>
+      </p:nvGrpSpPr>
+      <p:grpSpPr>
+        <a:xfrm>
+          <a:off x="0" y="0"/>
+          <a:ext cx="0" cy="0"/>
+          <a:chOff x="0" y="0"/>
+          <a:chExt cx="0" cy="0"/>
+        </a:xfrm>
+      </p:grpSpPr>
+      <p:sp>
+        <p:nvSpPr>
+          <p:cNvPr id="2" name="Title 1"/>
+          <p:cNvSpPr>
+            <a:spLocks noGrp="1"/>
+          </p:cNvSpPr>
+          <p:nvPr>
+            <p:ph type="title"/>
+          </p:nvPr>
+        </p:nvSpPr>
+        <p:spPr/>
+        <p:txBody>
+          <a:bodyPr>
+            <a:normAutofit/>
+          </a:bodyPr>
+          <a:lstStyle/>
+          <a:p>
+            <a:r>
+              <a:rPr lang="en-IN" dirty="0"/>
+              <a:t>OOPs in JavaScript</a:t>
+            </a:r>
+            <a:endParaRPr lang="en-US" dirty="0"/>
+          </a:p>
+        </p:txBody>
+      </p:sp>
+      <p:sp>
+        <p:nvSpPr>
+          <p:cNvPr id="3" name="Content Placeholder 2"/>
+          <p:cNvSpPr>
+            <a:spLocks noGrp="1"/>
+          </p:cNvSpPr>
+          <p:nvPr>
+            <p:ph sz="quarter" idx="1"/>
+          </p:nvPr>
+        </p:nvSpPr>
+        <p:spPr/>
+        <p:txBody>
+          <a:bodyPr>
+            <a:normAutofit/>
+          </a:bodyPr>
+          <a:lstStyle/>
+          <a:p>
+            <a:pPr marL="0" indent="0">
+              <a:buNone/>
+            </a:pPr>
+            <a:r>
+              <a:rPr lang="en-US" b="1" dirty="0" smtClean="0"/>
+              <a:t>Polymorphism</a:t>
+            </a:r>
+            <a:r>
+              <a:rPr lang="en-US" b="1" dirty="0"/>
+              <a:t>:</a:t>
+            </a:r>
+          </a:p>
+          <a:p>
+            <a:r>
+              <a:rPr lang="en-US" dirty="0"/>
+              <a:t>Just like all methods and properties are defined inside the prototype property, different classes can define methods with the same </a:t>
+            </a:r>
+            <a:r>
+              <a:rPr lang="en-US" dirty="0" smtClean="0"/>
+              <a:t>name.</a:t>
+            </a:r>
+          </a:p>
+          <a:p>
+            <a:pPr marL="0" indent="0">
+              <a:buNone/>
+            </a:pPr>
+            <a:r>
+              <a:rPr lang="en-US" dirty="0" smtClean="0"/>
+              <a:t>Ex:</a:t>
+            </a:r>
+          </a:p>
+          <a:p>
+            <a:pPr marL="0" indent="0">
+              <a:buNone/>
+            </a:pPr>
+            <a:r>
+              <a:rPr lang="en-US" dirty="0" smtClean="0"/>
+              <a:t>TODO-Need to prepare example</a:t>
+            </a:r>
+            <a:endParaRPr lang="en-US" dirty="0"/>
+          </a:p>
+        </p:txBody>
+      </p:sp>
+    </p:spTree>
+    <p:extLst>
+      <p:ext uri="{BB962C8B-B14F-4D97-AF65-F5344CB8AC3E}">
+        <p14:creationId xmlns:p14="http://schemas.microsoft.com/office/powerpoint/2010/main" val="1550641786"/>
+      </p:ext>
+    </p:extLst>
+  </p:cSld>
+  <p:clrMapOvr>
+    <a:masterClrMapping/>
+  </p:clrMapOvr>
+  <p:timing>
+    <p:tnLst>
+      <p:par>
+        <p:cTn id="1" dur="indefinite" restart="never" nodeType="tmRoot"/>
+      </p:par>
+    </p:tnLst>
+  </p:timing>
+</p:sld>
+</file>
+
+<file path=ppt/slides/slide28.xml><?xml version="1.0" encoding="utf-8"?>
+<p:sld xmlns:a="http://schemas.openxmlformats.org/drawingml/2006/main" xmlns:r="http://schemas.openxmlformats.org/officeDocument/2006/relationships" xmlns:p="http://schemas.openxmlformats.org/presentationml/2006/main">
+  <p:cSld>
+    <p:spTree>
+      <p:nvGrpSpPr>
+        <p:cNvPr id="1" name=""/>
+        <p:cNvGrpSpPr/>
+        <p:nvPr/>
+      </p:nvGrpSpPr>
+      <p:grpSpPr>
+        <a:xfrm>
+          <a:off x="0" y="0"/>
+          <a:ext cx="0" cy="0"/>
+          <a:chOff x="0" y="0"/>
+          <a:chExt cx="0" cy="0"/>
+        </a:xfrm>
+      </p:grpSpPr>
+      <p:sp>
+        <p:nvSpPr>
+          <p:cNvPr id="2" name="Title 1"/>
+          <p:cNvSpPr>
+            <a:spLocks noGrp="1"/>
+          </p:cNvSpPr>
+          <p:nvPr>
+            <p:ph type="title"/>
+          </p:nvPr>
+        </p:nvSpPr>
+        <p:spPr/>
+        <p:txBody>
+          <a:bodyPr>
+            <a:normAutofit/>
+          </a:bodyPr>
+          <a:lstStyle/>
+          <a:p>
+            <a:pPr lvl="0"/>
+            <a:r>
+              <a:rPr lang="en-IN" dirty="0" smtClean="0"/>
+              <a:t>Prototype</a:t>
+            </a:r>
+            <a:endParaRPr lang="en-US" dirty="0"/>
+          </a:p>
+        </p:txBody>
+      </p:sp>
+      <p:sp>
+        <p:nvSpPr>
+          <p:cNvPr id="3" name="Content Placeholder 2"/>
+          <p:cNvSpPr>
+            <a:spLocks noGrp="1"/>
+          </p:cNvSpPr>
+          <p:nvPr>
+            <p:ph sz="quarter" idx="1"/>
+          </p:nvPr>
+        </p:nvSpPr>
+        <p:spPr/>
+        <p:txBody>
+          <a:bodyPr>
+            <a:normAutofit/>
+          </a:bodyPr>
+          <a:lstStyle/>
+          <a:p>
+            <a:r>
+              <a:rPr lang="en-US" dirty="0"/>
+              <a:t>When you define a function within JavaScript, it comes with a few pre-defined properties. </a:t>
+            </a:r>
+            <a:r>
+              <a:rPr lang="en-US"/>
+              <a:t>One of these is the illusive prototype.</a:t>
+            </a:r>
+          </a:p>
+        </p:txBody>
+      </p:sp>
+    </p:spTree>
+    <p:extLst>
+      <p:ext uri="{BB962C8B-B14F-4D97-AF65-F5344CB8AC3E}">
+        <p14:creationId xmlns:p14="http://schemas.microsoft.com/office/powerpoint/2010/main" val="3497105908"/>
+      </p:ext>
+    </p:extLst>
+  </p:cSld>
+  <p:clrMapOvr>
+    <a:masterClrMapping/>
+  </p:clrMapOvr>
+  <p:timing>
+    <p:tnLst>
+      <p:par>
+        <p:cTn id="1" dur="indefinite" restart="never" nodeType="tmRoot"/>
+      </p:par>
+    </p:tnLst>
+  </p:timing>
+</p:sld>
+</file>
+
+<file path=ppt/slides/slide29.xml><?xml version="1.0" encoding="utf-8"?>
+<p:sld xmlns:a="http://schemas.openxmlformats.org/drawingml/2006/main" xmlns:r="http://schemas.openxmlformats.org/officeDocument/2006/relationships" xmlns:p="http://schemas.openxmlformats.org/presentationml/2006/main">
+  <p:cSld>
+    <p:spTree>
+      <p:nvGrpSpPr>
+        <p:cNvPr id="1" name=""/>
+        <p:cNvGrpSpPr/>
+        <p:nvPr/>
+      </p:nvGrpSpPr>
+      <p:grpSpPr>
+        <a:xfrm>
+          <a:off x="0" y="0"/>
+          <a:ext cx="0" cy="0"/>
+          <a:chOff x="0" y="0"/>
+          <a:chExt cx="0" cy="0"/>
+        </a:xfrm>
+      </p:grpSpPr>
+      <p:sp>
+        <p:nvSpPr>
+          <p:cNvPr id="2" name="Title 1"/>
+          <p:cNvSpPr>
+            <a:spLocks noGrp="1"/>
+          </p:cNvSpPr>
+          <p:nvPr>
+            <p:ph type="title"/>
+          </p:nvPr>
+        </p:nvSpPr>
+        <p:spPr/>
+        <p:txBody>
+          <a:bodyPr>
+            <a:normAutofit/>
+          </a:bodyPr>
+          <a:lstStyle/>
+          <a:p>
+            <a:pPr lvl="0"/>
+            <a:r>
+              <a:rPr lang="en-IN" dirty="0"/>
+              <a:t>Module Pattern</a:t>
+            </a:r>
+            <a:endParaRPr lang="en-US" dirty="0"/>
+          </a:p>
+        </p:txBody>
+      </p:sp>
+      <p:sp>
+        <p:nvSpPr>
+          <p:cNvPr id="3" name="Content Placeholder 2"/>
+          <p:cNvSpPr>
+            <a:spLocks noGrp="1"/>
+          </p:cNvSpPr>
+          <p:nvPr>
+            <p:ph sz="quarter" idx="1"/>
+          </p:nvPr>
+        </p:nvSpPr>
+        <p:spPr/>
+        <p:txBody>
+          <a:bodyPr>
+            <a:normAutofit lnSpcReduction="10000"/>
+          </a:bodyPr>
+          <a:lstStyle/>
+          <a:p>
+            <a:r>
+              <a:rPr lang="en-US" dirty="0" smtClean="0"/>
+              <a:t>Modules </a:t>
+            </a:r>
+            <a:r>
+              <a:rPr lang="en-US" dirty="0"/>
+              <a:t>are an integral part of any robust application's architecture and typically help in keeping the units of code for a project both cleanly separated and </a:t>
+            </a:r>
+            <a:r>
+              <a:rPr lang="en-US" dirty="0" smtClean="0"/>
+              <a:t>organized</a:t>
+            </a:r>
+            <a:r>
+              <a:rPr lang="en-US" dirty="0" smtClean="0"/>
+              <a:t>.</a:t>
+            </a:r>
+          </a:p>
+          <a:p>
+            <a:r>
+              <a:rPr lang="en-US" dirty="0"/>
+              <a:t>In JavaScript, there are several options for implementing modules. </a:t>
+            </a:r>
+            <a:endParaRPr lang="en-US" dirty="0" smtClean="0"/>
+          </a:p>
+          <a:p>
+            <a:r>
+              <a:rPr lang="en-US" dirty="0" smtClean="0"/>
+              <a:t>These </a:t>
+            </a:r>
+            <a:r>
+              <a:rPr lang="en-US" dirty="0"/>
+              <a:t>include:</a:t>
+            </a:r>
+          </a:p>
+          <a:p>
+            <a:pPr lvl="1"/>
+            <a:r>
+              <a:rPr lang="en-US" dirty="0"/>
+              <a:t>The Module pattern</a:t>
+            </a:r>
+          </a:p>
+          <a:p>
+            <a:pPr lvl="1"/>
+            <a:r>
+              <a:rPr lang="en-US" dirty="0"/>
+              <a:t>Object literal notation</a:t>
+            </a:r>
+          </a:p>
+          <a:p>
+            <a:pPr lvl="1"/>
+            <a:r>
+              <a:rPr lang="en-US" dirty="0"/>
+              <a:t>AMD modules</a:t>
+            </a:r>
+          </a:p>
+          <a:p>
+            <a:endParaRPr lang="en-US" dirty="0"/>
+          </a:p>
+        </p:txBody>
+      </p:sp>
+    </p:spTree>
+    <p:extLst>
+      <p:ext uri="{BB962C8B-B14F-4D97-AF65-F5344CB8AC3E}">
+        <p14:creationId xmlns:p14="http://schemas.microsoft.com/office/powerpoint/2010/main" val="301361822"/>
       </p:ext>
     </p:extLst>
   </p:cSld>
@@ -6070,6 +7632,440 @@
         </p:txBody>
       </p:sp>
     </p:spTree>
+  </p:cSld>
+  <p:clrMapOvr>
+    <a:masterClrMapping/>
+  </p:clrMapOvr>
+  <p:timing>
+    <p:tnLst>
+      <p:par>
+        <p:cTn id="1" dur="indefinite" restart="never" nodeType="tmRoot"/>
+      </p:par>
+    </p:tnLst>
+  </p:timing>
+</p:sld>
+</file>
+
+<file path=ppt/slides/slide30.xml><?xml version="1.0" encoding="utf-8"?>
+<p:sld xmlns:a="http://schemas.openxmlformats.org/drawingml/2006/main" xmlns:r="http://schemas.openxmlformats.org/officeDocument/2006/relationships" xmlns:p="http://schemas.openxmlformats.org/presentationml/2006/main">
+  <p:cSld>
+    <p:spTree>
+      <p:nvGrpSpPr>
+        <p:cNvPr id="1" name=""/>
+        <p:cNvGrpSpPr/>
+        <p:nvPr/>
+      </p:nvGrpSpPr>
+      <p:grpSpPr>
+        <a:xfrm>
+          <a:off x="0" y="0"/>
+          <a:ext cx="0" cy="0"/>
+          <a:chOff x="0" y="0"/>
+          <a:chExt cx="0" cy="0"/>
+        </a:xfrm>
+      </p:grpSpPr>
+      <p:sp>
+        <p:nvSpPr>
+          <p:cNvPr id="2" name="Title 1"/>
+          <p:cNvSpPr>
+            <a:spLocks noGrp="1"/>
+          </p:cNvSpPr>
+          <p:nvPr>
+            <p:ph type="title"/>
+          </p:nvPr>
+        </p:nvSpPr>
+        <p:spPr/>
+        <p:txBody>
+          <a:bodyPr>
+            <a:normAutofit/>
+          </a:bodyPr>
+          <a:lstStyle/>
+          <a:p>
+            <a:pPr lvl="0"/>
+            <a:r>
+              <a:rPr lang="en-IN" dirty="0"/>
+              <a:t>Module Pattern</a:t>
+            </a:r>
+            <a:endParaRPr lang="en-US" dirty="0"/>
+          </a:p>
+        </p:txBody>
+      </p:sp>
+      <p:sp>
+        <p:nvSpPr>
+          <p:cNvPr id="3" name="Content Placeholder 2"/>
+          <p:cNvSpPr>
+            <a:spLocks noGrp="1"/>
+          </p:cNvSpPr>
+          <p:nvPr>
+            <p:ph sz="quarter" idx="1"/>
+          </p:nvPr>
+        </p:nvSpPr>
+        <p:spPr/>
+        <p:txBody>
+          <a:bodyPr>
+            <a:normAutofit/>
+          </a:bodyPr>
+          <a:lstStyle/>
+          <a:p>
+            <a:r>
+              <a:rPr lang="en-US" dirty="0"/>
+              <a:t>The Module pattern was originally defined as a way to provide both private and public encapsulation.</a:t>
+            </a:r>
+          </a:p>
+          <a:p>
+            <a:r>
+              <a:rPr lang="en-US" dirty="0"/>
+              <a:t>The Module pattern encapsulates "privacy", state and organization using closures. </a:t>
+            </a:r>
+          </a:p>
+          <a:p>
+            <a:r>
+              <a:rPr lang="en-US" dirty="0"/>
+              <a:t>It provides a way of wrapping a mix of public and private methods and variables, protecting pieces from leaking into the global scope and accidentally colliding with another developer's interface. </a:t>
+            </a:r>
+          </a:p>
+          <a:p>
+            <a:endParaRPr lang="en-US" dirty="0"/>
+          </a:p>
+        </p:txBody>
+      </p:sp>
+    </p:spTree>
+    <p:extLst>
+      <p:ext uri="{BB962C8B-B14F-4D97-AF65-F5344CB8AC3E}">
+        <p14:creationId xmlns:p14="http://schemas.microsoft.com/office/powerpoint/2010/main" val="4119125854"/>
+      </p:ext>
+    </p:extLst>
+  </p:cSld>
+  <p:clrMapOvr>
+    <a:masterClrMapping/>
+  </p:clrMapOvr>
+  <p:timing>
+    <p:tnLst>
+      <p:par>
+        <p:cTn id="1" dur="indefinite" restart="never" nodeType="tmRoot"/>
+      </p:par>
+    </p:tnLst>
+  </p:timing>
+</p:sld>
+</file>
+
+<file path=ppt/slides/slide31.xml><?xml version="1.0" encoding="utf-8"?>
+<p:sld xmlns:a="http://schemas.openxmlformats.org/drawingml/2006/main" xmlns:r="http://schemas.openxmlformats.org/officeDocument/2006/relationships" xmlns:p="http://schemas.openxmlformats.org/presentationml/2006/main">
+  <p:cSld>
+    <p:spTree>
+      <p:nvGrpSpPr>
+        <p:cNvPr id="1" name=""/>
+        <p:cNvGrpSpPr/>
+        <p:nvPr/>
+      </p:nvGrpSpPr>
+      <p:grpSpPr>
+        <a:xfrm>
+          <a:off x="0" y="0"/>
+          <a:ext cx="0" cy="0"/>
+          <a:chOff x="0" y="0"/>
+          <a:chExt cx="0" cy="0"/>
+        </a:xfrm>
+      </p:grpSpPr>
+      <p:sp>
+        <p:nvSpPr>
+          <p:cNvPr id="2" name="Title 1"/>
+          <p:cNvSpPr>
+            <a:spLocks noGrp="1"/>
+          </p:cNvSpPr>
+          <p:nvPr>
+            <p:ph type="title"/>
+          </p:nvPr>
+        </p:nvSpPr>
+        <p:spPr/>
+        <p:txBody>
+          <a:bodyPr>
+            <a:normAutofit/>
+          </a:bodyPr>
+          <a:lstStyle/>
+          <a:p>
+            <a:pPr lvl="0"/>
+            <a:r>
+              <a:rPr lang="en-IN" dirty="0"/>
+              <a:t>Module Pattern</a:t>
+            </a:r>
+            <a:endParaRPr lang="en-US" dirty="0"/>
+          </a:p>
+        </p:txBody>
+      </p:sp>
+      <p:sp>
+        <p:nvSpPr>
+          <p:cNvPr id="3" name="Content Placeholder 2"/>
+          <p:cNvSpPr>
+            <a:spLocks noGrp="1"/>
+          </p:cNvSpPr>
+          <p:nvPr>
+            <p:ph sz="quarter" idx="1"/>
+          </p:nvPr>
+        </p:nvSpPr>
+        <p:spPr/>
+        <p:txBody>
+          <a:bodyPr>
+            <a:normAutofit/>
+          </a:bodyPr>
+          <a:lstStyle/>
+          <a:p>
+            <a:r>
+              <a:rPr lang="en-US" dirty="0"/>
+              <a:t>With this pattern, only a public API is returned, keeping everything else within the closure private.</a:t>
+            </a:r>
+          </a:p>
+          <a:p>
+            <a:pPr marL="0" indent="0">
+              <a:buNone/>
+            </a:pPr>
+            <a:r>
+              <a:rPr lang="en-US" dirty="0"/>
+              <a:t>Ex:</a:t>
+            </a:r>
+          </a:p>
+          <a:p>
+            <a:pPr marL="0" indent="0">
+              <a:buNone/>
+            </a:pPr>
+            <a:endParaRPr lang="en-US" dirty="0"/>
+          </a:p>
+        </p:txBody>
+      </p:sp>
+      <p:pic>
+        <p:nvPicPr>
+          <p:cNvPr id="1026" name="Picture 2"/>
+          <p:cNvPicPr>
+            <a:picLocks noChangeAspect="1" noChangeArrowheads="1"/>
+          </p:cNvPicPr>
+          <p:nvPr/>
+        </p:nvPicPr>
+        <p:blipFill>
+          <a:blip r:embed="rId2">
+            <a:extLst>
+              <a:ext uri="{28A0092B-C50C-407E-A947-70E740481C1C}">
+                <a14:useLocalDpi xmlns:a14="http://schemas.microsoft.com/office/drawing/2010/main" val="0"/>
+              </a:ext>
+            </a:extLst>
+          </a:blip>
+          <a:srcRect/>
+          <a:stretch>
+            <a:fillRect/>
+          </a:stretch>
+        </p:blipFill>
+        <p:spPr bwMode="auto">
+          <a:xfrm>
+            <a:off x="1219200" y="3124200"/>
+            <a:ext cx="7696200" cy="3429000"/>
+          </a:xfrm>
+          <a:prstGeom prst="rect">
+            <a:avLst/>
+          </a:prstGeom>
+          <a:noFill/>
+          <a:ln>
+            <a:noFill/>
+          </a:ln>
+          <a:effectLst/>
+          <a:extLst>
+            <a:ext uri="{909E8E84-426E-40DD-AFC4-6F175D3DCCD1}">
+              <a14:hiddenFill xmlns:a14="http://schemas.microsoft.com/office/drawing/2010/main">
+                <a:solidFill>
+                  <a:schemeClr val="accent1"/>
+                </a:solidFill>
+              </a14:hiddenFill>
+            </a:ext>
+            <a:ext uri="{91240B29-F687-4F45-9708-019B960494DF}">
+              <a14:hiddenLine xmlns:a14="http://schemas.microsoft.com/office/drawing/2010/main" w="9525">
+                <a:solidFill>
+                  <a:schemeClr val="tx1"/>
+                </a:solidFill>
+                <a:miter lim="800000"/>
+                <a:headEnd/>
+                <a:tailEnd/>
+              </a14:hiddenLine>
+            </a:ext>
+            <a:ext uri="{AF507438-7753-43E0-B8FC-AC1667EBCBE1}">
+              <a14:hiddenEffects xmlns:a14="http://schemas.microsoft.com/office/drawing/2010/main">
+                <a:effectLst>
+                  <a:outerShdw dist="35921" dir="2700000" algn="ctr" rotWithShape="0">
+                    <a:schemeClr val="bg2"/>
+                  </a:outerShdw>
+                </a:effectLst>
+              </a14:hiddenEffects>
+            </a:ext>
+          </a:extLst>
+        </p:spPr>
+      </p:pic>
+    </p:spTree>
+    <p:extLst>
+      <p:ext uri="{BB962C8B-B14F-4D97-AF65-F5344CB8AC3E}">
+        <p14:creationId xmlns:p14="http://schemas.microsoft.com/office/powerpoint/2010/main" val="2413841924"/>
+      </p:ext>
+    </p:extLst>
+  </p:cSld>
+  <p:clrMapOvr>
+    <a:masterClrMapping/>
+  </p:clrMapOvr>
+  <p:timing>
+    <p:tnLst>
+      <p:par>
+        <p:cTn id="1" dur="indefinite" restart="never" nodeType="tmRoot"/>
+      </p:par>
+    </p:tnLst>
+  </p:timing>
+</p:sld>
+</file>
+
+<file path=ppt/slides/slide32.xml><?xml version="1.0" encoding="utf-8"?>
+<p:sld xmlns:a="http://schemas.openxmlformats.org/drawingml/2006/main" xmlns:r="http://schemas.openxmlformats.org/officeDocument/2006/relationships" xmlns:p="http://schemas.openxmlformats.org/presentationml/2006/main">
+  <p:cSld>
+    <p:spTree>
+      <p:nvGrpSpPr>
+        <p:cNvPr id="1" name=""/>
+        <p:cNvGrpSpPr/>
+        <p:nvPr/>
+      </p:nvGrpSpPr>
+      <p:grpSpPr>
+        <a:xfrm>
+          <a:off x="0" y="0"/>
+          <a:ext cx="0" cy="0"/>
+          <a:chOff x="0" y="0"/>
+          <a:chExt cx="0" cy="0"/>
+        </a:xfrm>
+      </p:grpSpPr>
+      <p:sp>
+        <p:nvSpPr>
+          <p:cNvPr id="2" name="Title 1"/>
+          <p:cNvSpPr>
+            <a:spLocks noGrp="1"/>
+          </p:cNvSpPr>
+          <p:nvPr>
+            <p:ph type="title"/>
+          </p:nvPr>
+        </p:nvSpPr>
+        <p:spPr/>
+        <p:txBody>
+          <a:bodyPr>
+            <a:normAutofit/>
+          </a:bodyPr>
+          <a:lstStyle/>
+          <a:p>
+            <a:pPr lvl="0"/>
+            <a:r>
+              <a:rPr lang="en-IN" dirty="0"/>
+              <a:t>Module Pattern</a:t>
+            </a:r>
+            <a:endParaRPr lang="en-US" dirty="0"/>
+          </a:p>
+        </p:txBody>
+      </p:sp>
+      <p:sp>
+        <p:nvSpPr>
+          <p:cNvPr id="3" name="Content Placeholder 2"/>
+          <p:cNvSpPr>
+            <a:spLocks noGrp="1"/>
+          </p:cNvSpPr>
+          <p:nvPr>
+            <p:ph sz="quarter" idx="1"/>
+          </p:nvPr>
+        </p:nvSpPr>
+        <p:spPr>
+          <a:xfrm>
+            <a:off x="609600" y="1752600"/>
+            <a:ext cx="8153400" cy="4495800"/>
+          </a:xfrm>
+        </p:spPr>
+        <p:txBody>
+          <a:bodyPr>
+            <a:normAutofit/>
+          </a:bodyPr>
+          <a:lstStyle/>
+          <a:p>
+            <a:pPr marL="0" indent="0">
+              <a:buNone/>
+            </a:pPr>
+            <a:r>
+              <a:rPr lang="en-US" dirty="0" smtClean="0"/>
+              <a:t>Usage:</a:t>
+            </a:r>
+            <a:endParaRPr lang="en-US" dirty="0"/>
+          </a:p>
+          <a:p>
+            <a:pPr marL="0" indent="0">
+              <a:buNone/>
+            </a:pPr>
+            <a:endParaRPr lang="en-US" dirty="0"/>
+          </a:p>
+        </p:txBody>
+      </p:sp>
+      <p:pic>
+        <p:nvPicPr>
+          <p:cNvPr id="2050" name="Picture 2"/>
+          <p:cNvPicPr>
+            <a:picLocks noChangeAspect="1" noChangeArrowheads="1"/>
+          </p:cNvPicPr>
+          <p:nvPr/>
+        </p:nvPicPr>
+        <p:blipFill>
+          <a:blip r:embed="rId2">
+            <a:extLst>
+              <a:ext uri="{28A0092B-C50C-407E-A947-70E740481C1C}">
+                <a14:useLocalDpi xmlns:a14="http://schemas.microsoft.com/office/drawing/2010/main" val="0"/>
+              </a:ext>
+            </a:extLst>
+          </a:blip>
+          <a:srcRect/>
+          <a:stretch>
+            <a:fillRect/>
+          </a:stretch>
+        </p:blipFill>
+        <p:spPr bwMode="auto">
+          <a:xfrm>
+            <a:off x="1676400" y="2585027"/>
+            <a:ext cx="4229100" cy="800100"/>
+          </a:xfrm>
+          <a:prstGeom prst="rect">
+            <a:avLst/>
+          </a:prstGeom>
+          <a:noFill/>
+          <a:ln>
+            <a:noFill/>
+          </a:ln>
+          <a:effectLst/>
+          <a:extLst>
+            <a:ext uri="{909E8E84-426E-40DD-AFC4-6F175D3DCCD1}">
+              <a14:hiddenFill xmlns:a14="http://schemas.microsoft.com/office/drawing/2010/main">
+                <a:solidFill>
+                  <a:schemeClr val="accent1"/>
+                </a:solidFill>
+              </a14:hiddenFill>
+            </a:ext>
+            <a:ext uri="{91240B29-F687-4F45-9708-019B960494DF}">
+              <a14:hiddenLine xmlns:a14="http://schemas.microsoft.com/office/drawing/2010/main" w="9525">
+                <a:solidFill>
+                  <a:schemeClr val="tx1"/>
+                </a:solidFill>
+                <a:miter lim="800000"/>
+                <a:headEnd/>
+                <a:tailEnd/>
+              </a14:hiddenLine>
+            </a:ext>
+            <a:ext uri="{AF507438-7753-43E0-B8FC-AC1667EBCBE1}">
+              <a14:hiddenEffects xmlns:a14="http://schemas.microsoft.com/office/drawing/2010/main">
+                <a:effectLst>
+                  <a:outerShdw dist="35921" dir="2700000" algn="ctr" rotWithShape="0">
+                    <a:schemeClr val="bg2"/>
+                  </a:outerShdw>
+                </a:effectLst>
+              </a14:hiddenEffects>
+            </a:ext>
+          </a:extLst>
+        </p:spPr>
+      </p:pic>
+    </p:spTree>
+    <p:extLst>
+      <p:ext uri="{BB962C8B-B14F-4D97-AF65-F5344CB8AC3E}">
+        <p14:creationId xmlns:p14="http://schemas.microsoft.com/office/powerpoint/2010/main" val="171757164"/>
+      </p:ext>
+    </p:extLst>
   </p:cSld>
   <p:clrMapOvr>
     <a:masterClrMapping/>

--- a/Advanced Javascript.pptx
+++ b/Advanced Javascript.pptx
@@ -7334,11 +7334,7 @@
           <a:p>
             <a:r>
               <a:rPr lang="en-US" dirty="0"/>
-              <a:t>When you define a function within JavaScript, it comes with a few pre-defined properties. </a:t>
-            </a:r>
-            <a:r>
-              <a:rPr lang="en-US"/>
-              <a:t>One of these is the illusive prototype.</a:t>
+              <a:t>When you define a function within JavaScript, it comes with a few pre-defined properties. One of these is the illusive prototype.</a:t>
             </a:r>
           </a:p>
         </p:txBody>
